--- a/2_HelloWorld/OpenModelica_Tutorials_2.pptx
+++ b/2_HelloWorld/OpenModelica_Tutorials_2.pptx
@@ -4,6 +4,9 @@
   <p:sldMasterIdLst>
     <p:sldMasterId id="2147483648" r:id="rId1"/>
   </p:sldMasterIdLst>
+  <p:notesMasterIdLst>
+    <p:notesMasterId r:id="rId12"/>
+  </p:notesMasterIdLst>
   <p:sldIdLst>
     <p:sldId id="256" r:id="rId2"/>
     <p:sldId id="293" r:id="rId3"/>
@@ -125,6 +128,388 @@
 <p1510:revInfo xmlns:a="http://schemas.openxmlformats.org/drawingml/2006/main" xmlns:r="http://schemas.openxmlformats.org/officeDocument/2006/relationships" xmlns:p1510="http://schemas.microsoft.com/office/powerpoint/2015/10/main"/>
 </file>
 
+<file path=ppt/notesMasters/notesMaster1.xml><?xml version="1.0" encoding="utf-8"?>
+<p:notesMaster xmlns:a="http://schemas.openxmlformats.org/drawingml/2006/main" xmlns:r="http://schemas.openxmlformats.org/officeDocument/2006/relationships" xmlns:p="http://schemas.openxmlformats.org/presentationml/2006/main">
+  <p:cSld>
+    <p:bg>
+      <p:bgRef idx="1001">
+        <a:schemeClr val="bg1"/>
+      </p:bgRef>
+    </p:bg>
+    <p:spTree>
+      <p:nvGrpSpPr>
+        <p:cNvPr id="1" name=""/>
+        <p:cNvGrpSpPr/>
+        <p:nvPr/>
+      </p:nvGrpSpPr>
+      <p:grpSpPr>
+        <a:xfrm>
+          <a:off x="0" y="0"/>
+          <a:ext cx="0" cy="0"/>
+          <a:chOff x="0" y="0"/>
+          <a:chExt cx="0" cy="0"/>
+        </a:xfrm>
+      </p:grpSpPr>
+      <p:sp>
+        <p:nvSpPr>
+          <p:cNvPr id="2" name="ヘッダー プレースホルダー 1"/>
+          <p:cNvSpPr>
+            <a:spLocks noGrp="1"/>
+          </p:cNvSpPr>
+          <p:nvPr>
+            <p:ph type="hdr" sz="quarter"/>
+          </p:nvPr>
+        </p:nvSpPr>
+        <p:spPr>
+          <a:xfrm>
+            <a:off x="0" y="0"/>
+            <a:ext cx="2971800" cy="458788"/>
+          </a:xfrm>
+          <a:prstGeom prst="rect">
+            <a:avLst/>
+          </a:prstGeom>
+        </p:spPr>
+        <p:txBody>
+          <a:bodyPr vert="horz" lIns="91440" tIns="45720" rIns="91440" bIns="45720" rtlCol="0"/>
+          <a:lstStyle>
+            <a:lvl1pPr algn="l">
+              <a:defRPr sz="1200"/>
+            </a:lvl1pPr>
+          </a:lstStyle>
+          <a:p>
+            <a:endParaRPr kumimoji="1" lang="ja-JP" altLang="en-US"/>
+          </a:p>
+        </p:txBody>
+      </p:sp>
+      <p:sp>
+        <p:nvSpPr>
+          <p:cNvPr id="3" name="日付プレースホルダー 2"/>
+          <p:cNvSpPr>
+            <a:spLocks noGrp="1"/>
+          </p:cNvSpPr>
+          <p:nvPr>
+            <p:ph type="dt" idx="1"/>
+          </p:nvPr>
+        </p:nvSpPr>
+        <p:spPr>
+          <a:xfrm>
+            <a:off x="3884613" y="0"/>
+            <a:ext cx="2971800" cy="458788"/>
+          </a:xfrm>
+          <a:prstGeom prst="rect">
+            <a:avLst/>
+          </a:prstGeom>
+        </p:spPr>
+        <p:txBody>
+          <a:bodyPr vert="horz" lIns="91440" tIns="45720" rIns="91440" bIns="45720" rtlCol="0"/>
+          <a:lstStyle>
+            <a:lvl1pPr algn="r">
+              <a:defRPr sz="1200"/>
+            </a:lvl1pPr>
+          </a:lstStyle>
+          <a:p>
+            <a:fld id="{974FB457-52AB-4B82-92C1-F1FEFE62B139}" type="datetimeFigureOut">
+              <a:rPr kumimoji="1" lang="ja-JP" altLang="en-US" smtClean="0"/>
+              <a:t>2020/4/9</a:t>
+            </a:fld>
+            <a:endParaRPr kumimoji="1" lang="ja-JP" altLang="en-US"/>
+          </a:p>
+        </p:txBody>
+      </p:sp>
+      <p:sp>
+        <p:nvSpPr>
+          <p:cNvPr id="4" name="スライド イメージ プレースホルダー 3"/>
+          <p:cNvSpPr>
+            <a:spLocks noGrp="1" noRot="1" noChangeAspect="1"/>
+          </p:cNvSpPr>
+          <p:nvPr>
+            <p:ph type="sldImg" idx="2"/>
+          </p:nvPr>
+        </p:nvSpPr>
+        <p:spPr>
+          <a:xfrm>
+            <a:off x="685800" y="1143000"/>
+            <a:ext cx="5486400" cy="3086100"/>
+          </a:xfrm>
+          <a:prstGeom prst="rect">
+            <a:avLst/>
+          </a:prstGeom>
+          <a:noFill/>
+          <a:ln w="12700">
+            <a:solidFill>
+              <a:prstClr val="black"/>
+            </a:solidFill>
+          </a:ln>
+        </p:spPr>
+        <p:txBody>
+          <a:bodyPr vert="horz" lIns="91440" tIns="45720" rIns="91440" bIns="45720" rtlCol="0" anchor="ctr"/>
+          <a:lstStyle/>
+          <a:p>
+            <a:endParaRPr lang="ja-JP" altLang="en-US"/>
+          </a:p>
+        </p:txBody>
+      </p:sp>
+      <p:sp>
+        <p:nvSpPr>
+          <p:cNvPr id="5" name="ノート プレースホルダー 4"/>
+          <p:cNvSpPr>
+            <a:spLocks noGrp="1"/>
+          </p:cNvSpPr>
+          <p:nvPr>
+            <p:ph type="body" sz="quarter" idx="3"/>
+          </p:nvPr>
+        </p:nvSpPr>
+        <p:spPr>
+          <a:xfrm>
+            <a:off x="685800" y="4400550"/>
+            <a:ext cx="5486400" cy="3600450"/>
+          </a:xfrm>
+          <a:prstGeom prst="rect">
+            <a:avLst/>
+          </a:prstGeom>
+        </p:spPr>
+        <p:txBody>
+          <a:bodyPr vert="horz" lIns="91440" tIns="45720" rIns="91440" bIns="45720" rtlCol="0"/>
+          <a:lstStyle/>
+          <a:p>
+            <a:pPr lvl="0"/>
+            <a:r>
+              <a:rPr kumimoji="1" lang="ja-JP" altLang="en-US" smtClean="0"/>
+              <a:t>マスター テキストの書式設定</a:t>
+            </a:r>
+          </a:p>
+          <a:p>
+            <a:pPr lvl="1"/>
+            <a:r>
+              <a:rPr kumimoji="1" lang="ja-JP" altLang="en-US" smtClean="0"/>
+              <a:t>第 </a:t>
+            </a:r>
+            <a:r>
+              <a:rPr kumimoji="1" lang="en-US" altLang="ja-JP" smtClean="0"/>
+              <a:t>2 </a:t>
+            </a:r>
+            <a:r>
+              <a:rPr kumimoji="1" lang="ja-JP" altLang="en-US" smtClean="0"/>
+              <a:t>レベル</a:t>
+            </a:r>
+          </a:p>
+          <a:p>
+            <a:pPr lvl="2"/>
+            <a:r>
+              <a:rPr kumimoji="1" lang="ja-JP" altLang="en-US" smtClean="0"/>
+              <a:t>第 </a:t>
+            </a:r>
+            <a:r>
+              <a:rPr kumimoji="1" lang="en-US" altLang="ja-JP" smtClean="0"/>
+              <a:t>3 </a:t>
+            </a:r>
+            <a:r>
+              <a:rPr kumimoji="1" lang="ja-JP" altLang="en-US" smtClean="0"/>
+              <a:t>レベル</a:t>
+            </a:r>
+          </a:p>
+          <a:p>
+            <a:pPr lvl="3"/>
+            <a:r>
+              <a:rPr kumimoji="1" lang="ja-JP" altLang="en-US" smtClean="0"/>
+              <a:t>第 </a:t>
+            </a:r>
+            <a:r>
+              <a:rPr kumimoji="1" lang="en-US" altLang="ja-JP" smtClean="0"/>
+              <a:t>4 </a:t>
+            </a:r>
+            <a:r>
+              <a:rPr kumimoji="1" lang="ja-JP" altLang="en-US" smtClean="0"/>
+              <a:t>レベル</a:t>
+            </a:r>
+          </a:p>
+          <a:p>
+            <a:pPr lvl="4"/>
+            <a:r>
+              <a:rPr kumimoji="1" lang="ja-JP" altLang="en-US" smtClean="0"/>
+              <a:t>第 </a:t>
+            </a:r>
+            <a:r>
+              <a:rPr kumimoji="1" lang="en-US" altLang="ja-JP" smtClean="0"/>
+              <a:t>5 </a:t>
+            </a:r>
+            <a:r>
+              <a:rPr kumimoji="1" lang="ja-JP" altLang="en-US" smtClean="0"/>
+              <a:t>レベル</a:t>
+            </a:r>
+            <a:endParaRPr kumimoji="1" lang="ja-JP" altLang="en-US"/>
+          </a:p>
+        </p:txBody>
+      </p:sp>
+      <p:sp>
+        <p:nvSpPr>
+          <p:cNvPr id="6" name="フッター プレースホルダー 5"/>
+          <p:cNvSpPr>
+            <a:spLocks noGrp="1"/>
+          </p:cNvSpPr>
+          <p:nvPr>
+            <p:ph type="ftr" sz="quarter" idx="4"/>
+          </p:nvPr>
+        </p:nvSpPr>
+        <p:spPr>
+          <a:xfrm>
+            <a:off x="0" y="8685213"/>
+            <a:ext cx="2971800" cy="458787"/>
+          </a:xfrm>
+          <a:prstGeom prst="rect">
+            <a:avLst/>
+          </a:prstGeom>
+        </p:spPr>
+        <p:txBody>
+          <a:bodyPr vert="horz" lIns="91440" tIns="45720" rIns="91440" bIns="45720" rtlCol="0" anchor="b"/>
+          <a:lstStyle>
+            <a:lvl1pPr algn="l">
+              <a:defRPr sz="1200"/>
+            </a:lvl1pPr>
+          </a:lstStyle>
+          <a:p>
+            <a:endParaRPr kumimoji="1" lang="ja-JP" altLang="en-US"/>
+          </a:p>
+        </p:txBody>
+      </p:sp>
+      <p:sp>
+        <p:nvSpPr>
+          <p:cNvPr id="7" name="スライド番号プレースホルダー 6"/>
+          <p:cNvSpPr>
+            <a:spLocks noGrp="1"/>
+          </p:cNvSpPr>
+          <p:nvPr>
+            <p:ph type="sldNum" sz="quarter" idx="5"/>
+          </p:nvPr>
+        </p:nvSpPr>
+        <p:spPr>
+          <a:xfrm>
+            <a:off x="3884613" y="8685213"/>
+            <a:ext cx="2971800" cy="458787"/>
+          </a:xfrm>
+          <a:prstGeom prst="rect">
+            <a:avLst/>
+          </a:prstGeom>
+        </p:spPr>
+        <p:txBody>
+          <a:bodyPr vert="horz" lIns="91440" tIns="45720" rIns="91440" bIns="45720" rtlCol="0" anchor="b"/>
+          <a:lstStyle>
+            <a:lvl1pPr algn="r">
+              <a:defRPr sz="1200"/>
+            </a:lvl1pPr>
+          </a:lstStyle>
+          <a:p>
+            <a:fld id="{41E79521-08F5-4198-9F25-AA46C184009F}" type="slidenum">
+              <a:rPr kumimoji="1" lang="ja-JP" altLang="en-US" smtClean="0"/>
+              <a:t>‹#›</a:t>
+            </a:fld>
+            <a:endParaRPr kumimoji="1" lang="ja-JP" altLang="en-US"/>
+          </a:p>
+        </p:txBody>
+      </p:sp>
+    </p:spTree>
+    <p:extLst>
+      <p:ext uri="{BB962C8B-B14F-4D97-AF65-F5344CB8AC3E}">
+        <p14:creationId xmlns:p14="http://schemas.microsoft.com/office/powerpoint/2010/main" val="593661493"/>
+      </p:ext>
+    </p:extLst>
+  </p:cSld>
+  <p:clrMap bg1="lt1" tx1="dk1" bg2="lt2" tx2="dk2" accent1="accent1" accent2="accent2" accent3="accent3" accent4="accent4" accent5="accent5" accent6="accent6" hlink="hlink" folHlink="folHlink"/>
+  <p:notesStyle>
+    <a:lvl1pPr marL="0" algn="l" defTabSz="914400" rtl="0" eaLnBrk="1" latinLnBrk="0" hangingPunct="1">
+      <a:defRPr kumimoji="1" sz="1200" kern="1200">
+        <a:solidFill>
+          <a:schemeClr val="tx1"/>
+        </a:solidFill>
+        <a:latin typeface="+mn-lt"/>
+        <a:ea typeface="+mn-ea"/>
+        <a:cs typeface="+mn-cs"/>
+      </a:defRPr>
+    </a:lvl1pPr>
+    <a:lvl2pPr marL="457200" algn="l" defTabSz="914400" rtl="0" eaLnBrk="1" latinLnBrk="0" hangingPunct="1">
+      <a:defRPr kumimoji="1" sz="1200" kern="1200">
+        <a:solidFill>
+          <a:schemeClr val="tx1"/>
+        </a:solidFill>
+        <a:latin typeface="+mn-lt"/>
+        <a:ea typeface="+mn-ea"/>
+        <a:cs typeface="+mn-cs"/>
+      </a:defRPr>
+    </a:lvl2pPr>
+    <a:lvl3pPr marL="914400" algn="l" defTabSz="914400" rtl="0" eaLnBrk="1" latinLnBrk="0" hangingPunct="1">
+      <a:defRPr kumimoji="1" sz="1200" kern="1200">
+        <a:solidFill>
+          <a:schemeClr val="tx1"/>
+        </a:solidFill>
+        <a:latin typeface="+mn-lt"/>
+        <a:ea typeface="+mn-ea"/>
+        <a:cs typeface="+mn-cs"/>
+      </a:defRPr>
+    </a:lvl3pPr>
+    <a:lvl4pPr marL="1371600" algn="l" defTabSz="914400" rtl="0" eaLnBrk="1" latinLnBrk="0" hangingPunct="1">
+      <a:defRPr kumimoji="1" sz="1200" kern="1200">
+        <a:solidFill>
+          <a:schemeClr val="tx1"/>
+        </a:solidFill>
+        <a:latin typeface="+mn-lt"/>
+        <a:ea typeface="+mn-ea"/>
+        <a:cs typeface="+mn-cs"/>
+      </a:defRPr>
+    </a:lvl4pPr>
+    <a:lvl5pPr marL="1828800" algn="l" defTabSz="914400" rtl="0" eaLnBrk="1" latinLnBrk="0" hangingPunct="1">
+      <a:defRPr kumimoji="1" sz="1200" kern="1200">
+        <a:solidFill>
+          <a:schemeClr val="tx1"/>
+        </a:solidFill>
+        <a:latin typeface="+mn-lt"/>
+        <a:ea typeface="+mn-ea"/>
+        <a:cs typeface="+mn-cs"/>
+      </a:defRPr>
+    </a:lvl5pPr>
+    <a:lvl6pPr marL="2286000" algn="l" defTabSz="914400" rtl="0" eaLnBrk="1" latinLnBrk="0" hangingPunct="1">
+      <a:defRPr kumimoji="1" sz="1200" kern="1200">
+        <a:solidFill>
+          <a:schemeClr val="tx1"/>
+        </a:solidFill>
+        <a:latin typeface="+mn-lt"/>
+        <a:ea typeface="+mn-ea"/>
+        <a:cs typeface="+mn-cs"/>
+      </a:defRPr>
+    </a:lvl6pPr>
+    <a:lvl7pPr marL="2743200" algn="l" defTabSz="914400" rtl="0" eaLnBrk="1" latinLnBrk="0" hangingPunct="1">
+      <a:defRPr kumimoji="1" sz="1200" kern="1200">
+        <a:solidFill>
+          <a:schemeClr val="tx1"/>
+        </a:solidFill>
+        <a:latin typeface="+mn-lt"/>
+        <a:ea typeface="+mn-ea"/>
+        <a:cs typeface="+mn-cs"/>
+      </a:defRPr>
+    </a:lvl7pPr>
+    <a:lvl8pPr marL="3200400" algn="l" defTabSz="914400" rtl="0" eaLnBrk="1" latinLnBrk="0" hangingPunct="1">
+      <a:defRPr kumimoji="1" sz="1200" kern="1200">
+        <a:solidFill>
+          <a:schemeClr val="tx1"/>
+        </a:solidFill>
+        <a:latin typeface="+mn-lt"/>
+        <a:ea typeface="+mn-ea"/>
+        <a:cs typeface="+mn-cs"/>
+      </a:defRPr>
+    </a:lvl8pPr>
+    <a:lvl9pPr marL="3657600" algn="l" defTabSz="914400" rtl="0" eaLnBrk="1" latinLnBrk="0" hangingPunct="1">
+      <a:defRPr kumimoji="1" sz="1200" kern="1200">
+        <a:solidFill>
+          <a:schemeClr val="tx1"/>
+        </a:solidFill>
+        <a:latin typeface="+mn-lt"/>
+        <a:ea typeface="+mn-ea"/>
+        <a:cs typeface="+mn-cs"/>
+      </a:defRPr>
+    </a:lvl9pPr>
+  </p:notesStyle>
+</p:notesMaster>
+</file>
+
 <file path=ppt/slideLayouts/slideLayout1.xml><?xml version="1.0" encoding="utf-8"?>
 <p:sldLayout xmlns:a="http://schemas.openxmlformats.org/drawingml/2006/main" xmlns:r="http://schemas.openxmlformats.org/officeDocument/2006/relationships" xmlns:p="http://schemas.openxmlformats.org/presentationml/2006/main" type="title" preserve="1">
   <p:cSld name="タイトル スライド">
@@ -270,9 +655,9 @@
           <a:bodyPr/>
           <a:lstStyle/>
           <a:p>
-            <a:fld id="{DC2F28B8-6A0E-40AF-8CFC-827A73FCDA81}" type="datetimeFigureOut">
+            <a:fld id="{B86040C8-DFFD-4446-B581-22DAA2AE421E}" type="datetime1">
               <a:rPr kumimoji="1" lang="ja-JP" altLang="en-US" smtClean="0"/>
-              <a:t>2017/12/4</a:t>
+              <a:t>2020/4/9</a:t>
             </a:fld>
             <a:endParaRPr kumimoji="1" lang="ja-JP" altLang="en-US"/>
           </a:p>
@@ -500,9 +885,9 @@
           <a:bodyPr/>
           <a:lstStyle/>
           <a:p>
-            <a:fld id="{DC2F28B8-6A0E-40AF-8CFC-827A73FCDA81}" type="datetimeFigureOut">
+            <a:fld id="{3C9B7905-8BA1-439B-8662-C6E1398BEF85}" type="datetime1">
               <a:rPr kumimoji="1" lang="ja-JP" altLang="en-US" smtClean="0"/>
-              <a:t>2017/12/4</a:t>
+              <a:t>2020/4/9</a:t>
             </a:fld>
             <a:endParaRPr kumimoji="1" lang="ja-JP" altLang="en-US"/>
           </a:p>
@@ -740,9 +1125,9 @@
           <a:bodyPr/>
           <a:lstStyle/>
           <a:p>
-            <a:fld id="{DC2F28B8-6A0E-40AF-8CFC-827A73FCDA81}" type="datetimeFigureOut">
+            <a:fld id="{9DC160CD-B092-42C5-B422-1CE46974F0BA}" type="datetime1">
               <a:rPr kumimoji="1" lang="ja-JP" altLang="en-US" smtClean="0"/>
-              <a:t>2017/12/4</a:t>
+              <a:t>2020/4/9</a:t>
             </a:fld>
             <a:endParaRPr kumimoji="1" lang="ja-JP" altLang="en-US"/>
           </a:p>
@@ -970,9 +1355,9 @@
           <a:bodyPr/>
           <a:lstStyle/>
           <a:p>
-            <a:fld id="{DC2F28B8-6A0E-40AF-8CFC-827A73FCDA81}" type="datetimeFigureOut">
+            <a:fld id="{3212E061-FEED-40FC-ACCC-2D656C9B7865}" type="datetime1">
               <a:rPr kumimoji="1" lang="ja-JP" altLang="en-US" smtClean="0"/>
-              <a:t>2017/12/4</a:t>
+              <a:t>2020/4/9</a:t>
             </a:fld>
             <a:endParaRPr kumimoji="1" lang="ja-JP" altLang="en-US"/>
           </a:p>
@@ -1245,9 +1630,9 @@
           <a:bodyPr/>
           <a:lstStyle/>
           <a:p>
-            <a:fld id="{DC2F28B8-6A0E-40AF-8CFC-827A73FCDA81}" type="datetimeFigureOut">
+            <a:fld id="{52398FB1-26D0-46C1-981F-C1C8C7D2C605}" type="datetime1">
               <a:rPr kumimoji="1" lang="ja-JP" altLang="en-US" smtClean="0"/>
-              <a:t>2017/12/4</a:t>
+              <a:t>2020/4/9</a:t>
             </a:fld>
             <a:endParaRPr kumimoji="1" lang="ja-JP" altLang="en-US"/>
           </a:p>
@@ -1574,9 +1959,9 @@
           <a:bodyPr/>
           <a:lstStyle/>
           <a:p>
-            <a:fld id="{DC2F28B8-6A0E-40AF-8CFC-827A73FCDA81}" type="datetimeFigureOut">
+            <a:fld id="{7A11565A-5942-4E86-BA53-1EA4FAE20480}" type="datetime1">
               <a:rPr kumimoji="1" lang="ja-JP" altLang="en-US" smtClean="0"/>
-              <a:t>2017/12/4</a:t>
+              <a:t>2020/4/9</a:t>
             </a:fld>
             <a:endParaRPr kumimoji="1" lang="ja-JP" altLang="en-US"/>
           </a:p>
@@ -2050,9 +2435,9 @@
           <a:bodyPr/>
           <a:lstStyle/>
           <a:p>
-            <a:fld id="{DC2F28B8-6A0E-40AF-8CFC-827A73FCDA81}" type="datetimeFigureOut">
+            <a:fld id="{DF3C1AF6-625A-49A2-8EA7-D638C48A598D}" type="datetime1">
               <a:rPr kumimoji="1" lang="ja-JP" altLang="en-US" smtClean="0"/>
-              <a:t>2017/12/4</a:t>
+              <a:t>2020/4/9</a:t>
             </a:fld>
             <a:endParaRPr kumimoji="1" lang="ja-JP" altLang="en-US"/>
           </a:p>
@@ -2191,9 +2576,9 @@
           <a:bodyPr/>
           <a:lstStyle/>
           <a:p>
-            <a:fld id="{DC2F28B8-6A0E-40AF-8CFC-827A73FCDA81}" type="datetimeFigureOut">
+            <a:fld id="{5B29E61D-72C4-4B88-BAE0-94F4AC95609C}" type="datetime1">
               <a:rPr kumimoji="1" lang="ja-JP" altLang="en-US" smtClean="0"/>
-              <a:t>2017/12/4</a:t>
+              <a:t>2020/4/9</a:t>
             </a:fld>
             <a:endParaRPr kumimoji="1" lang="ja-JP" altLang="en-US"/>
           </a:p>
@@ -2304,9 +2689,9 @@
           <a:bodyPr/>
           <a:lstStyle/>
           <a:p>
-            <a:fld id="{DC2F28B8-6A0E-40AF-8CFC-827A73FCDA81}" type="datetimeFigureOut">
+            <a:fld id="{FDE519E0-C04E-4250-B674-96170483994D}" type="datetime1">
               <a:rPr kumimoji="1" lang="ja-JP" altLang="en-US" smtClean="0"/>
-              <a:t>2017/12/4</a:t>
+              <a:t>2020/4/9</a:t>
             </a:fld>
             <a:endParaRPr kumimoji="1" lang="ja-JP" altLang="en-US"/>
           </a:p>
@@ -2647,9 +3032,9 @@
           <a:bodyPr/>
           <a:lstStyle/>
           <a:p>
-            <a:fld id="{DC2F28B8-6A0E-40AF-8CFC-827A73FCDA81}" type="datetimeFigureOut">
+            <a:fld id="{3D804215-2A3E-4A09-B5BA-466C684A7154}" type="datetime1">
               <a:rPr kumimoji="1" lang="ja-JP" altLang="en-US" smtClean="0"/>
-              <a:t>2017/12/4</a:t>
+              <a:t>2020/4/9</a:t>
             </a:fld>
             <a:endParaRPr kumimoji="1" lang="ja-JP" altLang="en-US"/>
           </a:p>
@@ -2935,9 +3320,9 @@
           <a:bodyPr/>
           <a:lstStyle/>
           <a:p>
-            <a:fld id="{DC2F28B8-6A0E-40AF-8CFC-827A73FCDA81}" type="datetimeFigureOut">
+            <a:fld id="{CF105EA9-D76B-4847-BCC9-8EB90924459F}" type="datetime1">
               <a:rPr kumimoji="1" lang="ja-JP" altLang="en-US" smtClean="0"/>
-              <a:t>2017/12/4</a:t>
+              <a:t>2020/4/9</a:t>
             </a:fld>
             <a:endParaRPr kumimoji="1" lang="ja-JP" altLang="en-US"/>
           </a:p>
@@ -3208,9 +3593,9 @@
             </a:lvl1pPr>
           </a:lstStyle>
           <a:p>
-            <a:fld id="{DC2F28B8-6A0E-40AF-8CFC-827A73FCDA81}" type="datetimeFigureOut">
+            <a:fld id="{3A38D198-2A46-432C-8A8C-6EF5624DACDD}" type="datetime1">
               <a:rPr kumimoji="1" lang="ja-JP" altLang="en-US" smtClean="0"/>
-              <a:t>2017/12/4</a:t>
+              <a:t>2020/4/9</a:t>
             </a:fld>
             <a:endParaRPr kumimoji="1" lang="ja-JP" altLang="en-US"/>
           </a:p>
@@ -3327,6 +3712,7 @@
     <p:sldLayoutId id="2147483658" r:id="rId10"/>
     <p:sldLayoutId id="2147483659" r:id="rId11"/>
   </p:sldLayoutIdLst>
+  <p:hf hdr="0" ftr="0" dt="0"/>
   <p:txStyles>
     <p:titleStyle>
       <a:lvl1pPr algn="l" defTabSz="914400" rtl="0" eaLnBrk="1" latinLnBrk="0" hangingPunct="1">
@@ -3739,7 +4125,15 @@
             <a:pPr algn="ctr"/>
             <a:r>
               <a:rPr lang="en-US" altLang="ja-JP" dirty="0"/>
-              <a:t>Copyright (C) 2017 Shigenori Ueda</a:t>
+              <a:t>Copyright (C) </a:t>
+            </a:r>
+            <a:r>
+              <a:rPr lang="en-US" altLang="ja-JP" dirty="0" smtClean="0"/>
+              <a:t>2020 </a:t>
+            </a:r>
+            <a:r>
+              <a:rPr lang="en-US" altLang="ja-JP" dirty="0"/>
+              <a:t>Shigenori Ueda</a:t>
             </a:r>
           </a:p>
           <a:p>
@@ -3762,6 +4156,29 @@
           <a:p>
             <a:pPr algn="ctr"/>
             <a:endParaRPr lang="en-US" altLang="ja-JP" dirty="0"/>
+          </a:p>
+        </p:txBody>
+      </p:sp>
+      <p:sp>
+        <p:nvSpPr>
+          <p:cNvPr id="3" name="スライド番号プレースホルダー 2"/>
+          <p:cNvSpPr>
+            <a:spLocks noGrp="1"/>
+          </p:cNvSpPr>
+          <p:nvPr>
+            <p:ph type="sldNum" sz="quarter" idx="12"/>
+          </p:nvPr>
+        </p:nvSpPr>
+        <p:spPr/>
+        <p:txBody>
+          <a:bodyPr/>
+          <a:lstStyle/>
+          <a:p>
+            <a:fld id="{D836F367-8F14-4921-8441-15DE2D973248}" type="slidenum">
+              <a:rPr kumimoji="1" lang="ja-JP" altLang="en-US" smtClean="0"/>
+              <a:t>1</a:t>
+            </a:fld>
+            <a:endParaRPr kumimoji="1" lang="ja-JP" altLang="en-US"/>
           </a:p>
         </p:txBody>
       </p:sp>
@@ -3855,7 +4272,7 @@
           </a:ln>
           <a:extLst>
             <a:ext uri="{C572A759-6A51-4108-AA02-DFA0A04FC94B}">
-              <ma14:wrappingTextBoxFlag xmlns="" xmlns:ma14="http://schemas.microsoft.com/office/mac/drawingml/2011/main" val="1"/>
+              <ma14:wrappingTextBoxFlag xmlns:ma14="http://schemas.microsoft.com/office/mac/drawingml/2011/main" xmlns="" val="1"/>
             </a:ext>
           </a:extLst>
         </p:spPr>
@@ -4206,6 +4623,29 @@
           </a:p>
         </p:txBody>
       </p:sp>
+      <p:sp>
+        <p:nvSpPr>
+          <p:cNvPr id="8" name="スライド番号プレースホルダー 7"/>
+          <p:cNvSpPr>
+            <a:spLocks noGrp="1"/>
+          </p:cNvSpPr>
+          <p:nvPr>
+            <p:ph type="sldNum" sz="quarter" idx="12"/>
+          </p:nvPr>
+        </p:nvSpPr>
+        <p:spPr/>
+        <p:txBody>
+          <a:bodyPr/>
+          <a:lstStyle/>
+          <a:p>
+            <a:fld id="{D836F367-8F14-4921-8441-15DE2D973248}" type="slidenum">
+              <a:rPr kumimoji="1" lang="ja-JP" altLang="en-US" smtClean="0"/>
+              <a:t>10</a:t>
+            </a:fld>
+            <a:endParaRPr kumimoji="1" lang="ja-JP" altLang="en-US"/>
+          </a:p>
+        </p:txBody>
+      </p:sp>
     </p:spTree>
     <p:extLst>
       <p:ext uri="{BB962C8B-B14F-4D97-AF65-F5344CB8AC3E}">
@@ -4250,7 +4690,7 @@
         </p:nvSpPr>
         <p:spPr>
           <a:xfrm>
-            <a:off x="5016500" y="476250"/>
+            <a:off x="4667674" y="499110"/>
             <a:ext cx="1826141" cy="584775"/>
           </a:xfrm>
           <a:prstGeom prst="rect">
@@ -4286,7 +4726,7 @@
         <p:spPr>
           <a:xfrm>
             <a:off x="1504950" y="1765300"/>
-            <a:ext cx="9725739" cy="1200329"/>
+            <a:ext cx="10204450" cy="3046988"/>
           </a:xfrm>
           <a:prstGeom prst="rect">
             <a:avLst/>
@@ -4294,7 +4734,7 @@
           <a:noFill/>
         </p:spPr>
         <p:txBody>
-          <a:bodyPr wrap="none" rtlCol="0">
+          <a:bodyPr wrap="square" rtlCol="0">
             <a:spAutoFit/>
           </a:bodyPr>
           <a:lstStyle/>
@@ -4334,7 +4774,78 @@
           <a:p>
             <a:r>
               <a:rPr lang="ja-JP" altLang="en-US" sz="2400" dirty="0"/>
-              <a:t>　　しております</a:t>
+              <a:t>　　して</a:t>
+            </a:r>
+            <a:r>
+              <a:rPr lang="ja-JP" altLang="en-US" sz="2400" dirty="0" smtClean="0"/>
+              <a:t>おります</a:t>
+            </a:r>
+            <a:endParaRPr lang="en-US" altLang="ja-JP" sz="2400" dirty="0" smtClean="0"/>
+          </a:p>
+          <a:p>
+            <a:endParaRPr lang="en-US" altLang="ja-JP" sz="2400" dirty="0" smtClean="0"/>
+          </a:p>
+          <a:p>
+            <a:r>
+              <a:rPr lang="ja-JP" altLang="en-US" sz="2400" dirty="0" smtClean="0"/>
+              <a:t>・　本チュートリアルは以下の</a:t>
+            </a:r>
+            <a:r>
+              <a:rPr lang="ja-JP" altLang="en-US" sz="2400" dirty="0"/>
+              <a:t>一般的な</a:t>
+            </a:r>
+            <a:r>
+              <a:rPr lang="ja-JP" altLang="en-US" sz="2400" dirty="0" smtClean="0"/>
+              <a:t>プログラミング知識がある方を</a:t>
+            </a:r>
+            <a:endParaRPr lang="en-US" altLang="ja-JP" sz="2400" dirty="0" smtClean="0"/>
+          </a:p>
+          <a:p>
+            <a:r>
+              <a:rPr lang="ja-JP" altLang="en-US" sz="2400" dirty="0"/>
+              <a:t>　</a:t>
+            </a:r>
+            <a:r>
+              <a:rPr lang="ja-JP" altLang="en-US" sz="2400" dirty="0" smtClean="0"/>
+              <a:t>　対象としています。</a:t>
+            </a:r>
+            <a:endParaRPr lang="en-US" altLang="ja-JP" sz="2400" dirty="0" smtClean="0"/>
+          </a:p>
+          <a:p>
+            <a:r>
+              <a:rPr kumimoji="1" lang="ja-JP" altLang="en-US" sz="2400" dirty="0"/>
+              <a:t>　</a:t>
+            </a:r>
+            <a:r>
+              <a:rPr kumimoji="1" lang="ja-JP" altLang="en-US" sz="2400" dirty="0" smtClean="0"/>
+              <a:t>　　・変数の型</a:t>
+            </a:r>
+            <a:r>
+              <a:rPr kumimoji="1" lang="en-US" altLang="ja-JP" sz="2400" dirty="0" smtClean="0"/>
+              <a:t>(</a:t>
+            </a:r>
+            <a:r>
+              <a:rPr kumimoji="1" lang="ja-JP" altLang="en-US" sz="2400" dirty="0" smtClean="0"/>
+              <a:t>整数型、実数型 </a:t>
+            </a:r>
+            <a:r>
+              <a:rPr kumimoji="1" lang="en-US" altLang="ja-JP" sz="2400" dirty="0" smtClean="0"/>
+              <a:t>etc.</a:t>
+            </a:r>
+            <a:r>
+              <a:rPr kumimoji="1" lang="ja-JP" altLang="en-US" sz="2400" dirty="0" smtClean="0"/>
+              <a:t>）</a:t>
+            </a:r>
+            <a:endParaRPr kumimoji="1" lang="en-US" altLang="ja-JP" sz="2400" dirty="0" smtClean="0"/>
+          </a:p>
+          <a:p>
+            <a:r>
+              <a:rPr lang="ja-JP" altLang="en-US" sz="2400" dirty="0"/>
+              <a:t>　</a:t>
+            </a:r>
+            <a:r>
+              <a:rPr lang="ja-JP" altLang="en-US" sz="2400" dirty="0" smtClean="0"/>
+              <a:t>　　・コマンドの意味</a:t>
             </a:r>
             <a:endParaRPr kumimoji="1" lang="ja-JP" altLang="en-US" sz="2400" dirty="0"/>
           </a:p>
@@ -4354,7 +4865,7 @@
         </p:nvSpPr>
         <p:spPr>
           <a:xfrm>
-            <a:off x="1504950" y="3511550"/>
+            <a:off x="1504950" y="5248910"/>
             <a:ext cx="8151590" cy="830997"/>
           </a:xfrm>
           <a:prstGeom prst="rect">
@@ -4373,8 +4884,12 @@
               <a:t>・　</a:t>
             </a:r>
             <a:r>
+              <a:rPr kumimoji="1" lang="en-US" altLang="ja-JP" sz="2400" dirty="0" smtClean="0"/>
+              <a:t>OpenModelica1.14.1 </a:t>
+            </a:r>
+            <a:r>
               <a:rPr kumimoji="1" lang="en-US" altLang="ja-JP" sz="2400" dirty="0"/>
-              <a:t>OpenModelica1.11.0 (64bit – windows</a:t>
+              <a:t>(64bit – windows</a:t>
             </a:r>
             <a:r>
               <a:rPr kumimoji="1" lang="ja-JP" altLang="en-US" sz="2400" dirty="0"/>
@@ -4399,6 +4914,29 @@
               <a:rPr kumimoji="1" lang="ja-JP" altLang="en-US" sz="2400" dirty="0"/>
               <a:t>チュートリアルは作成されています</a:t>
             </a:r>
+          </a:p>
+        </p:txBody>
+      </p:sp>
+      <p:sp>
+        <p:nvSpPr>
+          <p:cNvPr id="2" name="スライド番号プレースホルダー 1"/>
+          <p:cNvSpPr>
+            <a:spLocks noGrp="1"/>
+          </p:cNvSpPr>
+          <p:nvPr>
+            <p:ph type="sldNum" sz="quarter" idx="12"/>
+          </p:nvPr>
+        </p:nvSpPr>
+        <p:spPr/>
+        <p:txBody>
+          <a:bodyPr/>
+          <a:lstStyle/>
+          <a:p>
+            <a:fld id="{D836F367-8F14-4921-8441-15DE2D973248}" type="slidenum">
+              <a:rPr kumimoji="1" lang="ja-JP" altLang="en-US" smtClean="0"/>
+              <a:t>2</a:t>
+            </a:fld>
+            <a:endParaRPr kumimoji="1" lang="ja-JP" altLang="en-US"/>
           </a:p>
         </p:txBody>
       </p:sp>
@@ -4457,7 +4995,7 @@
           </a:ln>
           <a:extLst>
             <a:ext uri="{C572A759-6A51-4108-AA02-DFA0A04FC94B}">
-              <ma14:wrappingTextBoxFlag xmlns="" xmlns:ma14="http://schemas.microsoft.com/office/mac/drawingml/2011/main" val="1"/>
+              <ma14:wrappingTextBoxFlag xmlns:ma14="http://schemas.microsoft.com/office/mac/drawingml/2011/main" xmlns="" val="1"/>
             </a:ext>
           </a:extLst>
         </p:spPr>
@@ -4498,7 +5036,7 @@
         <p:spPr>
           <a:xfrm>
             <a:off x="827563" y="679339"/>
-            <a:ext cx="9762609" cy="1569660"/>
+            <a:ext cx="7372531" cy="1200329"/>
           </a:xfrm>
           <a:prstGeom prst="rect">
             <a:avLst/>
@@ -4512,68 +5050,68 @@
           <a:lstStyle/>
           <a:p>
             <a:r>
-              <a:rPr kumimoji="1" lang="en-US" altLang="ja-JP" sz="2400" dirty="0" err="1"/>
+              <a:rPr kumimoji="1" lang="en-US" altLang="ja-JP" dirty="0" err="1"/>
               <a:t>Modelica</a:t>
             </a:r>
             <a:r>
-              <a:rPr kumimoji="1" lang="en-US" altLang="ja-JP" sz="2400" dirty="0"/>
+              <a:rPr kumimoji="1" lang="en-US" altLang="ja-JP" dirty="0"/>
               <a:t>®</a:t>
             </a:r>
             <a:r>
-              <a:rPr lang="ja-JP" altLang="en-US" sz="2400" dirty="0"/>
+              <a:rPr lang="ja-JP" altLang="en-US" dirty="0"/>
               <a:t>言語によるコーディングで最初に学ぶ一般的な対象は、</a:t>
             </a:r>
-            <a:endParaRPr lang="en-US" altLang="ja-JP" sz="2400" dirty="0"/>
-          </a:p>
-          <a:p>
-            <a:r>
-              <a:rPr lang="ja-JP" altLang="en-US" sz="2400" dirty="0"/>
+            <a:endParaRPr lang="en-US" altLang="ja-JP" dirty="0"/>
+          </a:p>
+          <a:p>
+            <a:r>
+              <a:rPr lang="ja-JP" altLang="en-US" dirty="0"/>
               <a:t>以下の微分方程式を解くモデルを作る事です。</a:t>
             </a:r>
-            <a:endParaRPr lang="en-US" altLang="ja-JP" sz="2400" dirty="0"/>
-          </a:p>
-          <a:p>
-            <a:r>
-              <a:rPr lang="ja-JP" altLang="en-US" sz="2400" dirty="0"/>
+            <a:endParaRPr lang="en-US" altLang="ja-JP" dirty="0"/>
+          </a:p>
+          <a:p>
+            <a:r>
+              <a:rPr lang="ja-JP" altLang="en-US" dirty="0"/>
               <a:t>このモデルは</a:t>
             </a:r>
             <a:r>
-              <a:rPr lang="en-US" altLang="ja-JP" sz="2400" dirty="0" err="1"/>
+              <a:rPr lang="en-US" altLang="ja-JP" dirty="0" err="1"/>
               <a:t>Modelica</a:t>
             </a:r>
             <a:r>
-              <a:rPr lang="ja-JP" altLang="en-US" sz="2400" dirty="0"/>
+              <a:rPr lang="ja-JP" altLang="en-US" dirty="0"/>
               <a:t>言語における</a:t>
             </a:r>
             <a:r>
-              <a:rPr lang="en-US" altLang="ja-JP" sz="2400" dirty="0"/>
+              <a:rPr lang="en-US" altLang="ja-JP" dirty="0"/>
               <a:t>”HelloWorld”</a:t>
             </a:r>
             <a:r>
-              <a:rPr lang="ja-JP" altLang="en-US" sz="2400" dirty="0"/>
+              <a:rPr lang="ja-JP" altLang="en-US" dirty="0"/>
               <a:t>と呼ばれています。</a:t>
             </a:r>
-            <a:endParaRPr lang="en-US" altLang="ja-JP" sz="2400" dirty="0"/>
-          </a:p>
-          <a:p>
-            <a:r>
-              <a:rPr kumimoji="1" lang="ja-JP" altLang="en-US" sz="2400" dirty="0"/>
+            <a:endParaRPr lang="en-US" altLang="ja-JP" dirty="0"/>
+          </a:p>
+          <a:p>
+            <a:r>
+              <a:rPr kumimoji="1" lang="ja-JP" altLang="en-US" dirty="0"/>
               <a:t>ここで、</a:t>
             </a:r>
             <a:r>
-              <a:rPr kumimoji="1" lang="en-US" altLang="ja-JP" sz="2400" dirty="0"/>
+              <a:rPr kumimoji="1" lang="en-US" altLang="ja-JP" dirty="0"/>
               <a:t>t</a:t>
             </a:r>
             <a:r>
-              <a:rPr kumimoji="1" lang="ja-JP" altLang="en-US" sz="2400" dirty="0"/>
+              <a:rPr kumimoji="1" lang="ja-JP" altLang="en-US" dirty="0"/>
               <a:t>は</a:t>
             </a:r>
             <a:r>
-              <a:rPr kumimoji="1" lang="en-US" altLang="ja-JP" sz="2400" dirty="0"/>
+              <a:rPr kumimoji="1" lang="en-US" altLang="ja-JP" dirty="0"/>
               <a:t>time(</a:t>
             </a:r>
             <a:r>
-              <a:rPr kumimoji="1" lang="ja-JP" altLang="en-US" sz="2400" dirty="0"/>
+              <a:rPr kumimoji="1" lang="ja-JP" altLang="en-US" dirty="0"/>
               <a:t>時間）です。</a:t>
             </a:r>
           </a:p>
@@ -4958,7 +5496,7 @@
         </p:nvSpPr>
         <p:spPr>
           <a:xfrm>
-            <a:off x="6908800" y="2288764"/>
+            <a:off x="6875130" y="2200081"/>
             <a:ext cx="5080000" cy="4190103"/>
           </a:xfrm>
           <a:prstGeom prst="roundRect">
@@ -5012,7 +5550,7 @@
         </p:nvSpPr>
         <p:spPr>
           <a:xfrm>
-            <a:off x="7361817" y="1949898"/>
+            <a:off x="7328147" y="1861215"/>
             <a:ext cx="4173967" cy="796066"/>
           </a:xfrm>
           <a:prstGeom prst="ribbon">
@@ -5080,7 +5618,7 @@
             </p:nvSpPr>
             <p:spPr>
               <a:xfrm>
-                <a:off x="7508560" y="2830710"/>
+                <a:off x="7474890" y="2742027"/>
                 <a:ext cx="1569980" cy="525913"/>
               </a:xfrm>
               <a:prstGeom prst="rect">
@@ -5163,7 +5701,7 @@
             </p:nvSpPr>
             <p:spPr>
               <a:xfrm>
-                <a:off x="7508560" y="2830710"/>
+                <a:off x="7474890" y="2742027"/>
                 <a:ext cx="1569980" cy="525913"/>
               </a:xfrm>
               <a:prstGeom prst="rect">
@@ -5207,7 +5745,7 @@
             </p:nvSpPr>
             <p:spPr>
               <a:xfrm>
-                <a:off x="7508560" y="3590600"/>
+                <a:off x="7474890" y="3501917"/>
                 <a:ext cx="1569980" cy="525913"/>
               </a:xfrm>
               <a:prstGeom prst="rect">
@@ -5303,7 +5841,7 @@
             </p:nvSpPr>
             <p:spPr>
               <a:xfrm>
-                <a:off x="7508560" y="3590600"/>
+                <a:off x="7474890" y="3501917"/>
                 <a:ext cx="1569980" cy="525913"/>
               </a:xfrm>
               <a:prstGeom prst="rect">
@@ -5347,7 +5885,7 @@
             </p:nvSpPr>
             <p:spPr>
               <a:xfrm>
-                <a:off x="7043133" y="4350490"/>
+                <a:off x="7009463" y="4261807"/>
                 <a:ext cx="2500835" cy="726546"/>
               </a:xfrm>
               <a:prstGeom prst="rect">
@@ -5475,7 +6013,7 @@
             </p:nvSpPr>
             <p:spPr>
               <a:xfrm>
-                <a:off x="7043133" y="4350490"/>
+                <a:off x="7009463" y="4261807"/>
                 <a:ext cx="2500835" cy="726546"/>
               </a:xfrm>
               <a:prstGeom prst="rect">
@@ -5519,7 +6057,7 @@
             </p:nvSpPr>
             <p:spPr>
               <a:xfrm>
-                <a:off x="7337169" y="5300567"/>
+                <a:off x="7303499" y="5211884"/>
                 <a:ext cx="1912762" cy="276999"/>
               </a:xfrm>
               <a:prstGeom prst="rect">
@@ -5614,7 +6152,7 @@
             </p:nvSpPr>
             <p:spPr>
               <a:xfrm>
-                <a:off x="7337169" y="5300567"/>
+                <a:off x="7303499" y="5211884"/>
                 <a:ext cx="1912762" cy="276999"/>
               </a:xfrm>
               <a:prstGeom prst="rect">
@@ -5623,7 +6161,7 @@
               <a:blipFill>
                 <a:blip r:embed="rId8"/>
                 <a:stretch>
-                  <a:fillRect t="-4444" b="-35556"/>
+                  <a:fillRect t="-2222" b="-35556"/>
                 </a:stretch>
               </a:blipFill>
             </p:spPr>
@@ -5658,7 +6196,7 @@
             </p:nvSpPr>
             <p:spPr>
               <a:xfrm>
-                <a:off x="7525200" y="5894941"/>
+                <a:off x="7491530" y="5806258"/>
                 <a:ext cx="1536700" cy="276999"/>
               </a:xfrm>
               <a:prstGeom prst="rect">
@@ -5753,7 +6291,7 @@
             </p:nvSpPr>
             <p:spPr>
               <a:xfrm>
-                <a:off x="7525200" y="5894941"/>
+                <a:off x="7491530" y="5806258"/>
                 <a:ext cx="1536700" cy="276999"/>
               </a:xfrm>
               <a:prstGeom prst="rect">
@@ -5762,7 +6300,7 @@
               <a:blipFill>
                 <a:blip r:embed="rId9"/>
                 <a:stretch>
-                  <a:fillRect t="-2222"/>
+                  <a:fillRect/>
                 </a:stretch>
               </a:blipFill>
             </p:spPr>
@@ -5799,7 +6337,7 @@
         </p:nvCxnSpPr>
         <p:spPr>
           <a:xfrm flipH="1">
-            <a:off x="9448800" y="2745964"/>
+            <a:off x="9415130" y="2657281"/>
             <a:ext cx="1" cy="3732903"/>
           </a:xfrm>
           <a:prstGeom prst="line">
@@ -5844,7 +6382,7 @@
             </p:nvSpPr>
             <p:spPr>
               <a:xfrm>
-                <a:off x="9701696" y="2879921"/>
+                <a:off x="9668026" y="2791238"/>
                 <a:ext cx="2160104" cy="830997"/>
               </a:xfrm>
               <a:prstGeom prst="rect">
@@ -5918,7 +6456,7 @@
             </p:nvSpPr>
             <p:spPr>
               <a:xfrm>
-                <a:off x="9701696" y="2879921"/>
+                <a:off x="9668026" y="2791238"/>
                 <a:ext cx="2160104" cy="830997"/>
               </a:xfrm>
               <a:prstGeom prst="rect">
@@ -5927,7 +6465,7 @@
               <a:blipFill>
                 <a:blip r:embed="rId10"/>
                 <a:stretch>
-                  <a:fillRect l="-6479" t="-9489" r="-2535" b="-1460"/>
+                  <a:fillRect l="-6780" t="-9559" r="-2542" b="-1471"/>
                 </a:stretch>
               </a:blipFill>
             </p:spPr>
@@ -5960,7 +6498,7 @@
         </p:nvGrpSpPr>
         <p:grpSpPr>
           <a:xfrm>
-            <a:off x="7063740" y="3732369"/>
+            <a:off x="7030070" y="3643686"/>
             <a:ext cx="297022" cy="270460"/>
             <a:chOff x="7761644" y="973567"/>
             <a:chExt cx="857024" cy="780381"/>
@@ -6157,7 +6695,7 @@
         </p:nvGrpSpPr>
         <p:grpSpPr>
           <a:xfrm>
-            <a:off x="7063740" y="4537800"/>
+            <a:off x="7030070" y="4449117"/>
             <a:ext cx="297022" cy="270460"/>
             <a:chOff x="7761644" y="973567"/>
             <a:chExt cx="857024" cy="780381"/>
@@ -6354,7 +6892,7 @@
         </p:nvGrpSpPr>
         <p:grpSpPr>
           <a:xfrm>
-            <a:off x="7063740" y="5303836"/>
+            <a:off x="7030070" y="5215153"/>
             <a:ext cx="297022" cy="270460"/>
             <a:chOff x="7761644" y="973567"/>
             <a:chExt cx="857024" cy="780381"/>
@@ -6551,7 +7089,7 @@
         </p:nvGrpSpPr>
         <p:grpSpPr>
           <a:xfrm>
-            <a:off x="7063740" y="5898210"/>
+            <a:off x="7030070" y="5809527"/>
             <a:ext cx="297022" cy="270460"/>
             <a:chOff x="7761644" y="973567"/>
             <a:chExt cx="857024" cy="780381"/>
@@ -6750,7 +7288,7 @@
             </p:nvSpPr>
             <p:spPr>
               <a:xfrm>
-                <a:off x="9619267" y="4031881"/>
+                <a:off x="9585597" y="3943198"/>
                 <a:ext cx="1569980" cy="276999"/>
               </a:xfrm>
               <a:prstGeom prst="rect">
@@ -6800,7 +7338,7 @@
             </p:nvSpPr>
             <p:spPr>
               <a:xfrm>
-                <a:off x="9619267" y="4031881"/>
+                <a:off x="9585597" y="3943198"/>
                 <a:ext cx="1569980" cy="276999"/>
               </a:xfrm>
               <a:prstGeom prst="rect">
@@ -6809,7 +7347,7 @@
               <a:blipFill>
                 <a:blip r:embed="rId11"/>
                 <a:stretch>
-                  <a:fillRect l="-6202" t="-26087" b="-52174"/>
+                  <a:fillRect l="-6202" t="-26667" b="-53333"/>
                 </a:stretch>
               </a:blipFill>
             </p:spPr>
@@ -6844,7 +7382,7 @@
             </p:nvSpPr>
             <p:spPr>
               <a:xfrm>
-                <a:off x="10006862" y="4508250"/>
+                <a:off x="9973192" y="4419567"/>
                 <a:ext cx="1530295" cy="276999"/>
               </a:xfrm>
               <a:prstGeom prst="rect">
@@ -6933,7 +7471,7 @@
             </p:nvSpPr>
             <p:spPr>
               <a:xfrm>
-                <a:off x="10006862" y="4508250"/>
+                <a:off x="9973192" y="4419567"/>
                 <a:ext cx="1530295" cy="276999"/>
               </a:xfrm>
               <a:prstGeom prst="rect">
@@ -7083,6 +7621,29 @@
           </a:p>
         </p:txBody>
       </p:sp>
+      <p:sp>
+        <p:nvSpPr>
+          <p:cNvPr id="5" name="スライド番号プレースホルダー 4"/>
+          <p:cNvSpPr>
+            <a:spLocks noGrp="1"/>
+          </p:cNvSpPr>
+          <p:nvPr>
+            <p:ph type="sldNum" sz="quarter" idx="12"/>
+          </p:nvPr>
+        </p:nvSpPr>
+        <p:spPr/>
+        <p:txBody>
+          <a:bodyPr/>
+          <a:lstStyle/>
+          <a:p>
+            <a:fld id="{D836F367-8F14-4921-8441-15DE2D973248}" type="slidenum">
+              <a:rPr kumimoji="1" lang="ja-JP" altLang="en-US" smtClean="0"/>
+              <a:t>3</a:t>
+            </a:fld>
+            <a:endParaRPr kumimoji="1" lang="ja-JP" altLang="en-US"/>
+          </a:p>
+        </p:txBody>
+      </p:sp>
     </p:spTree>
     <p:extLst>
       <p:ext uri="{BB962C8B-B14F-4D97-AF65-F5344CB8AC3E}">
@@ -7138,7 +7699,7 @@
           </a:ln>
           <a:extLst>
             <a:ext uri="{C572A759-6A51-4108-AA02-DFA0A04FC94B}">
-              <ma14:wrappingTextBoxFlag xmlns="" xmlns:ma14="http://schemas.microsoft.com/office/mac/drawingml/2011/main" val="1"/>
+              <ma14:wrappingTextBoxFlag xmlns:ma14="http://schemas.microsoft.com/office/mac/drawingml/2011/main" xmlns="" val="1"/>
             </a:ext>
           </a:extLst>
         </p:spPr>
@@ -7178,8 +7739,8 @@
         </p:nvSpPr>
         <p:spPr>
           <a:xfrm>
-            <a:off x="329978" y="805976"/>
-            <a:ext cx="6338595" cy="923330"/>
+            <a:off x="240424" y="999017"/>
+            <a:ext cx="6338595" cy="646331"/>
           </a:xfrm>
           <a:prstGeom prst="rect">
             <a:avLst/>
@@ -7213,14 +7774,19 @@
             </a:r>
             <a:r>
               <a:rPr kumimoji="1" lang="ja-JP" altLang="en-US" dirty="0"/>
-              <a:t>にして</a:t>
-            </a:r>
-            <a:endParaRPr kumimoji="1" lang="en-US" altLang="ja-JP" dirty="0"/>
-          </a:p>
-          <a:p>
+              <a:t>に</a:t>
+            </a:r>
+            <a:r>
+              <a:rPr kumimoji="1" lang="ja-JP" altLang="en-US" dirty="0" smtClean="0"/>
+              <a:t>して</a:t>
+            </a:r>
+            <a:r>
+              <a:rPr lang="ja-JP" altLang="en-US" dirty="0" smtClean="0"/>
+              <a:t>モデル</a:t>
+            </a:r>
             <a:r>
               <a:rPr lang="ja-JP" altLang="en-US" dirty="0"/>
-              <a:t>モデルを作成してください。</a:t>
+              <a:t>を作成してください。</a:t>
             </a:r>
             <a:endParaRPr kumimoji="1" lang="ja-JP" altLang="en-US" dirty="0"/>
           </a:p>
@@ -7228,54 +7794,36 @@
       </p:sp>
       <p:grpSp>
         <p:nvGrpSpPr>
-          <p:cNvPr id="9" name="グループ化 8">
-            <a:extLst>
-              <a:ext uri="{FF2B5EF4-FFF2-40B4-BE49-F238E27FC236}">
-                <a16:creationId xmlns:a16="http://schemas.microsoft.com/office/drawing/2014/main" id="{06DEBDF1-5CE7-47A0-9715-B44C278E88F4}"/>
-              </a:ext>
-            </a:extLst>
-          </p:cNvPr>
+          <p:cNvPr id="10" name="グループ化 9"/>
           <p:cNvGrpSpPr/>
           <p:nvPr/>
         </p:nvGrpSpPr>
         <p:grpSpPr>
           <a:xfrm>
-            <a:off x="329978" y="1729306"/>
-            <a:ext cx="5738323" cy="3676650"/>
-            <a:chOff x="568592" y="1771650"/>
-            <a:chExt cx="4479658" cy="2870200"/>
+            <a:off x="395703" y="1829752"/>
+            <a:ext cx="4663978" cy="2914986"/>
+            <a:chOff x="395702" y="1829752"/>
+            <a:chExt cx="5509261" cy="3443288"/>
           </a:xfrm>
         </p:grpSpPr>
         <p:pic>
           <p:nvPicPr>
-            <p:cNvPr id="2" name="図 1">
-              <a:extLst>
-                <a:ext uri="{FF2B5EF4-FFF2-40B4-BE49-F238E27FC236}">
-                  <a16:creationId xmlns:a16="http://schemas.microsoft.com/office/drawing/2014/main" id="{AE9BC234-14AA-42C0-B1AB-1CBDE3FCD0B8}"/>
-                </a:ext>
-              </a:extLst>
-            </p:cNvPr>
+            <p:cNvPr id="7" name="図 6"/>
             <p:cNvPicPr>
               <a:picLocks noChangeAspect="1"/>
             </p:cNvPicPr>
             <p:nvPr/>
           </p:nvPicPr>
           <p:blipFill>
-            <a:blip r:embed="rId2">
-              <a:extLst>
-                <a:ext uri="{28A0092B-C50C-407E-A947-70E740481C1C}">
-                  <a14:useLocalDpi xmlns:a14="http://schemas.microsoft.com/office/drawing/2010/main" val="0"/>
-                </a:ext>
-              </a:extLst>
-            </a:blip>
+            <a:blip r:embed="rId2"/>
             <a:stretch>
               <a:fillRect/>
             </a:stretch>
           </p:blipFill>
           <p:spPr>
             <a:xfrm>
-              <a:off x="568592" y="1771650"/>
-              <a:ext cx="4479658" cy="2870200"/>
+              <a:off x="395702" y="1829752"/>
+              <a:ext cx="5509261" cy="3443288"/>
             </a:xfrm>
             <a:prstGeom prst="rect">
               <a:avLst/>
@@ -7296,8 +7844,8 @@
           </p:nvSpPr>
           <p:spPr>
             <a:xfrm>
-              <a:off x="2463800" y="2292350"/>
-              <a:ext cx="869950" cy="234950"/>
+              <a:off x="2287188" y="2384879"/>
+              <a:ext cx="1114383" cy="300965"/>
             </a:xfrm>
             <a:prstGeom prst="roundRect">
               <a:avLst/>
@@ -7348,8 +7896,8 @@
           </p:nvSpPr>
           <p:spPr>
             <a:xfrm>
-              <a:off x="2770320" y="4095750"/>
-              <a:ext cx="1046029" cy="419100"/>
+              <a:off x="3356073" y="4694986"/>
+              <a:ext cx="1339935" cy="536856"/>
             </a:xfrm>
             <a:prstGeom prst="roundRect">
               <a:avLst/>
@@ -7387,42 +7935,6 @@
           </p:txBody>
         </p:sp>
       </p:grpSp>
-      <p:pic>
-        <p:nvPicPr>
-          <p:cNvPr id="19" name="図 18">
-            <a:extLst>
-              <a:ext uri="{FF2B5EF4-FFF2-40B4-BE49-F238E27FC236}">
-                <a16:creationId xmlns:a16="http://schemas.microsoft.com/office/drawing/2014/main" id="{2070DB77-E30B-4842-856B-41448331E145}"/>
-              </a:ext>
-            </a:extLst>
-          </p:cNvPr>
-          <p:cNvPicPr>
-            <a:picLocks noChangeAspect="1"/>
-          </p:cNvPicPr>
-          <p:nvPr/>
-        </p:nvPicPr>
-        <p:blipFill>
-          <a:blip r:embed="rId3">
-            <a:extLst>
-              <a:ext uri="{28A0092B-C50C-407E-A947-70E740481C1C}">
-                <a14:useLocalDpi xmlns:a14="http://schemas.microsoft.com/office/drawing/2010/main" val="0"/>
-              </a:ext>
-            </a:extLst>
-          </a:blip>
-          <a:stretch>
-            <a:fillRect/>
-          </a:stretch>
-        </p:blipFill>
-        <p:spPr>
-          <a:xfrm>
-            <a:off x="6473164" y="1498474"/>
-            <a:ext cx="5552808" cy="4819776"/>
-          </a:xfrm>
-          <a:prstGeom prst="rect">
-            <a:avLst/>
-          </a:prstGeom>
-        </p:spPr>
-      </p:pic>
       <p:sp>
         <p:nvSpPr>
           <p:cNvPr id="20" name="テキスト ボックス 19">
@@ -7456,6 +7968,53 @@
               <a:t>ダイアグラムビューが表示されます。</a:t>
             </a:r>
             <a:endParaRPr kumimoji="1" lang="en-US" altLang="ja-JP" dirty="0"/>
+          </a:p>
+        </p:txBody>
+      </p:sp>
+      <p:pic>
+        <p:nvPicPr>
+          <p:cNvPr id="8" name="図 7"/>
+          <p:cNvPicPr>
+            <a:picLocks noChangeAspect="1"/>
+          </p:cNvPicPr>
+          <p:nvPr/>
+        </p:nvPicPr>
+        <p:blipFill>
+          <a:blip r:embed="rId3"/>
+          <a:stretch>
+            <a:fillRect/>
+          </a:stretch>
+        </p:blipFill>
+        <p:spPr>
+          <a:xfrm>
+            <a:off x="6463138" y="1792223"/>
+            <a:ext cx="5621573" cy="3694177"/>
+          </a:xfrm>
+          <a:prstGeom prst="rect">
+            <a:avLst/>
+          </a:prstGeom>
+        </p:spPr>
+      </p:pic>
+      <p:sp>
+        <p:nvSpPr>
+          <p:cNvPr id="2" name="スライド番号プレースホルダー 1"/>
+          <p:cNvSpPr>
+            <a:spLocks noGrp="1"/>
+          </p:cNvSpPr>
+          <p:nvPr>
+            <p:ph type="sldNum" sz="quarter" idx="12"/>
+          </p:nvPr>
+        </p:nvSpPr>
+        <p:spPr/>
+        <p:txBody>
+          <a:bodyPr/>
+          <a:lstStyle/>
+          <a:p>
+            <a:fld id="{D836F367-8F14-4921-8441-15DE2D973248}" type="slidenum">
+              <a:rPr kumimoji="1" lang="ja-JP" altLang="en-US" smtClean="0"/>
+              <a:t>4</a:t>
+            </a:fld>
+            <a:endParaRPr kumimoji="1" lang="ja-JP" altLang="en-US"/>
           </a:p>
         </p:txBody>
       </p:sp>
@@ -7489,6 +8048,30 @@
           <a:chExt cx="0" cy="0"/>
         </a:xfrm>
       </p:grpSpPr>
+      <p:pic>
+        <p:nvPicPr>
+          <p:cNvPr id="10" name="図 9"/>
+          <p:cNvPicPr>
+            <a:picLocks noChangeAspect="1"/>
+          </p:cNvPicPr>
+          <p:nvPr/>
+        </p:nvPicPr>
+        <p:blipFill>
+          <a:blip r:embed="rId2"/>
+          <a:stretch>
+            <a:fillRect/>
+          </a:stretch>
+        </p:blipFill>
+        <p:spPr>
+          <a:xfrm>
+            <a:off x="5934238" y="2580999"/>
+            <a:ext cx="4587638" cy="1844200"/>
+          </a:xfrm>
+          <a:prstGeom prst="rect">
+            <a:avLst/>
+          </a:prstGeom>
+        </p:spPr>
+      </p:pic>
       <p:sp>
         <p:nvSpPr>
           <p:cNvPr id="4" name="Shape 130">
@@ -7514,7 +8097,7 @@
           </a:ln>
           <a:extLst>
             <a:ext uri="{C572A759-6A51-4108-AA02-DFA0A04FC94B}">
-              <ma14:wrappingTextBoxFlag xmlns="" xmlns:ma14="http://schemas.microsoft.com/office/mac/drawingml/2011/main" val="1"/>
+              <ma14:wrappingTextBoxFlag xmlns:ma14="http://schemas.microsoft.com/office/mac/drawingml/2011/main" xmlns="" val="1"/>
             </a:ext>
           </a:extLst>
         </p:spPr>
@@ -7540,55 +8123,348 @@
           </a:p>
         </p:txBody>
       </p:sp>
+      <p:sp>
+        <p:nvSpPr>
+          <p:cNvPr id="17" name="テキスト ボックス 16">
+            <a:extLst>
+              <a:ext uri="{FF2B5EF4-FFF2-40B4-BE49-F238E27FC236}">
+                <a16:creationId xmlns:a16="http://schemas.microsoft.com/office/drawing/2014/main" id="{3346825D-360B-4154-8F1E-DFB565079FA3}"/>
+              </a:ext>
+            </a:extLst>
+          </p:cNvPr>
+          <p:cNvSpPr txBox="1"/>
+          <p:nvPr/>
+        </p:nvSpPr>
+        <p:spPr>
+          <a:xfrm>
+            <a:off x="283703" y="783721"/>
+            <a:ext cx="3416320" cy="923330"/>
+          </a:xfrm>
+          <a:prstGeom prst="rect">
+            <a:avLst/>
+          </a:prstGeom>
+          <a:noFill/>
+        </p:spPr>
+        <p:txBody>
+          <a:bodyPr wrap="none" rtlCol="0">
+            <a:spAutoFit/>
+          </a:bodyPr>
+          <a:lstStyle/>
+          <a:p>
+            <a:r>
+              <a:rPr lang="ja-JP" altLang="en-US" dirty="0"/>
+              <a:t>ダイヤグラムビュー左上にある</a:t>
+            </a:r>
+            <a:endParaRPr lang="en-US" altLang="ja-JP" dirty="0"/>
+          </a:p>
+          <a:p>
+            <a:r>
+              <a:rPr kumimoji="1" lang="ja-JP" altLang="en-US" dirty="0"/>
+              <a:t>「テキストビュー」アイコンを</a:t>
+            </a:r>
+            <a:endParaRPr kumimoji="1" lang="en-US" altLang="ja-JP" dirty="0"/>
+          </a:p>
+          <a:p>
+            <a:r>
+              <a:rPr lang="ja-JP" altLang="en-US" dirty="0"/>
+              <a:t>クリックしてください。</a:t>
+            </a:r>
+            <a:endParaRPr kumimoji="1" lang="en-US" altLang="ja-JP" dirty="0"/>
+          </a:p>
+        </p:txBody>
+      </p:sp>
+      <p:sp>
+        <p:nvSpPr>
+          <p:cNvPr id="18" name="テキスト ボックス 17">
+            <a:extLst>
+              <a:ext uri="{FF2B5EF4-FFF2-40B4-BE49-F238E27FC236}">
+                <a16:creationId xmlns:a16="http://schemas.microsoft.com/office/drawing/2014/main" id="{13BA32AD-6AAD-4CCD-8174-C5E9E5000AAB}"/>
+              </a:ext>
+            </a:extLst>
+          </p:cNvPr>
+          <p:cNvSpPr txBox="1"/>
+          <p:nvPr/>
+        </p:nvSpPr>
+        <p:spPr>
+          <a:xfrm>
+            <a:off x="6021441" y="783721"/>
+            <a:ext cx="2954655" cy="646331"/>
+          </a:xfrm>
+          <a:prstGeom prst="rect">
+            <a:avLst/>
+          </a:prstGeom>
+          <a:noFill/>
+        </p:spPr>
+        <p:txBody>
+          <a:bodyPr wrap="none" rtlCol="0">
+            <a:spAutoFit/>
+          </a:bodyPr>
+          <a:lstStyle/>
+          <a:p>
+            <a:r>
+              <a:rPr lang="ja-JP" altLang="en-US" dirty="0"/>
+              <a:t>コードが表示されます。</a:t>
+            </a:r>
+            <a:endParaRPr lang="en-US" altLang="ja-JP" dirty="0"/>
+          </a:p>
+          <a:p>
+            <a:r>
+              <a:rPr kumimoji="1" lang="ja-JP" altLang="en-US" dirty="0"/>
+              <a:t>以下を確認してください。</a:t>
+            </a:r>
+            <a:endParaRPr kumimoji="1" lang="en-US" altLang="ja-JP" dirty="0"/>
+          </a:p>
+        </p:txBody>
+      </p:sp>
+      <p:cxnSp>
+        <p:nvCxnSpPr>
+          <p:cNvPr id="8" name="直線矢印コネクタ 7">
+            <a:extLst>
+              <a:ext uri="{FF2B5EF4-FFF2-40B4-BE49-F238E27FC236}">
+                <a16:creationId xmlns:a16="http://schemas.microsoft.com/office/drawing/2014/main" id="{23D4DDB4-DA30-4FF6-86E4-8DB6B041979A}"/>
+              </a:ext>
+            </a:extLst>
+          </p:cNvPr>
+          <p:cNvCxnSpPr>
+            <a:cxnSpLocks/>
+            <a:stCxn id="9" idx="2"/>
+          </p:cNvCxnSpPr>
+          <p:nvPr/>
+        </p:nvCxnSpPr>
+        <p:spPr>
+          <a:xfrm flipH="1">
+            <a:off x="8341360" y="2379229"/>
+            <a:ext cx="742080" cy="750051"/>
+          </a:xfrm>
+          <a:prstGeom prst="straightConnector1">
+            <a:avLst/>
+          </a:prstGeom>
+          <a:ln w="28575">
+            <a:solidFill>
+              <a:srgbClr val="FF0000"/>
+            </a:solidFill>
+            <a:headEnd type="none" w="med" len="med"/>
+            <a:tailEnd type="triangle"/>
+          </a:ln>
+        </p:spPr>
+        <p:style>
+          <a:lnRef idx="1">
+            <a:schemeClr val="accent1"/>
+          </a:lnRef>
+          <a:fillRef idx="0">
+            <a:schemeClr val="accent1"/>
+          </a:fillRef>
+          <a:effectRef idx="0">
+            <a:schemeClr val="accent1"/>
+          </a:effectRef>
+          <a:fontRef idx="minor">
+            <a:schemeClr val="tx1"/>
+          </a:fontRef>
+        </p:style>
+      </p:cxnSp>
+      <p:sp>
+        <p:nvSpPr>
+          <p:cNvPr id="9" name="テキスト ボックス 8">
+            <a:extLst>
+              <a:ext uri="{FF2B5EF4-FFF2-40B4-BE49-F238E27FC236}">
+                <a16:creationId xmlns:a16="http://schemas.microsoft.com/office/drawing/2014/main" id="{04F9D1CA-EC39-41C8-9135-94852F26E0C9}"/>
+              </a:ext>
+            </a:extLst>
+          </p:cNvPr>
+          <p:cNvSpPr txBox="1"/>
+          <p:nvPr/>
+        </p:nvSpPr>
+        <p:spPr>
+          <a:xfrm>
+            <a:off x="6147599" y="1732898"/>
+            <a:ext cx="5871682" cy="646331"/>
+          </a:xfrm>
+          <a:prstGeom prst="rect">
+            <a:avLst/>
+          </a:prstGeom>
+          <a:noFill/>
+        </p:spPr>
+        <p:txBody>
+          <a:bodyPr wrap="square" rtlCol="0">
+            <a:spAutoFit/>
+          </a:bodyPr>
+          <a:lstStyle/>
+          <a:p>
+            <a:r>
+              <a:rPr kumimoji="1" lang="en-US" altLang="ja-JP" dirty="0"/>
+              <a:t>1</a:t>
+            </a:r>
+            <a:r>
+              <a:rPr kumimoji="1" lang="ja-JP" altLang="en-US" dirty="0"/>
+              <a:t>行目</a:t>
+            </a:r>
+            <a:r>
+              <a:rPr kumimoji="1" lang="ja-JP" altLang="en-US" dirty="0" smtClean="0"/>
+              <a:t>にクラスの始まりを表す「</a:t>
+            </a:r>
+            <a:r>
+              <a:rPr kumimoji="1" lang="ja-JP" altLang="en-US" dirty="0"/>
+              <a:t>クラスの種類　クラス名</a:t>
+            </a:r>
+            <a:r>
+              <a:rPr kumimoji="1" lang="ja-JP" altLang="en-US" dirty="0" smtClean="0"/>
+              <a:t>」コマンドが記述されて</a:t>
+            </a:r>
+            <a:r>
+              <a:rPr kumimoji="1" lang="ja-JP" altLang="en-US" dirty="0"/>
+              <a:t>います</a:t>
+            </a:r>
+          </a:p>
+        </p:txBody>
+      </p:sp>
+      <p:sp>
+        <p:nvSpPr>
+          <p:cNvPr id="15" name="テキスト ボックス 14">
+            <a:extLst>
+              <a:ext uri="{FF2B5EF4-FFF2-40B4-BE49-F238E27FC236}">
+                <a16:creationId xmlns:a16="http://schemas.microsoft.com/office/drawing/2014/main" id="{A12B6441-E38E-49A5-AECF-50525377E944}"/>
+              </a:ext>
+            </a:extLst>
+          </p:cNvPr>
+          <p:cNvSpPr txBox="1"/>
+          <p:nvPr/>
+        </p:nvSpPr>
+        <p:spPr>
+          <a:xfrm>
+            <a:off x="5785959" y="5020928"/>
+            <a:ext cx="6380273" cy="646331"/>
+          </a:xfrm>
+          <a:prstGeom prst="rect">
+            <a:avLst/>
+          </a:prstGeom>
+          <a:noFill/>
+        </p:spPr>
+        <p:txBody>
+          <a:bodyPr wrap="none" rtlCol="0">
+            <a:spAutoFit/>
+          </a:bodyPr>
+          <a:lstStyle/>
+          <a:p>
+            <a:r>
+              <a:rPr lang="en-US" altLang="ja-JP" dirty="0"/>
+              <a:t>4</a:t>
+            </a:r>
+            <a:r>
+              <a:rPr kumimoji="1" lang="ja-JP" altLang="en-US" dirty="0" smtClean="0"/>
+              <a:t>行目</a:t>
+            </a:r>
+            <a:r>
+              <a:rPr kumimoji="1" lang="ja-JP" altLang="en-US" dirty="0"/>
+              <a:t>にクラスの終わりを表す「</a:t>
+            </a:r>
+            <a:r>
+              <a:rPr kumimoji="1" lang="en-US" altLang="ja-JP" dirty="0"/>
+              <a:t>end </a:t>
+            </a:r>
+            <a:r>
+              <a:rPr kumimoji="1" lang="ja-JP" altLang="en-US" dirty="0"/>
+              <a:t>クラス名</a:t>
+            </a:r>
+            <a:r>
+              <a:rPr kumimoji="1" lang="en-US" altLang="ja-JP" dirty="0"/>
+              <a:t>;</a:t>
+            </a:r>
+            <a:r>
+              <a:rPr kumimoji="1" lang="ja-JP" altLang="en-US" dirty="0"/>
+              <a:t>」コマンドが</a:t>
+            </a:r>
+            <a:endParaRPr kumimoji="1" lang="en-US" altLang="ja-JP" dirty="0"/>
+          </a:p>
+          <a:p>
+            <a:r>
+              <a:rPr lang="ja-JP" altLang="en-US" dirty="0"/>
+              <a:t>記述されて</a:t>
+            </a:r>
+            <a:r>
+              <a:rPr lang="ja-JP" altLang="en-US" dirty="0" smtClean="0"/>
+              <a:t>います</a:t>
+            </a:r>
+            <a:endParaRPr kumimoji="1" lang="ja-JP" altLang="en-US" dirty="0"/>
+          </a:p>
+        </p:txBody>
+      </p:sp>
+      <p:cxnSp>
+        <p:nvCxnSpPr>
+          <p:cNvPr id="19" name="直線矢印コネクタ 18">
+            <a:extLst>
+              <a:ext uri="{FF2B5EF4-FFF2-40B4-BE49-F238E27FC236}">
+                <a16:creationId xmlns:a16="http://schemas.microsoft.com/office/drawing/2014/main" id="{413DD97A-8D02-48F6-88EA-1C641A137797}"/>
+              </a:ext>
+            </a:extLst>
+          </p:cNvPr>
+          <p:cNvCxnSpPr>
+            <a:cxnSpLocks/>
+            <a:stCxn id="15" idx="0"/>
+          </p:cNvCxnSpPr>
+          <p:nvPr/>
+        </p:nvCxnSpPr>
+        <p:spPr>
+          <a:xfrm flipH="1" flipV="1">
+            <a:off x="8431530" y="4389120"/>
+            <a:ext cx="544566" cy="631808"/>
+          </a:xfrm>
+          <a:prstGeom prst="straightConnector1">
+            <a:avLst/>
+          </a:prstGeom>
+          <a:ln w="28575">
+            <a:solidFill>
+              <a:srgbClr val="FF0000"/>
+            </a:solidFill>
+            <a:headEnd type="none" w="med" len="med"/>
+            <a:tailEnd type="triangle"/>
+          </a:ln>
+        </p:spPr>
+        <p:style>
+          <a:lnRef idx="1">
+            <a:schemeClr val="accent1"/>
+          </a:lnRef>
+          <a:fillRef idx="0">
+            <a:schemeClr val="accent1"/>
+          </a:fillRef>
+          <a:effectRef idx="0">
+            <a:schemeClr val="accent1"/>
+          </a:effectRef>
+          <a:fontRef idx="minor">
+            <a:schemeClr val="tx1"/>
+          </a:fontRef>
+        </p:style>
+      </p:cxnSp>
       <p:grpSp>
         <p:nvGrpSpPr>
-          <p:cNvPr id="5" name="グループ化 4">
-            <a:extLst>
-              <a:ext uri="{FF2B5EF4-FFF2-40B4-BE49-F238E27FC236}">
-                <a16:creationId xmlns:a16="http://schemas.microsoft.com/office/drawing/2014/main" id="{25924724-C48C-4237-B5D7-BAF0D17A41D2}"/>
-              </a:ext>
-            </a:extLst>
-          </p:cNvPr>
+          <p:cNvPr id="7" name="グループ化 6"/>
           <p:cNvGrpSpPr/>
           <p:nvPr/>
         </p:nvGrpSpPr>
         <p:grpSpPr>
           <a:xfrm>
-            <a:off x="179666" y="2457802"/>
-            <a:ext cx="4953109" cy="2247949"/>
-            <a:chOff x="1096068" y="1759275"/>
-            <a:chExt cx="2939208" cy="1333948"/>
+            <a:off x="447068" y="2181792"/>
+            <a:ext cx="5061727" cy="3840481"/>
+            <a:chOff x="283703" y="2247899"/>
+            <a:chExt cx="4146803" cy="3146301"/>
           </a:xfrm>
         </p:grpSpPr>
         <p:pic>
           <p:nvPicPr>
-            <p:cNvPr id="2" name="図 1">
-              <a:extLst>
-                <a:ext uri="{FF2B5EF4-FFF2-40B4-BE49-F238E27FC236}">
-                  <a16:creationId xmlns:a16="http://schemas.microsoft.com/office/drawing/2014/main" id="{AAACF098-FCFF-4D31-BF88-1465C71EF2C9}"/>
-                </a:ext>
-              </a:extLst>
-            </p:cNvPr>
+            <p:cNvPr id="6" name="図 5"/>
             <p:cNvPicPr>
               <a:picLocks noChangeAspect="1"/>
             </p:cNvPicPr>
             <p:nvPr/>
           </p:nvPicPr>
           <p:blipFill rotWithShape="1">
-            <a:blip r:embed="rId2">
-              <a:extLst>
-                <a:ext uri="{28A0092B-C50C-407E-A947-70E740481C1C}">
-                  <a14:useLocalDpi xmlns:a14="http://schemas.microsoft.com/office/drawing/2010/main" val="0"/>
-                </a:ext>
-              </a:extLst>
-            </a:blip>
-            <a:srcRect/>
+            <a:blip r:embed="rId3"/>
+            <a:srcRect l="21868" t="7191" r="41634" b="50669"/>
             <a:stretch/>
           </p:blipFill>
           <p:spPr>
             <a:xfrm>
-              <a:off x="1096068" y="1759275"/>
-              <a:ext cx="2939208" cy="1333948"/>
+              <a:off x="283703" y="2247899"/>
+              <a:ext cx="4146803" cy="3146301"/>
             </a:xfrm>
             <a:prstGeom prst="rect">
               <a:avLst/>
@@ -7597,10 +8473,10 @@
         </p:pic>
         <p:sp>
           <p:nvSpPr>
-            <p:cNvPr id="13" name="四角形: 角を丸くする 12">
+            <p:cNvPr id="14" name="四角形: 角を丸くする 2">
               <a:extLst>
                 <a:ext uri="{FF2B5EF4-FFF2-40B4-BE49-F238E27FC236}">
-                  <a16:creationId xmlns:a16="http://schemas.microsoft.com/office/drawing/2014/main" id="{156192FF-C138-4790-AE55-78A6E07426B2}"/>
+                  <a16:creationId xmlns:a16="http://schemas.microsoft.com/office/drawing/2014/main" id="{8EB924AF-90FE-420C-A096-9CD5F9C74005}"/>
                 </a:ext>
               </a:extLst>
             </p:cNvPr>
@@ -7609,8 +8485,8 @@
           </p:nvSpPr>
           <p:spPr>
             <a:xfrm>
-              <a:off x="1976194" y="2006949"/>
-              <a:ext cx="390488" cy="408143"/>
+              <a:off x="1135919" y="3566260"/>
+              <a:ext cx="449041" cy="441859"/>
             </a:xfrm>
             <a:prstGeom prst="roundRect">
               <a:avLst/>
@@ -7650,326 +8526,27 @@
       </p:grpSp>
       <p:sp>
         <p:nvSpPr>
-          <p:cNvPr id="17" name="テキスト ボックス 16">
-            <a:extLst>
-              <a:ext uri="{FF2B5EF4-FFF2-40B4-BE49-F238E27FC236}">
-                <a16:creationId xmlns:a16="http://schemas.microsoft.com/office/drawing/2014/main" id="{3346825D-360B-4154-8F1E-DFB565079FA3}"/>
-              </a:ext>
-            </a:extLst>
-          </p:cNvPr>
-          <p:cNvSpPr txBox="1"/>
-          <p:nvPr/>
-        </p:nvSpPr>
-        <p:spPr>
-          <a:xfrm>
-            <a:off x="283703" y="1146187"/>
-            <a:ext cx="3416320" cy="923330"/>
-          </a:xfrm>
-          <a:prstGeom prst="rect">
-            <a:avLst/>
-          </a:prstGeom>
-          <a:noFill/>
-        </p:spPr>
-        <p:txBody>
-          <a:bodyPr wrap="none" rtlCol="0">
-            <a:spAutoFit/>
-          </a:bodyPr>
+          <p:cNvPr id="2" name="スライド番号プレースホルダー 1"/>
+          <p:cNvSpPr>
+            <a:spLocks noGrp="1"/>
+          </p:cNvSpPr>
+          <p:nvPr>
+            <p:ph type="sldNum" sz="quarter" idx="12"/>
+          </p:nvPr>
+        </p:nvSpPr>
+        <p:spPr/>
+        <p:txBody>
+          <a:bodyPr/>
           <a:lstStyle/>
           <a:p>
-            <a:r>
-              <a:rPr lang="ja-JP" altLang="en-US" dirty="0"/>
-              <a:t>ダイヤグラムビュー左上にある</a:t>
-            </a:r>
-            <a:endParaRPr lang="en-US" altLang="ja-JP" dirty="0"/>
-          </a:p>
-          <a:p>
-            <a:r>
-              <a:rPr kumimoji="1" lang="ja-JP" altLang="en-US" dirty="0"/>
-              <a:t>「テキストビュー」アイコンを</a:t>
-            </a:r>
-            <a:endParaRPr kumimoji="1" lang="en-US" altLang="ja-JP" dirty="0"/>
-          </a:p>
-          <a:p>
-            <a:r>
-              <a:rPr lang="ja-JP" altLang="en-US" dirty="0"/>
-              <a:t>クリックしてください。</a:t>
-            </a:r>
-            <a:endParaRPr kumimoji="1" lang="en-US" altLang="ja-JP" dirty="0"/>
-          </a:p>
-        </p:txBody>
-      </p:sp>
-      <p:sp>
-        <p:nvSpPr>
-          <p:cNvPr id="18" name="テキスト ボックス 17">
-            <a:extLst>
-              <a:ext uri="{FF2B5EF4-FFF2-40B4-BE49-F238E27FC236}">
-                <a16:creationId xmlns:a16="http://schemas.microsoft.com/office/drawing/2014/main" id="{13BA32AD-6AAD-4CCD-8174-C5E9E5000AAB}"/>
-              </a:ext>
-            </a:extLst>
-          </p:cNvPr>
-          <p:cNvSpPr txBox="1"/>
-          <p:nvPr/>
-        </p:nvSpPr>
-        <p:spPr>
-          <a:xfrm>
-            <a:off x="6021441" y="961521"/>
-            <a:ext cx="2954655" cy="646331"/>
-          </a:xfrm>
-          <a:prstGeom prst="rect">
-            <a:avLst/>
-          </a:prstGeom>
-          <a:noFill/>
-        </p:spPr>
-        <p:txBody>
-          <a:bodyPr wrap="none" rtlCol="0">
-            <a:spAutoFit/>
-          </a:bodyPr>
-          <a:lstStyle/>
-          <a:p>
-            <a:r>
-              <a:rPr lang="ja-JP" altLang="en-US" dirty="0"/>
-              <a:t>コードが表示されます。</a:t>
-            </a:r>
-            <a:endParaRPr lang="en-US" altLang="ja-JP" dirty="0"/>
-          </a:p>
-          <a:p>
-            <a:r>
-              <a:rPr kumimoji="1" lang="ja-JP" altLang="en-US" dirty="0"/>
-              <a:t>以下を確認してください。</a:t>
-            </a:r>
-            <a:endParaRPr kumimoji="1" lang="en-US" altLang="ja-JP" dirty="0"/>
-          </a:p>
-        </p:txBody>
-      </p:sp>
-      <p:pic>
-        <p:nvPicPr>
-          <p:cNvPr id="3" name="図 2">
-            <a:extLst>
-              <a:ext uri="{FF2B5EF4-FFF2-40B4-BE49-F238E27FC236}">
-                <a16:creationId xmlns:a16="http://schemas.microsoft.com/office/drawing/2014/main" id="{81548532-3382-4FEE-80B4-FFB77D379F49}"/>
-              </a:ext>
-            </a:extLst>
-          </p:cNvPr>
-          <p:cNvPicPr>
-            <a:picLocks noChangeAspect="1"/>
-          </p:cNvPicPr>
-          <p:nvPr/>
-        </p:nvPicPr>
-        <p:blipFill>
-          <a:blip r:embed="rId3">
-            <a:extLst>
-              <a:ext uri="{28A0092B-C50C-407E-A947-70E740481C1C}">
-                <a14:useLocalDpi xmlns:a14="http://schemas.microsoft.com/office/drawing/2010/main" val="0"/>
-              </a:ext>
-            </a:extLst>
-          </a:blip>
-          <a:stretch>
-            <a:fillRect/>
-          </a:stretch>
-        </p:blipFill>
-        <p:spPr>
-          <a:xfrm>
-            <a:off x="6168068" y="2615254"/>
-            <a:ext cx="4282566" cy="912508"/>
-          </a:xfrm>
-          <a:prstGeom prst="rect">
-            <a:avLst/>
-          </a:prstGeom>
-        </p:spPr>
-      </p:pic>
-      <p:cxnSp>
-        <p:nvCxnSpPr>
-          <p:cNvPr id="8" name="直線矢印コネクタ 7">
-            <a:extLst>
-              <a:ext uri="{FF2B5EF4-FFF2-40B4-BE49-F238E27FC236}">
-                <a16:creationId xmlns:a16="http://schemas.microsoft.com/office/drawing/2014/main" id="{23D4DDB4-DA30-4FF6-86E4-8DB6B041979A}"/>
-              </a:ext>
-            </a:extLst>
-          </p:cNvPr>
-          <p:cNvCxnSpPr>
-            <a:cxnSpLocks/>
-          </p:cNvCxnSpPr>
-          <p:nvPr/>
-        </p:nvCxnSpPr>
-        <p:spPr>
-          <a:xfrm flipH="1">
-            <a:off x="8458201" y="2300350"/>
-            <a:ext cx="262239" cy="314904"/>
-          </a:xfrm>
-          <a:prstGeom prst="straightConnector1">
-            <a:avLst/>
-          </a:prstGeom>
-          <a:ln w="28575">
-            <a:solidFill>
-              <a:srgbClr val="FF0000"/>
-            </a:solidFill>
-            <a:headEnd type="none" w="med" len="med"/>
-            <a:tailEnd type="triangle"/>
-          </a:ln>
-        </p:spPr>
-        <p:style>
-          <a:lnRef idx="1">
-            <a:schemeClr val="accent1"/>
-          </a:lnRef>
-          <a:fillRef idx="0">
-            <a:schemeClr val="accent1"/>
-          </a:fillRef>
-          <a:effectRef idx="0">
-            <a:schemeClr val="accent1"/>
-          </a:effectRef>
-          <a:fontRef idx="minor">
-            <a:schemeClr val="tx1"/>
-          </a:fontRef>
-        </p:style>
-      </p:cxnSp>
-      <p:sp>
-        <p:nvSpPr>
-          <p:cNvPr id="9" name="テキスト ボックス 8">
-            <a:extLst>
-              <a:ext uri="{FF2B5EF4-FFF2-40B4-BE49-F238E27FC236}">
-                <a16:creationId xmlns:a16="http://schemas.microsoft.com/office/drawing/2014/main" id="{04F9D1CA-EC39-41C8-9135-94852F26E0C9}"/>
-              </a:ext>
-            </a:extLst>
-          </p:cNvPr>
-          <p:cNvSpPr txBox="1"/>
-          <p:nvPr/>
-        </p:nvSpPr>
-        <p:spPr>
-          <a:xfrm>
-            <a:off x="5934238" y="1931018"/>
-            <a:ext cx="6083717" cy="369332"/>
-          </a:xfrm>
-          <a:prstGeom prst="rect">
-            <a:avLst/>
-          </a:prstGeom>
-          <a:noFill/>
-        </p:spPr>
-        <p:txBody>
-          <a:bodyPr wrap="none" rtlCol="0">
-            <a:spAutoFit/>
-          </a:bodyPr>
-          <a:lstStyle/>
-          <a:p>
-            <a:r>
-              <a:rPr kumimoji="1" lang="en-US" altLang="ja-JP" dirty="0"/>
-              <a:t>1</a:t>
-            </a:r>
-            <a:r>
-              <a:rPr kumimoji="1" lang="ja-JP" altLang="en-US" dirty="0"/>
-              <a:t>行目に「クラスの種類　クラス名」で宣言されています</a:t>
-            </a:r>
-          </a:p>
-        </p:txBody>
-      </p:sp>
-      <p:sp>
-        <p:nvSpPr>
-          <p:cNvPr id="15" name="テキスト ボックス 14">
-            <a:extLst>
-              <a:ext uri="{FF2B5EF4-FFF2-40B4-BE49-F238E27FC236}">
-                <a16:creationId xmlns:a16="http://schemas.microsoft.com/office/drawing/2014/main" id="{A12B6441-E38E-49A5-AECF-50525377E944}"/>
-              </a:ext>
-            </a:extLst>
-          </p:cNvPr>
-          <p:cNvSpPr txBox="1"/>
-          <p:nvPr/>
-        </p:nvSpPr>
-        <p:spPr>
-          <a:xfrm>
-            <a:off x="5896138" y="3778868"/>
-            <a:ext cx="6380273" cy="646331"/>
-          </a:xfrm>
-          <a:prstGeom prst="rect">
-            <a:avLst/>
-          </a:prstGeom>
-          <a:noFill/>
-        </p:spPr>
-        <p:txBody>
-          <a:bodyPr wrap="none" rtlCol="0">
-            <a:spAutoFit/>
-          </a:bodyPr>
-          <a:lstStyle/>
-          <a:p>
-            <a:r>
-              <a:rPr lang="en-US" altLang="ja-JP" dirty="0"/>
-              <a:t>2</a:t>
-            </a:r>
-            <a:r>
-              <a:rPr kumimoji="1" lang="ja-JP" altLang="en-US" dirty="0"/>
-              <a:t>行目にクラスの終わりを表す「</a:t>
-            </a:r>
-            <a:r>
-              <a:rPr kumimoji="1" lang="en-US" altLang="ja-JP" dirty="0"/>
-              <a:t>end </a:t>
-            </a:r>
-            <a:r>
-              <a:rPr kumimoji="1" lang="ja-JP" altLang="en-US" dirty="0"/>
-              <a:t>クラス名</a:t>
-            </a:r>
-            <a:r>
-              <a:rPr kumimoji="1" lang="en-US" altLang="ja-JP" dirty="0"/>
-              <a:t>;</a:t>
-            </a:r>
-            <a:r>
-              <a:rPr kumimoji="1" lang="ja-JP" altLang="en-US" dirty="0"/>
-              <a:t>」コマンドが</a:t>
-            </a:r>
-            <a:endParaRPr kumimoji="1" lang="en-US" altLang="ja-JP" dirty="0"/>
-          </a:p>
-          <a:p>
-            <a:r>
-              <a:rPr lang="ja-JP" altLang="en-US" dirty="0"/>
-              <a:t>記述されています。</a:t>
-            </a:r>
-            <a:endParaRPr kumimoji="1" lang="ja-JP" altLang="en-US" dirty="0"/>
-          </a:p>
-        </p:txBody>
-      </p:sp>
-      <p:cxnSp>
-        <p:nvCxnSpPr>
-          <p:cNvPr id="19" name="直線矢印コネクタ 18">
-            <a:extLst>
-              <a:ext uri="{FF2B5EF4-FFF2-40B4-BE49-F238E27FC236}">
-                <a16:creationId xmlns:a16="http://schemas.microsoft.com/office/drawing/2014/main" id="{413DD97A-8D02-48F6-88EA-1C641A137797}"/>
-              </a:ext>
-            </a:extLst>
-          </p:cNvPr>
-          <p:cNvCxnSpPr>
-            <a:cxnSpLocks/>
-            <a:stCxn id="15" idx="0"/>
-          </p:cNvCxnSpPr>
-          <p:nvPr/>
-        </p:nvCxnSpPr>
-        <p:spPr>
-          <a:xfrm flipH="1" flipV="1">
-            <a:off x="8458201" y="3378200"/>
-            <a:ext cx="628074" cy="400668"/>
-          </a:xfrm>
-          <a:prstGeom prst="straightConnector1">
-            <a:avLst/>
-          </a:prstGeom>
-          <a:ln w="28575">
-            <a:solidFill>
-              <a:srgbClr val="FF0000"/>
-            </a:solidFill>
-            <a:headEnd type="none" w="med" len="med"/>
-            <a:tailEnd type="triangle"/>
-          </a:ln>
-        </p:spPr>
-        <p:style>
-          <a:lnRef idx="1">
-            <a:schemeClr val="accent1"/>
-          </a:lnRef>
-          <a:fillRef idx="0">
-            <a:schemeClr val="accent1"/>
-          </a:fillRef>
-          <a:effectRef idx="0">
-            <a:schemeClr val="accent1"/>
-          </a:effectRef>
-          <a:fontRef idx="minor">
-            <a:schemeClr val="tx1"/>
-          </a:fontRef>
-        </p:style>
-      </p:cxnSp>
+            <a:fld id="{D836F367-8F14-4921-8441-15DE2D973248}" type="slidenum">
+              <a:rPr kumimoji="1" lang="ja-JP" altLang="en-US" smtClean="0"/>
+              <a:t>5</a:t>
+            </a:fld>
+            <a:endParaRPr kumimoji="1" lang="ja-JP" altLang="en-US"/>
+          </a:p>
+        </p:txBody>
+      </p:sp>
     </p:spTree>
     <p:extLst>
       <p:ext uri="{BB962C8B-B14F-4D97-AF65-F5344CB8AC3E}">
@@ -8077,7 +8654,7 @@
           </a:ln>
           <a:extLst>
             <a:ext uri="{C572A759-6A51-4108-AA02-DFA0A04FC94B}">
-              <ma14:wrappingTextBoxFlag xmlns:ma14="http://schemas.microsoft.com/office/mac/drawingml/2011/main" xmlns="" val="1"/>
+              <ma14:wrappingTextBoxFlag xmlns="" xmlns:ma14="http://schemas.microsoft.com/office/mac/drawingml/2011/main" val="1"/>
             </a:ext>
           </a:extLst>
         </p:spPr>
@@ -8117,8 +8694,8 @@
         </p:nvSpPr>
         <p:spPr>
           <a:xfrm>
-            <a:off x="6182497" y="2127249"/>
-            <a:ext cx="5724644" cy="923330"/>
+            <a:off x="6141857" y="1850250"/>
+            <a:ext cx="6083717" cy="1200329"/>
           </a:xfrm>
           <a:prstGeom prst="rect">
             <a:avLst/>
@@ -8146,12 +8723,47 @@
               <a:t>この範囲を便宜的に</a:t>
             </a:r>
             <a:r>
+              <a:rPr lang="ja-JP" altLang="en-US" b="1" dirty="0" smtClean="0"/>
+              <a:t>「</a:t>
+            </a:r>
+            <a:r>
+              <a:rPr lang="en-US" altLang="ja-JP" b="1" dirty="0"/>
+              <a:t> </a:t>
+            </a:r>
+            <a:r>
+              <a:rPr lang="en-US" altLang="ja-JP" b="1" dirty="0" smtClean="0"/>
+              <a:t>declaration(</a:t>
+            </a:r>
+            <a:r>
+              <a:rPr lang="ja-JP" altLang="en-US" b="1" dirty="0" smtClean="0"/>
+              <a:t>宣言</a:t>
+            </a:r>
+            <a:r>
+              <a:rPr lang="en-US" altLang="ja-JP" b="1" dirty="0" smtClean="0"/>
+              <a:t>)</a:t>
+            </a:r>
+            <a:r>
+              <a:rPr lang="ja-JP" altLang="en-US" b="1" dirty="0" smtClean="0"/>
+              <a:t>セクション</a:t>
+            </a:r>
+            <a:r>
               <a:rPr lang="ja-JP" altLang="en-US" b="1" dirty="0"/>
-              <a:t>「宣言セクション」</a:t>
+              <a:t>」</a:t>
+            </a:r>
+            <a:r>
+              <a:rPr lang="ja-JP" altLang="en-US" dirty="0" smtClean="0"/>
+              <a:t>と</a:t>
+            </a:r>
+            <a:endParaRPr lang="en-US" altLang="ja-JP" dirty="0" smtClean="0"/>
+          </a:p>
+          <a:p>
+            <a:r>
+              <a:rPr lang="ja-JP" altLang="en-US" dirty="0" smtClean="0"/>
+              <a:t>呼びます</a:t>
             </a:r>
             <a:r>
               <a:rPr lang="ja-JP" altLang="en-US" dirty="0"/>
-              <a:t>と呼びます。</a:t>
+              <a:t>。</a:t>
             </a:r>
             <a:endParaRPr lang="en-US" altLang="ja-JP" dirty="0"/>
           </a:p>
@@ -8172,7 +8784,7 @@
         <p:spPr>
           <a:xfrm>
             <a:off x="333241" y="741885"/>
-            <a:ext cx="7619394" cy="369332"/>
+            <a:ext cx="9927718" cy="369332"/>
           </a:xfrm>
           <a:prstGeom prst="rect">
             <a:avLst/>
@@ -8191,7 +8803,11 @@
             </a:r>
             <a:r>
               <a:rPr lang="ja-JP" altLang="en-US" dirty="0"/>
-              <a:t>言語のコードは大きく以下の二つのセクションに分かれます。</a:t>
+              <a:t>言語のコードは大きく以下の二つのセクション</a:t>
+            </a:r>
+            <a:r>
+              <a:rPr lang="ja-JP" altLang="en-US" dirty="0" smtClean="0"/>
+              <a:t>に分けて考えると学習しやすいです。</a:t>
             </a:r>
             <a:endParaRPr kumimoji="1" lang="en-US" altLang="ja-JP" dirty="0"/>
           </a:p>
@@ -8212,7 +8828,7 @@
         <p:spPr>
           <a:xfrm>
             <a:off x="228600" y="1409700"/>
-            <a:ext cx="1507144" cy="400110"/>
+            <a:ext cx="2377574" cy="400110"/>
           </a:xfrm>
           <a:prstGeom prst="rect">
             <a:avLst/>
@@ -8243,7 +8859,11 @@
             </a:r>
             <a:r>
               <a:rPr kumimoji="1" lang="en-US" altLang="ja-JP" sz="2000" dirty="0"/>
-              <a:t> Test</a:t>
+              <a:t> </a:t>
+            </a:r>
+            <a:r>
+              <a:rPr kumimoji="1" lang="en-US" altLang="ja-JP" sz="2000" dirty="0" smtClean="0"/>
+              <a:t>HelloWorld</a:t>
             </a:r>
             <a:endParaRPr kumimoji="1" lang="ja-JP" altLang="en-US" sz="2000" dirty="0"/>
           </a:p>
@@ -8304,7 +8924,7 @@
         <p:spPr>
           <a:xfrm>
             <a:off x="228600" y="6098903"/>
-            <a:ext cx="1295547" cy="400110"/>
+            <a:ext cx="2076209" cy="400110"/>
           </a:xfrm>
           <a:prstGeom prst="rect">
             <a:avLst/>
@@ -8326,8 +8946,8 @@
               <a:t>end </a:t>
             </a:r>
             <a:r>
-              <a:rPr lang="en-US" altLang="ja-JP" sz="2000" dirty="0"/>
-              <a:t>Test;</a:t>
+              <a:rPr lang="en-US" altLang="ja-JP" sz="2000" dirty="0" smtClean="0"/>
+              <a:t>HelloWorld;</a:t>
             </a:r>
             <a:endParaRPr kumimoji="1" lang="ja-JP" altLang="en-US" sz="2000" dirty="0"/>
           </a:p>
@@ -8347,8 +8967,8 @@
         </p:nvSpPr>
         <p:spPr>
           <a:xfrm>
-            <a:off x="6182496" y="3900551"/>
-            <a:ext cx="5965053" cy="2308324"/>
+            <a:off x="6141856" y="4055546"/>
+            <a:ext cx="6083718" cy="2031325"/>
           </a:xfrm>
           <a:prstGeom prst="rect">
             <a:avLst/>
@@ -8381,20 +9001,29 @@
           <a:p>
             <a:r>
               <a:rPr lang="ja-JP" altLang="en-US" dirty="0"/>
-              <a:t>ここで記述された方程式は計算実行時に</a:t>
+              <a:t>ここで記述された</a:t>
+            </a:r>
+            <a:r>
+              <a:rPr lang="ja-JP" altLang="en-US" dirty="0" smtClean="0"/>
+              <a:t>方程式群は</a:t>
+            </a:r>
+            <a:r>
+              <a:rPr lang="ja-JP" altLang="en-US" dirty="0"/>
+              <a:t>計算実行時</a:t>
+            </a:r>
+            <a:r>
+              <a:rPr lang="ja-JP" altLang="en-US" dirty="0" smtClean="0"/>
+              <a:t>に自動的に未知数が選別され連立方程式が立てられ解</a:t>
+            </a:r>
+            <a:r>
+              <a:rPr lang="ja-JP" altLang="en-US" dirty="0"/>
+              <a:t>が得られます。</a:t>
             </a:r>
             <a:endParaRPr lang="en-US" altLang="ja-JP" dirty="0"/>
           </a:p>
           <a:p>
             <a:r>
-              <a:rPr lang="ja-JP" altLang="en-US" dirty="0"/>
-              <a:t>連立方程式として認識され自動的に解が得られます。</a:t>
-            </a:r>
-            <a:endParaRPr lang="en-US" altLang="ja-JP" dirty="0"/>
-          </a:p>
-          <a:p>
-            <a:r>
-              <a:rPr lang="ja-JP" altLang="en-US" dirty="0"/>
+              <a:rPr lang="ja-JP" altLang="en-US" dirty="0" smtClean="0"/>
               <a:t>これを</a:t>
             </a:r>
             <a:r>
@@ -8424,16 +9053,24 @@
               <a:t>この範囲を便宜的に</a:t>
             </a:r>
             <a:r>
+              <a:rPr lang="ja-JP" altLang="en-US" b="1" dirty="0" smtClean="0"/>
+              <a:t>「</a:t>
+            </a:r>
+            <a:r>
+              <a:rPr lang="en-US" altLang="ja-JP" b="1" dirty="0"/>
+              <a:t>e</a:t>
+            </a:r>
+            <a:r>
+              <a:rPr lang="en-US" altLang="ja-JP" b="1" dirty="0" smtClean="0"/>
+              <a:t>quation</a:t>
+            </a:r>
+            <a:r>
+              <a:rPr lang="ja-JP" altLang="en-US" b="1" dirty="0" smtClean="0"/>
+              <a:t> </a:t>
+            </a:r>
+            <a:r>
               <a:rPr lang="ja-JP" altLang="en-US" b="1" dirty="0"/>
-              <a:t>「</a:t>
-            </a:r>
-            <a:r>
-              <a:rPr lang="en-US" altLang="ja-JP" b="1" dirty="0"/>
-              <a:t>Equation</a:t>
-            </a:r>
-            <a:r>
-              <a:rPr lang="ja-JP" altLang="en-US" b="1" dirty="0"/>
-              <a:t> セクション」</a:t>
+              <a:t>セクション」</a:t>
             </a:r>
             <a:r>
               <a:rPr lang="ja-JP" altLang="en-US" dirty="0"/>
@@ -8496,8 +9133,8 @@
         </p:nvSpPr>
         <p:spPr>
           <a:xfrm>
-            <a:off x="2214429" y="1866277"/>
-            <a:ext cx="1800493" cy="369332"/>
+            <a:off x="1894389" y="1850357"/>
+            <a:ext cx="2600392" cy="369332"/>
           </a:xfrm>
           <a:prstGeom prst="rect">
             <a:avLst/>
@@ -8511,9 +9148,14 @@
           <a:lstStyle/>
           <a:p>
             <a:r>
-              <a:rPr kumimoji="1" lang="ja-JP" altLang="en-US" b="1" dirty="0"/>
-              <a:t>宣言セクション</a:t>
-            </a:r>
+              <a:rPr lang="en-US" altLang="ja-JP" b="1" dirty="0"/>
+              <a:t>declaration</a:t>
+            </a:r>
+            <a:r>
+              <a:rPr kumimoji="1" lang="ja-JP" altLang="en-US" b="1" dirty="0" smtClean="0"/>
+              <a:t>セクション</a:t>
+            </a:r>
+            <a:endParaRPr kumimoji="1" lang="ja-JP" altLang="en-US" b="1" dirty="0"/>
           </a:p>
         </p:txBody>
       </p:sp>
@@ -8707,8 +9349,8 @@
         </p:nvCxnSpPr>
         <p:spPr>
           <a:xfrm flipH="1">
-            <a:off x="5588000" y="2588914"/>
-            <a:ext cx="594497" cy="56377"/>
+            <a:off x="5588000" y="2450415"/>
+            <a:ext cx="553857" cy="194876"/>
           </a:xfrm>
           <a:prstGeom prst="straightConnector1">
             <a:avLst/>
@@ -8755,7 +9397,7 @@
         <p:spPr>
           <a:xfrm flipH="1" flipV="1">
             <a:off x="5588000" y="4982455"/>
-            <a:ext cx="594496" cy="72258"/>
+            <a:ext cx="553856" cy="88754"/>
           </a:xfrm>
           <a:prstGeom prst="straightConnector1">
             <a:avLst/>
@@ -8783,87 +9425,6 @@
           </a:fontRef>
         </p:style>
       </p:cxnSp>
-      <p:cxnSp>
-        <p:nvCxnSpPr>
-          <p:cNvPr id="33" name="直線矢印コネクタ 32">
-            <a:extLst>
-              <a:ext uri="{FF2B5EF4-FFF2-40B4-BE49-F238E27FC236}">
-                <a16:creationId xmlns:a16="http://schemas.microsoft.com/office/drawing/2014/main" id="{E5EAAF71-9C56-4F86-B965-F86C0B066124}"/>
-              </a:ext>
-            </a:extLst>
-          </p:cNvPr>
-          <p:cNvCxnSpPr>
-            <a:cxnSpLocks/>
-          </p:cNvCxnSpPr>
-          <p:nvPr/>
-        </p:nvCxnSpPr>
-        <p:spPr>
-          <a:xfrm flipH="1">
-            <a:off x="1735745" y="1543502"/>
-            <a:ext cx="4446751" cy="56377"/>
-          </a:xfrm>
-          <a:prstGeom prst="straightConnector1">
-            <a:avLst/>
-          </a:prstGeom>
-          <a:ln w="28575">
-            <a:solidFill>
-              <a:schemeClr val="tx1"/>
-            </a:solidFill>
-            <a:headEnd type="none" w="med" len="med"/>
-            <a:tailEnd type="triangle"/>
-          </a:ln>
-        </p:spPr>
-        <p:style>
-          <a:lnRef idx="1">
-            <a:schemeClr val="accent1"/>
-          </a:lnRef>
-          <a:fillRef idx="0">
-            <a:schemeClr val="accent1"/>
-          </a:fillRef>
-          <a:effectRef idx="0">
-            <a:schemeClr val="accent1"/>
-          </a:effectRef>
-          <a:fontRef idx="minor">
-            <a:schemeClr val="tx1"/>
-          </a:fontRef>
-        </p:style>
-      </p:cxnSp>
-      <p:sp>
-        <p:nvSpPr>
-          <p:cNvPr id="37" name="テキスト ボックス 36">
-            <a:extLst>
-              <a:ext uri="{FF2B5EF4-FFF2-40B4-BE49-F238E27FC236}">
-                <a16:creationId xmlns:a16="http://schemas.microsoft.com/office/drawing/2014/main" id="{C99A5196-31C7-482A-846F-CAD38A54C957}"/>
-              </a:ext>
-            </a:extLst>
-          </p:cNvPr>
-          <p:cNvSpPr txBox="1"/>
-          <p:nvPr/>
-        </p:nvSpPr>
-        <p:spPr>
-          <a:xfrm>
-            <a:off x="6182496" y="1358836"/>
-            <a:ext cx="5032147" cy="369332"/>
-          </a:xfrm>
-          <a:prstGeom prst="rect">
-            <a:avLst/>
-          </a:prstGeom>
-          <a:noFill/>
-        </p:spPr>
-        <p:txBody>
-          <a:bodyPr wrap="none" rtlCol="0">
-            <a:spAutoFit/>
-          </a:bodyPr>
-          <a:lstStyle/>
-          <a:p>
-            <a:r>
-              <a:rPr lang="ja-JP" altLang="en-US" dirty="0"/>
-              <a:t>クラスの種類　クラス名　の順に記述します。</a:t>
-            </a:r>
-            <a:endParaRPr lang="en-US" altLang="ja-JP" dirty="0"/>
-          </a:p>
-        </p:txBody>
-      </p:sp>
       <p:sp>
         <p:nvSpPr>
           <p:cNvPr id="24" name="テキスト ボックス 23">
@@ -8904,6 +9465,29 @@
               <a:rPr kumimoji="1" lang="ja-JP" altLang="en-US" dirty="0"/>
               <a:t>・・・</a:t>
             </a:r>
+          </a:p>
+        </p:txBody>
+      </p:sp>
+      <p:sp>
+        <p:nvSpPr>
+          <p:cNvPr id="6" name="スライド番号プレースホルダー 5"/>
+          <p:cNvSpPr>
+            <a:spLocks noGrp="1"/>
+          </p:cNvSpPr>
+          <p:nvPr>
+            <p:ph type="sldNum" sz="quarter" idx="12"/>
+          </p:nvPr>
+        </p:nvSpPr>
+        <p:spPr/>
+        <p:txBody>
+          <a:bodyPr/>
+          <a:lstStyle/>
+          <a:p>
+            <a:fld id="{D836F367-8F14-4921-8441-15DE2D973248}" type="slidenum">
+              <a:rPr kumimoji="1" lang="ja-JP" altLang="en-US" smtClean="0"/>
+              <a:t>6</a:t>
+            </a:fld>
+            <a:endParaRPr kumimoji="1" lang="ja-JP" altLang="en-US"/>
           </a:p>
         </p:txBody>
       </p:sp>
@@ -8962,7 +9546,7 @@
           </a:ln>
           <a:extLst>
             <a:ext uri="{C572A759-6A51-4108-AA02-DFA0A04FC94B}">
-              <ma14:wrappingTextBoxFlag xmlns="" xmlns:ma14="http://schemas.microsoft.com/office/mac/drawingml/2011/main" val="1"/>
+              <ma14:wrappingTextBoxFlag xmlns:ma14="http://schemas.microsoft.com/office/mac/drawingml/2011/main" xmlns="" val="1"/>
             </a:ext>
           </a:extLst>
         </p:spPr>
@@ -9073,9 +9657,9 @@
           <p:nvPr/>
         </p:nvCxnSpPr>
         <p:spPr>
-          <a:xfrm flipH="1">
-            <a:off x="4279749" y="3638550"/>
-            <a:ext cx="2343150" cy="0"/>
+          <a:xfrm flipH="1" flipV="1">
+            <a:off x="4279751" y="3638550"/>
+            <a:ext cx="2717949" cy="196334"/>
           </a:xfrm>
           <a:prstGeom prst="straightConnector1">
             <a:avLst/>
@@ -9117,7 +9701,7 @@
         </p:nvSpPr>
         <p:spPr>
           <a:xfrm>
-            <a:off x="6438900" y="2082800"/>
+            <a:off x="6319142" y="2068278"/>
             <a:ext cx="292100" cy="857250"/>
           </a:xfrm>
           <a:prstGeom prst="rightBrace">
@@ -9168,8 +9752,8 @@
         </p:nvSpPr>
         <p:spPr>
           <a:xfrm>
-            <a:off x="6997700" y="2014788"/>
-            <a:ext cx="5272597" cy="1200329"/>
+            <a:off x="6919403" y="1627306"/>
+            <a:ext cx="5272597" cy="1477328"/>
           </a:xfrm>
           <a:prstGeom prst="rect">
             <a:avLst/>
@@ -9219,7 +9803,11 @@
             </a:r>
             <a:r>
               <a:rPr kumimoji="1" lang="ja-JP" altLang="en-US" dirty="0"/>
-              <a:t>」は実数型</a:t>
+              <a:t>」は</a:t>
+            </a:r>
+            <a:r>
+              <a:rPr kumimoji="1" lang="ja-JP" altLang="en-US" dirty="0" smtClean="0"/>
+              <a:t>実数型、</a:t>
             </a:r>
             <a:endParaRPr kumimoji="1" lang="en-US" altLang="ja-JP" dirty="0"/>
           </a:p>
@@ -9234,18 +9822,49 @@
             </a:r>
             <a:r>
               <a:rPr lang="ja-JP" altLang="en-US" dirty="0"/>
-              <a:t>」は未知数ではない与えられる値</a:t>
-            </a:r>
-            <a:endParaRPr lang="en-US" altLang="ja-JP" dirty="0"/>
-          </a:p>
-          <a:p>
-            <a:r>
-              <a:rPr kumimoji="1" lang="ja-JP" altLang="en-US" dirty="0"/>
-              <a:t>という意味で</a:t>
-            </a:r>
-            <a:r>
-              <a:rPr lang="ja-JP" altLang="en-US" dirty="0"/>
-              <a:t>す</a:t>
+              <a:t>」は未知数では</a:t>
+            </a:r>
+            <a:r>
+              <a:rPr lang="ja-JP" altLang="en-US" dirty="0" smtClean="0"/>
+              <a:t>ないユーザーが</a:t>
+            </a:r>
+            <a:endParaRPr lang="en-US" altLang="ja-JP" dirty="0" smtClean="0"/>
+          </a:p>
+          <a:p>
+            <a:r>
+              <a:rPr lang="ja-JP" altLang="en-US" dirty="0" smtClean="0"/>
+              <a:t>入力する値</a:t>
+            </a:r>
+            <a:r>
+              <a:rPr kumimoji="1" lang="ja-JP" altLang="en-US" dirty="0" smtClean="0"/>
+              <a:t>で</a:t>
+            </a:r>
+            <a:r>
+              <a:rPr lang="ja-JP" altLang="en-US" dirty="0" smtClean="0"/>
+              <a:t>す。</a:t>
+            </a:r>
+            <a:endParaRPr lang="en-US" altLang="ja-JP" dirty="0" smtClean="0"/>
+          </a:p>
+          <a:p>
+            <a:r>
+              <a:rPr kumimoji="1" lang="ja-JP" altLang="en-US" dirty="0" smtClean="0"/>
+              <a:t>「</a:t>
+            </a:r>
+            <a:r>
+              <a:rPr kumimoji="1" lang="en-US" altLang="ja-JP" dirty="0" smtClean="0"/>
+              <a:t>start=1</a:t>
+            </a:r>
+            <a:r>
+              <a:rPr kumimoji="1" lang="ja-JP" altLang="en-US" dirty="0" smtClean="0"/>
+              <a:t>」は初期値が</a:t>
+            </a:r>
+            <a:r>
+              <a:rPr kumimoji="1" lang="en-US" altLang="ja-JP" dirty="0" smtClean="0"/>
+              <a:t>1</a:t>
+            </a:r>
+            <a:r>
+              <a:rPr kumimoji="1" lang="ja-JP" altLang="en-US" dirty="0" smtClean="0"/>
+              <a:t>という意味です。</a:t>
             </a:r>
             <a:endParaRPr kumimoji="1" lang="ja-JP" altLang="en-US" dirty="0"/>
           </a:p>
@@ -9267,7 +9886,7 @@
             </p:nvSpPr>
             <p:spPr>
               <a:xfrm>
-                <a:off x="6997700" y="3453884"/>
+                <a:off x="6997700" y="3598707"/>
                 <a:ext cx="5262979" cy="2984278"/>
               </a:xfrm>
               <a:prstGeom prst="rect">
@@ -9282,8 +9901,8 @@
               <a:lstStyle/>
               <a:p>
                 <a:r>
-                  <a:rPr lang="ja-JP" altLang="en-US" dirty="0"/>
-                  <a:t>方程式</a:t>
+                  <a:rPr lang="ja-JP" altLang="en-US" dirty="0" smtClean="0"/>
+                  <a:t>方程式 </a:t>
                 </a:r>
                 <a14:m>
                   <m:oMath xmlns:m="http://schemas.openxmlformats.org/officeDocument/2006/math">
@@ -9336,6 +9955,10 @@
                   </m:oMath>
                 </a14:m>
                 <a:r>
+                  <a:rPr lang="ja-JP" altLang="en-US" dirty="0" smtClean="0"/>
+                  <a:t> </a:t>
+                </a:r>
+                <a:r>
                   <a:rPr lang="ja-JP" altLang="en-US" dirty="0"/>
                   <a:t>を解く、というコマンドです。</a:t>
                 </a:r>
@@ -9347,7 +9970,15 @@
               <a:p>
                 <a:r>
                   <a:rPr lang="ja-JP" altLang="en-US" dirty="0"/>
-                  <a:t>一般的な言語では</a:t>
+                  <a:t>一般的</a:t>
+                </a:r>
+                <a:r>
+                  <a:rPr lang="ja-JP" altLang="en-US" dirty="0" smtClean="0"/>
+                  <a:t>なプログラミング言語</a:t>
+                </a:r>
+                <a:r>
+                  <a:rPr lang="ja-JP" altLang="en-US" dirty="0"/>
+                  <a:t>では</a:t>
                 </a:r>
                 <a:endParaRPr lang="en-US" altLang="ja-JP" dirty="0"/>
               </a:p>
@@ -9394,7 +10025,15 @@
                 </a:r>
                 <a:r>
                   <a:rPr lang="ja-JP" altLang="en-US" dirty="0"/>
-                  <a:t>は自動的に求まります。</a:t>
+                  <a:t>は自動的</a:t>
+                </a:r>
+                <a:r>
+                  <a:rPr lang="ja-JP" altLang="en-US" dirty="0" smtClean="0"/>
+                  <a:t>に解が求まります</a:t>
+                </a:r>
+                <a:r>
+                  <a:rPr lang="ja-JP" altLang="en-US" dirty="0"/>
+                  <a:t>。</a:t>
                 </a:r>
                 <a:endParaRPr lang="en-US" altLang="ja-JP" dirty="0"/>
               </a:p>
@@ -9444,7 +10083,7 @@
             </p:nvSpPr>
             <p:spPr>
               <a:xfrm>
-                <a:off x="6997700" y="3453884"/>
+                <a:off x="6997700" y="3598707"/>
                 <a:ext cx="5262979" cy="2984278"/>
               </a:xfrm>
               <a:prstGeom prst="rect">
@@ -9453,7 +10092,7 @@
               <a:blipFill>
                 <a:blip r:embed="rId3"/>
                 <a:stretch>
-                  <a:fillRect l="-1043" r="-348" b="-2454"/>
+                  <a:fillRect l="-1043" r="-348" b="-2245"/>
                 </a:stretch>
               </a:blipFill>
             </p:spPr>
@@ -9472,6 +10111,199 @@
           </p:sp>
         </mc:Fallback>
       </mc:AlternateContent>
+      <p:sp>
+        <p:nvSpPr>
+          <p:cNvPr id="2" name="正方形/長方形 1"/>
+          <p:cNvSpPr/>
+          <p:nvPr/>
+        </p:nvSpPr>
+        <p:spPr>
+          <a:xfrm>
+            <a:off x="6574164" y="1262924"/>
+            <a:ext cx="2600392" cy="369332"/>
+          </a:xfrm>
+          <a:prstGeom prst="rect">
+            <a:avLst/>
+          </a:prstGeom>
+        </p:spPr>
+        <p:txBody>
+          <a:bodyPr wrap="none">
+            <a:spAutoFit/>
+          </a:bodyPr>
+          <a:lstStyle/>
+          <a:p>
+            <a:r>
+              <a:rPr lang="en-US" altLang="ja-JP" b="1" u="sng" dirty="0"/>
+              <a:t>declaration</a:t>
+            </a:r>
+            <a:r>
+              <a:rPr lang="ja-JP" altLang="en-US" b="1" u="sng" dirty="0"/>
+              <a:t>セクション</a:t>
+            </a:r>
+          </a:p>
+        </p:txBody>
+      </p:sp>
+      <p:sp>
+        <p:nvSpPr>
+          <p:cNvPr id="11" name="テキスト ボックス 10">
+            <a:extLst>
+              <a:ext uri="{FF2B5EF4-FFF2-40B4-BE49-F238E27FC236}">
+                <a16:creationId xmlns:a16="http://schemas.microsoft.com/office/drawing/2014/main" id="{C9BB9A1B-E56E-41A0-AEDD-E1B42E1EF169}"/>
+              </a:ext>
+            </a:extLst>
+          </p:cNvPr>
+          <p:cNvSpPr txBox="1"/>
+          <p:nvPr/>
+        </p:nvSpPr>
+        <p:spPr>
+          <a:xfrm>
+            <a:off x="6622899" y="3235326"/>
+            <a:ext cx="2326278" cy="369332"/>
+          </a:xfrm>
+          <a:prstGeom prst="rect">
+            <a:avLst/>
+          </a:prstGeom>
+          <a:noFill/>
+        </p:spPr>
+        <p:txBody>
+          <a:bodyPr wrap="none" rtlCol="0">
+            <a:spAutoFit/>
+          </a:bodyPr>
+          <a:lstStyle/>
+          <a:p>
+            <a:r>
+              <a:rPr lang="en-US" altLang="ja-JP" b="1" u="sng" dirty="0"/>
+              <a:t>equation</a:t>
+            </a:r>
+            <a:r>
+              <a:rPr kumimoji="1" lang="ja-JP" altLang="en-US" b="1" u="sng" dirty="0"/>
+              <a:t>セクション</a:t>
+            </a:r>
+          </a:p>
+        </p:txBody>
+      </p:sp>
+      <p:sp>
+        <p:nvSpPr>
+          <p:cNvPr id="3" name="スライド番号プレースホルダー 2"/>
+          <p:cNvSpPr>
+            <a:spLocks noGrp="1"/>
+          </p:cNvSpPr>
+          <p:nvPr>
+            <p:ph type="sldNum" sz="quarter" idx="12"/>
+          </p:nvPr>
+        </p:nvSpPr>
+        <p:spPr/>
+        <p:txBody>
+          <a:bodyPr/>
+          <a:lstStyle/>
+          <a:p>
+            <a:fld id="{D836F367-8F14-4921-8441-15DE2D973248}" type="slidenum">
+              <a:rPr kumimoji="1" lang="ja-JP" altLang="en-US" smtClean="0"/>
+              <a:t>7</a:t>
+            </a:fld>
+            <a:endParaRPr kumimoji="1" lang="ja-JP" altLang="en-US"/>
+          </a:p>
+        </p:txBody>
+      </p:sp>
+      <p:sp>
+        <p:nvSpPr>
+          <p:cNvPr id="5" name="テキスト ボックス 4"/>
+          <p:cNvSpPr txBox="1"/>
+          <p:nvPr/>
+        </p:nvSpPr>
+        <p:spPr>
+          <a:xfrm>
+            <a:off x="76727" y="4931822"/>
+            <a:ext cx="5567550" cy="1107996"/>
+          </a:xfrm>
+          <a:prstGeom prst="rect">
+            <a:avLst/>
+          </a:prstGeom>
+          <a:solidFill>
+            <a:schemeClr val="accent6">
+              <a:lumMod val="20000"/>
+              <a:lumOff val="80000"/>
+            </a:schemeClr>
+          </a:solidFill>
+        </p:spPr>
+        <p:txBody>
+          <a:bodyPr wrap="none" rtlCol="0">
+            <a:spAutoFit/>
+          </a:bodyPr>
+          <a:lstStyle/>
+          <a:p>
+            <a:r>
+              <a:rPr kumimoji="1" lang="en-US" altLang="ja-JP" sz="1600" dirty="0" smtClean="0"/>
+              <a:t>Tips</a:t>
+            </a:r>
+          </a:p>
+          <a:p>
+            <a:r>
+              <a:rPr lang="en-US" altLang="ja-JP" sz="1600" dirty="0"/>
+              <a:t> </a:t>
+            </a:r>
+            <a:r>
+              <a:rPr lang="en-US" altLang="ja-JP" sz="1600" dirty="0" smtClean="0"/>
+              <a:t> </a:t>
+            </a:r>
+            <a:r>
+              <a:rPr lang="ja-JP" altLang="en-US" sz="1600" dirty="0" smtClean="0"/>
+              <a:t>テキストビューで「</a:t>
+            </a:r>
+            <a:r>
+              <a:rPr lang="en-US" altLang="ja-JP" sz="1600" dirty="0" smtClean="0"/>
+              <a:t>r</a:t>
+            </a:r>
+            <a:r>
+              <a:rPr lang="ja-JP" altLang="en-US" sz="1600" dirty="0" smtClean="0"/>
+              <a:t>」と入力すると「</a:t>
+            </a:r>
+            <a:r>
+              <a:rPr lang="en-US" altLang="ja-JP" sz="1600" dirty="0" smtClean="0"/>
+              <a:t>Real</a:t>
+            </a:r>
+            <a:r>
+              <a:rPr lang="ja-JP" altLang="en-US" sz="1600" dirty="0" smtClean="0"/>
+              <a:t>」などの</a:t>
+            </a:r>
+            <a:endParaRPr lang="en-US" altLang="ja-JP" sz="1600" dirty="0" smtClean="0"/>
+          </a:p>
+          <a:p>
+            <a:r>
+              <a:rPr lang="ja-JP" altLang="en-US" sz="1600" dirty="0" smtClean="0"/>
+              <a:t>予約語が表示されます。</a:t>
+            </a:r>
+            <a:r>
+              <a:rPr lang="en-US" altLang="ja-JP" sz="1600" dirty="0" smtClean="0"/>
+              <a:t>Tab</a:t>
+            </a:r>
+            <a:r>
+              <a:rPr lang="ja-JP" altLang="en-US" sz="1600" dirty="0" smtClean="0"/>
+              <a:t>キーや</a:t>
+            </a:r>
+            <a:r>
+              <a:rPr lang="en-US" altLang="ja-JP" sz="1600" dirty="0" smtClean="0"/>
+              <a:t>Enter</a:t>
+            </a:r>
+            <a:r>
+              <a:rPr lang="ja-JP" altLang="en-US" sz="1600" dirty="0" smtClean="0"/>
+              <a:t>キーを押すことで</a:t>
+            </a:r>
+            <a:endParaRPr lang="en-US" altLang="ja-JP" sz="1600" dirty="0" smtClean="0"/>
+          </a:p>
+          <a:p>
+            <a:r>
+              <a:rPr lang="ja-JP" altLang="en-US" sz="1600"/>
+              <a:t>反映</a:t>
+            </a:r>
+            <a:r>
+              <a:rPr kumimoji="1" lang="ja-JP" altLang="en-US" sz="1600" smtClean="0"/>
+              <a:t>されるので使いこなすと非常に便利です。</a:t>
+            </a:r>
+            <a:endParaRPr kumimoji="1" lang="ja-JP" altLang="en-US" sz="1600" dirty="0"/>
+          </a:p>
+        </p:txBody>
+      </p:sp>
     </p:spTree>
     <p:extLst>
       <p:ext uri="{BB962C8B-B14F-4D97-AF65-F5344CB8AC3E}">
@@ -9527,7 +10359,7 @@
           </a:ln>
           <a:extLst>
             <a:ext uri="{C572A759-6A51-4108-AA02-DFA0A04FC94B}">
-              <ma14:wrappingTextBoxFlag xmlns="" xmlns:ma14="http://schemas.microsoft.com/office/mac/drawingml/2011/main" val="1"/>
+              <ma14:wrappingTextBoxFlag xmlns:ma14="http://schemas.microsoft.com/office/mac/drawingml/2011/main" xmlns="" val="1"/>
             </a:ext>
           </a:extLst>
         </p:spPr>
@@ -9581,7 +10413,7 @@
         </p:blipFill>
         <p:spPr>
           <a:xfrm>
-            <a:off x="2667000" y="1850713"/>
+            <a:off x="2677160" y="1609234"/>
             <a:ext cx="4767263" cy="690809"/>
           </a:xfrm>
           <a:prstGeom prst="rect">
@@ -9603,7 +10435,7 @@
         </p:nvSpPr>
         <p:spPr>
           <a:xfrm>
-            <a:off x="2714087" y="1874837"/>
+            <a:off x="2724247" y="1633358"/>
             <a:ext cx="714913" cy="671448"/>
           </a:xfrm>
           <a:prstGeom prst="roundRect">
@@ -9656,7 +10488,7 @@
         <p:spPr>
           <a:xfrm>
             <a:off x="520700" y="1047750"/>
-            <a:ext cx="9417963" cy="646331"/>
+            <a:ext cx="11158220" cy="369332"/>
           </a:xfrm>
           <a:prstGeom prst="rect">
             <a:avLst/>
@@ -9664,21 +10496,38 @@
           <a:noFill/>
         </p:spPr>
         <p:txBody>
-          <a:bodyPr wrap="none" rtlCol="0">
+          <a:bodyPr wrap="square" rtlCol="0">
             <a:spAutoFit/>
           </a:bodyPr>
           <a:lstStyle/>
           <a:p>
             <a:r>
+              <a:rPr kumimoji="1" lang="ja-JP" altLang="en-US" dirty="0" smtClean="0"/>
+              <a:t>方程式</a:t>
+            </a:r>
+            <a:r>
               <a:rPr kumimoji="1" lang="ja-JP" altLang="en-US" dirty="0"/>
-              <a:t>モデルのエラーや方程式が解くことが可能かどうかを以下の「モデルチェック」によって</a:t>
-            </a:r>
-            <a:endParaRPr kumimoji="1" lang="en-US" altLang="ja-JP" dirty="0"/>
-          </a:p>
-          <a:p>
+              <a:t>が解くことが可能か</a:t>
+            </a:r>
             <a:r>
               <a:rPr lang="ja-JP" altLang="en-US" dirty="0"/>
-              <a:t>確認できます</a:t>
+              <a:t>どうかやモデルの</a:t>
+            </a:r>
+            <a:r>
+              <a:rPr lang="ja-JP" altLang="en-US" dirty="0" smtClean="0"/>
+              <a:t>エラーを</a:t>
+            </a:r>
+            <a:r>
+              <a:rPr kumimoji="1" lang="ja-JP" altLang="en-US" dirty="0"/>
+              <a:t>以下の「モデルチェック」に</a:t>
+            </a:r>
+            <a:r>
+              <a:rPr kumimoji="1" lang="ja-JP" altLang="en-US" dirty="0" smtClean="0"/>
+              <a:t>よって</a:t>
+            </a:r>
+            <a:r>
+              <a:rPr lang="ja-JP" altLang="en-US" dirty="0" smtClean="0"/>
+              <a:t>確認できます。</a:t>
             </a:r>
             <a:endParaRPr kumimoji="1" lang="ja-JP" altLang="en-US" dirty="0"/>
           </a:p>
@@ -9698,7 +10547,7 @@
         </p:nvSpPr>
         <p:spPr>
           <a:xfrm>
-            <a:off x="641350" y="5397500"/>
+            <a:off x="651510" y="5156021"/>
             <a:ext cx="10341293" cy="1200329"/>
           </a:xfrm>
           <a:prstGeom prst="rect">
@@ -9821,7 +10670,7 @@
         </p:blipFill>
         <p:spPr>
           <a:xfrm>
-            <a:off x="1517649" y="3205590"/>
+            <a:off x="1527809" y="2964111"/>
             <a:ext cx="8142631" cy="1976010"/>
           </a:xfrm>
           <a:prstGeom prst="rect">
@@ -9846,7 +10695,7 @@
         </p:nvCxnSpPr>
         <p:spPr>
           <a:xfrm flipH="1">
-            <a:off x="2838450" y="2546285"/>
+            <a:off x="2848610" y="2304806"/>
             <a:ext cx="233094" cy="659305"/>
           </a:xfrm>
           <a:prstGeom prst="straightConnector1">
@@ -9875,6 +10724,29 @@
           </a:fontRef>
         </p:style>
       </p:cxnSp>
+      <p:sp>
+        <p:nvSpPr>
+          <p:cNvPr id="5" name="スライド番号プレースホルダー 4"/>
+          <p:cNvSpPr>
+            <a:spLocks noGrp="1"/>
+          </p:cNvSpPr>
+          <p:nvPr>
+            <p:ph type="sldNum" sz="quarter" idx="12"/>
+          </p:nvPr>
+        </p:nvSpPr>
+        <p:spPr/>
+        <p:txBody>
+          <a:bodyPr/>
+          <a:lstStyle/>
+          <a:p>
+            <a:fld id="{D836F367-8F14-4921-8441-15DE2D973248}" type="slidenum">
+              <a:rPr kumimoji="1" lang="ja-JP" altLang="en-US" smtClean="0"/>
+              <a:t>8</a:t>
+            </a:fld>
+            <a:endParaRPr kumimoji="1" lang="ja-JP" altLang="en-US"/>
+          </a:p>
+        </p:txBody>
+      </p:sp>
     </p:spTree>
     <p:extLst>
       <p:ext uri="{BB962C8B-B14F-4D97-AF65-F5344CB8AC3E}">
@@ -9905,6 +10777,30 @@
           <a:chExt cx="0" cy="0"/>
         </a:xfrm>
       </p:grpSpPr>
+      <p:pic>
+        <p:nvPicPr>
+          <p:cNvPr id="5" name="図 4"/>
+          <p:cNvPicPr>
+            <a:picLocks noChangeAspect="1"/>
+          </p:cNvPicPr>
+          <p:nvPr/>
+        </p:nvPicPr>
+        <p:blipFill>
+          <a:blip r:embed="rId2"/>
+          <a:stretch>
+            <a:fillRect/>
+          </a:stretch>
+        </p:blipFill>
+        <p:spPr>
+          <a:xfrm>
+            <a:off x="1368684" y="2214879"/>
+            <a:ext cx="7376617" cy="4498569"/>
+          </a:xfrm>
+          <a:prstGeom prst="rect">
+            <a:avLst/>
+          </a:prstGeom>
+        </p:spPr>
+      </p:pic>
       <p:sp>
         <p:nvSpPr>
           <p:cNvPr id="2" name="Shape 130">
@@ -9930,7 +10826,7 @@
           </a:ln>
           <a:extLst>
             <a:ext uri="{C572A759-6A51-4108-AA02-DFA0A04FC94B}">
-              <ma14:wrappingTextBoxFlag xmlns="" xmlns:ma14="http://schemas.microsoft.com/office/mac/drawingml/2011/main" val="1"/>
+              <ma14:wrappingTextBoxFlag xmlns:ma14="http://schemas.microsoft.com/office/mac/drawingml/2011/main" xmlns="" val="1"/>
             </a:ext>
           </a:extLst>
         </p:spPr>
@@ -9979,7 +10875,7 @@
           <p:nvPr/>
         </p:nvPicPr>
         <p:blipFill>
-          <a:blip r:embed="rId2">
+          <a:blip r:embed="rId3">
             <a:extLst>
               <a:ext uri="{28A0092B-C50C-407E-A947-70E740481C1C}">
                 <a14:useLocalDpi xmlns:a14="http://schemas.microsoft.com/office/drawing/2010/main" val="0"/>
@@ -10066,8 +10962,8 @@
         </p:nvSpPr>
         <p:spPr>
           <a:xfrm>
-            <a:off x="355600" y="667061"/>
-            <a:ext cx="6878806" cy="369332"/>
+            <a:off x="358240" y="754822"/>
+            <a:ext cx="7109639" cy="369332"/>
           </a:xfrm>
           <a:prstGeom prst="rect">
             <a:avLst/>
@@ -10082,46 +10978,16 @@
           <a:p>
             <a:r>
               <a:rPr kumimoji="1" lang="ja-JP" altLang="en-US" dirty="0"/>
-              <a:t>以下の「シミュレート」をクリックし、解析を実行してください</a:t>
-            </a:r>
-          </a:p>
-        </p:txBody>
-      </p:sp>
-      <p:pic>
-        <p:nvPicPr>
-          <p:cNvPr id="7" name="図 6">
-            <a:extLst>
-              <a:ext uri="{FF2B5EF4-FFF2-40B4-BE49-F238E27FC236}">
-                <a16:creationId xmlns:a16="http://schemas.microsoft.com/office/drawing/2014/main" id="{9DEE8EF8-4D16-4DA6-9BB9-3A6BCD326F31}"/>
-              </a:ext>
-            </a:extLst>
-          </p:cNvPr>
-          <p:cNvPicPr>
-            <a:picLocks noChangeAspect="1"/>
-          </p:cNvPicPr>
-          <p:nvPr/>
-        </p:nvPicPr>
-        <p:blipFill rotWithShape="1">
-          <a:blip r:embed="rId3">
-            <a:extLst>
-              <a:ext uri="{28A0092B-C50C-407E-A947-70E740481C1C}">
-                <a14:useLocalDpi xmlns:a14="http://schemas.microsoft.com/office/drawing/2010/main" val="0"/>
-              </a:ext>
-            </a:extLst>
-          </a:blip>
-          <a:srcRect r="-226"/>
-          <a:stretch/>
-        </p:blipFill>
-        <p:spPr>
-          <a:xfrm>
-            <a:off x="1755467" y="2116799"/>
-            <a:ext cx="7077383" cy="4383841"/>
-          </a:xfrm>
-          <a:prstGeom prst="rect">
-            <a:avLst/>
-          </a:prstGeom>
-        </p:spPr>
-      </p:pic>
+              <a:t>以下の「シミュレート」をクリックし、解析を実行して</a:t>
+            </a:r>
+            <a:r>
+              <a:rPr kumimoji="1" lang="ja-JP" altLang="en-US" dirty="0" smtClean="0"/>
+              <a:t>ください。</a:t>
+            </a:r>
+            <a:endParaRPr kumimoji="1" lang="ja-JP" altLang="en-US" dirty="0"/>
+          </a:p>
+        </p:txBody>
+      </p:sp>
       <p:cxnSp>
         <p:nvCxnSpPr>
           <p:cNvPr id="12" name="直線矢印コネクタ 11">
@@ -10182,8 +11048,8 @@
         </p:nvSpPr>
         <p:spPr>
           <a:xfrm>
-            <a:off x="6876949" y="3275369"/>
-            <a:ext cx="1428851" cy="193981"/>
+            <a:off x="6780429" y="4114738"/>
+            <a:ext cx="1682851" cy="193981"/>
           </a:xfrm>
           <a:prstGeom prst="roundRect">
             <a:avLst/>
@@ -10231,13 +11097,14 @@
           </p:cNvPr>
           <p:cNvCxnSpPr>
             <a:cxnSpLocks/>
+            <a:endCxn id="15" idx="3"/>
           </p:cNvCxnSpPr>
           <p:nvPr/>
         </p:nvCxnSpPr>
         <p:spPr>
           <a:xfrm flipH="1">
-            <a:off x="8305800" y="3075636"/>
-            <a:ext cx="963344" cy="296723"/>
+            <a:off x="8463280" y="3075636"/>
+            <a:ext cx="805864" cy="1136093"/>
           </a:xfrm>
           <a:prstGeom prst="straightConnector1">
             <a:avLst/>
@@ -10331,8 +11198,8 @@
             </p:nvSpPr>
             <p:spPr>
               <a:xfrm>
-                <a:off x="9571194" y="4308719"/>
-                <a:ext cx="2492990" cy="2031325"/>
+                <a:off x="9133840" y="4195323"/>
+                <a:ext cx="3058160" cy="1754326"/>
               </a:xfrm>
               <a:prstGeom prst="rect">
                 <a:avLst/>
@@ -10340,11 +11207,15 @@
               <a:noFill/>
             </p:spPr>
             <p:txBody>
-              <a:bodyPr wrap="none" rtlCol="0">
+              <a:bodyPr wrap="square" rtlCol="0">
                 <a:spAutoFit/>
               </a:bodyPr>
               <a:lstStyle/>
               <a:p>
+                <a:r>
+                  <a:rPr lang="ja-JP" altLang="en-US" dirty="0" smtClean="0"/>
+                  <a:t>グラフが</a:t>
+                </a:r>
                 <a14:m>
                   <m:oMath xmlns:m="http://schemas.openxmlformats.org/officeDocument/2006/math">
                     <m:r>
@@ -10393,15 +11264,12 @@
                   </m:oMath>
                 </a14:m>
                 <a:r>
-                  <a:rPr lang="ja-JP" altLang="en-US" dirty="0"/>
-                  <a:t>であることを</a:t>
+                  <a:rPr lang="ja-JP" altLang="en-US" dirty="0" smtClean="0"/>
+                  <a:t>となっていることを確認</a:t>
                 </a:r>
-                <a:endParaRPr lang="en-US" altLang="ja-JP" dirty="0"/>
-              </a:p>
-              <a:p>
                 <a:r>
                   <a:rPr lang="ja-JP" altLang="en-US" dirty="0"/>
-                  <a:t>確認してください</a:t>
+                  <a:t>してください</a:t>
                 </a:r>
                 <a:endParaRPr lang="en-US" altLang="ja-JP" dirty="0"/>
               </a:p>
@@ -10411,28 +11279,27 @@
               <a:p>
                 <a:r>
                   <a:rPr lang="ja-JP" altLang="en-US" dirty="0"/>
-                  <a:t>また、式を変形し</a:t>
+                  <a:t>また、式を変形</a:t>
                 </a:r>
-                <a:endParaRPr lang="en-US" altLang="ja-JP" dirty="0"/>
-              </a:p>
-              <a:p>
+                <a:r>
+                  <a:rPr lang="ja-JP" altLang="en-US" dirty="0" smtClean="0"/>
+                  <a:t>し様々</a:t>
+                </a:r>
                 <a:r>
                   <a:rPr lang="ja-JP" altLang="en-US" dirty="0"/>
-                  <a:t>様々な式を解くことが</a:t>
+                  <a:t>な式を解くこと</a:t>
                 </a:r>
-                <a:endParaRPr lang="en-US" altLang="ja-JP" dirty="0"/>
-              </a:p>
-              <a:p>
+                <a:r>
+                  <a:rPr lang="ja-JP" altLang="en-US" dirty="0" smtClean="0"/>
+                  <a:t>ができる</a:t>
+                </a:r>
                 <a:r>
                   <a:rPr lang="ja-JP" altLang="en-US" dirty="0"/>
-                  <a:t>できることを確認して</a:t>
+                  <a:t>ことを確認</a:t>
                 </a:r>
-                <a:endParaRPr lang="en-US" altLang="ja-JP" dirty="0"/>
-              </a:p>
-              <a:p>
                 <a:r>
-                  <a:rPr lang="ja-JP" altLang="en-US" dirty="0"/>
-                  <a:t>ください</a:t>
+                  <a:rPr lang="ja-JP" altLang="en-US" dirty="0" smtClean="0"/>
+                  <a:t>してください</a:t>
                 </a:r>
                 <a:endParaRPr lang="en-US" altLang="ja-JP" dirty="0"/>
               </a:p>
@@ -10456,8 +11323,8 @@
             </p:nvSpPr>
             <p:spPr>
               <a:xfrm>
-                <a:off x="9571194" y="4308719"/>
-                <a:ext cx="2492990" cy="2031325"/>
+                <a:off x="9133840" y="4195323"/>
+                <a:ext cx="3058160" cy="1754326"/>
               </a:xfrm>
               <a:prstGeom prst="rect">
                 <a:avLst/>
@@ -10465,7 +11332,7 @@
               <a:blipFill>
                 <a:blip r:embed="rId4"/>
                 <a:stretch>
-                  <a:fillRect l="-1956" t="-1502" r="-1956" b="-3904"/>
+                  <a:fillRect l="-1594" t="-1389" r="-398" b="-4514"/>
                 </a:stretch>
               </a:blipFill>
             </p:spPr>
@@ -10484,6 +11351,29 @@
           </p:sp>
         </mc:Fallback>
       </mc:AlternateContent>
+      <p:sp>
+        <p:nvSpPr>
+          <p:cNvPr id="6" name="スライド番号プレースホルダー 5"/>
+          <p:cNvSpPr>
+            <a:spLocks noGrp="1"/>
+          </p:cNvSpPr>
+          <p:nvPr>
+            <p:ph type="sldNum" sz="quarter" idx="12"/>
+          </p:nvPr>
+        </p:nvSpPr>
+        <p:spPr/>
+        <p:txBody>
+          <a:bodyPr/>
+          <a:lstStyle/>
+          <a:p>
+            <a:fld id="{D836F367-8F14-4921-8441-15DE2D973248}" type="slidenum">
+              <a:rPr kumimoji="1" lang="ja-JP" altLang="en-US" smtClean="0"/>
+              <a:t>9</a:t>
+            </a:fld>
+            <a:endParaRPr kumimoji="1" lang="ja-JP" altLang="en-US"/>
+          </a:p>
+        </p:txBody>
+      </p:sp>
     </p:spTree>
     <p:extLst>
       <p:ext uri="{BB962C8B-B14F-4D97-AF65-F5344CB8AC3E}">
@@ -10818,4 +11708,265 @@
     </a:ext>
   </a:extLst>
 </a:theme>
+</file>
+
+<file path=ppt/theme/theme2.xml><?xml version="1.0" encoding="utf-8"?>
+<a:theme xmlns:a="http://schemas.openxmlformats.org/drawingml/2006/main" name="Office テーマ">
+  <a:themeElements>
+    <a:clrScheme name="Office">
+      <a:dk1>
+        <a:sysClr val="windowText" lastClr="000000"/>
+      </a:dk1>
+      <a:lt1>
+        <a:sysClr val="window" lastClr="FFFFFF"/>
+      </a:lt1>
+      <a:dk2>
+        <a:srgbClr val="44546A"/>
+      </a:dk2>
+      <a:lt2>
+        <a:srgbClr val="E7E6E6"/>
+      </a:lt2>
+      <a:accent1>
+        <a:srgbClr val="5B9BD5"/>
+      </a:accent1>
+      <a:accent2>
+        <a:srgbClr val="ED7D31"/>
+      </a:accent2>
+      <a:accent3>
+        <a:srgbClr val="A5A5A5"/>
+      </a:accent3>
+      <a:accent4>
+        <a:srgbClr val="FFC000"/>
+      </a:accent4>
+      <a:accent5>
+        <a:srgbClr val="4472C4"/>
+      </a:accent5>
+      <a:accent6>
+        <a:srgbClr val="70AD47"/>
+      </a:accent6>
+      <a:hlink>
+        <a:srgbClr val="0563C1"/>
+      </a:hlink>
+      <a:folHlink>
+        <a:srgbClr val="954F72"/>
+      </a:folHlink>
+    </a:clrScheme>
+    <a:fontScheme name="Office">
+      <a:majorFont>
+        <a:latin typeface="游ゴシック Light" panose="020F0302020204030204"/>
+        <a:ea typeface=""/>
+        <a:cs typeface=""/>
+        <a:font script="Jpan" typeface="游ゴシック Light"/>
+        <a:font script="Hang" typeface="맑은 고딕"/>
+        <a:font script="Hans" typeface="等线 Light"/>
+        <a:font script="Hant" typeface="新細明體"/>
+        <a:font script="Arab" typeface="Times New Roman"/>
+        <a:font script="Hebr" typeface="Times New Roman"/>
+        <a:font script="Thai" typeface="Angsana New"/>
+        <a:font script="Ethi" typeface="Nyala"/>
+        <a:font script="Beng" typeface="Vrinda"/>
+        <a:font script="Gujr" typeface="Shruti"/>
+        <a:font script="Khmr" typeface="MoolBoran"/>
+        <a:font script="Knda" typeface="Tunga"/>
+        <a:font script="Guru" typeface="Raavi"/>
+        <a:font script="Cans" typeface="Euphemia"/>
+        <a:font script="Cher" typeface="Plantagenet Cherokee"/>
+        <a:font script="Yiii" typeface="Microsoft Yi Baiti"/>
+        <a:font script="Tibt" typeface="Microsoft Himalaya"/>
+        <a:font script="Thaa" typeface="MV Boli"/>
+        <a:font script="Deva" typeface="Mangal"/>
+        <a:font script="Telu" typeface="Gautami"/>
+        <a:font script="Taml" typeface="Latha"/>
+        <a:font script="Syrc" typeface="Estrangelo Edessa"/>
+        <a:font script="Orya" typeface="Kalinga"/>
+        <a:font script="Mlym" typeface="Kartika"/>
+        <a:font script="Laoo" typeface="DokChampa"/>
+        <a:font script="Sinh" typeface="Iskoola Pota"/>
+        <a:font script="Mong" typeface="Mongolian Baiti"/>
+        <a:font script="Viet" typeface="Times New Roman"/>
+        <a:font script="Uigh" typeface="Microsoft Uighur"/>
+        <a:font script="Geor" typeface="Sylfaen"/>
+      </a:majorFont>
+      <a:minorFont>
+        <a:latin typeface="游ゴシック" panose="020F0502020204030204"/>
+        <a:ea typeface=""/>
+        <a:cs typeface=""/>
+        <a:font script="Jpan" typeface="游ゴシック"/>
+        <a:font script="Hang" typeface="맑은 고딕"/>
+        <a:font script="Hans" typeface="等线"/>
+        <a:font script="Hant" typeface="新細明體"/>
+        <a:font script="Arab" typeface="Arial"/>
+        <a:font script="Hebr" typeface="Arial"/>
+        <a:font script="Thai" typeface="Cordia New"/>
+        <a:font script="Ethi" typeface="Nyala"/>
+        <a:font script="Beng" typeface="Vrinda"/>
+        <a:font script="Gujr" typeface="Shruti"/>
+        <a:font script="Khmr" typeface="DaunPenh"/>
+        <a:font script="Knda" typeface="Tunga"/>
+        <a:font script="Guru" typeface="Raavi"/>
+        <a:font script="Cans" typeface="Euphemia"/>
+        <a:font script="Cher" typeface="Plantagenet Cherokee"/>
+        <a:font script="Yiii" typeface="Microsoft Yi Baiti"/>
+        <a:font script="Tibt" typeface="Microsoft Himalaya"/>
+        <a:font script="Thaa" typeface="MV Boli"/>
+        <a:font script="Deva" typeface="Mangal"/>
+        <a:font script="Telu" typeface="Gautami"/>
+        <a:font script="Taml" typeface="Latha"/>
+        <a:font script="Syrc" typeface="Estrangelo Edessa"/>
+        <a:font script="Orya" typeface="Kalinga"/>
+        <a:font script="Mlym" typeface="Kartika"/>
+        <a:font script="Laoo" typeface="DokChampa"/>
+        <a:font script="Sinh" typeface="Iskoola Pota"/>
+        <a:font script="Mong" typeface="Mongolian Baiti"/>
+        <a:font script="Viet" typeface="Arial"/>
+        <a:font script="Uigh" typeface="Microsoft Uighur"/>
+        <a:font script="Geor" typeface="Sylfaen"/>
+      </a:minorFont>
+    </a:fontScheme>
+    <a:fmtScheme name="Office">
+      <a:fillStyleLst>
+        <a:solidFill>
+          <a:schemeClr val="phClr"/>
+        </a:solidFill>
+        <a:gradFill rotWithShape="1">
+          <a:gsLst>
+            <a:gs pos="0">
+              <a:schemeClr val="phClr">
+                <a:lumMod val="110000"/>
+                <a:satMod val="105000"/>
+                <a:tint val="67000"/>
+              </a:schemeClr>
+            </a:gs>
+            <a:gs pos="50000">
+              <a:schemeClr val="phClr">
+                <a:lumMod val="105000"/>
+                <a:satMod val="103000"/>
+                <a:tint val="73000"/>
+              </a:schemeClr>
+            </a:gs>
+            <a:gs pos="100000">
+              <a:schemeClr val="phClr">
+                <a:lumMod val="105000"/>
+                <a:satMod val="109000"/>
+                <a:tint val="81000"/>
+              </a:schemeClr>
+            </a:gs>
+          </a:gsLst>
+          <a:lin ang="5400000" scaled="0"/>
+        </a:gradFill>
+        <a:gradFill rotWithShape="1">
+          <a:gsLst>
+            <a:gs pos="0">
+              <a:schemeClr val="phClr">
+                <a:satMod val="103000"/>
+                <a:lumMod val="102000"/>
+                <a:tint val="94000"/>
+              </a:schemeClr>
+            </a:gs>
+            <a:gs pos="50000">
+              <a:schemeClr val="phClr">
+                <a:satMod val="110000"/>
+                <a:lumMod val="100000"/>
+                <a:shade val="100000"/>
+              </a:schemeClr>
+            </a:gs>
+            <a:gs pos="100000">
+              <a:schemeClr val="phClr">
+                <a:lumMod val="99000"/>
+                <a:satMod val="120000"/>
+                <a:shade val="78000"/>
+              </a:schemeClr>
+            </a:gs>
+          </a:gsLst>
+          <a:lin ang="5400000" scaled="0"/>
+        </a:gradFill>
+      </a:fillStyleLst>
+      <a:lnStyleLst>
+        <a:ln w="6350" cap="flat" cmpd="sng" algn="ctr">
+          <a:solidFill>
+            <a:schemeClr val="phClr"/>
+          </a:solidFill>
+          <a:prstDash val="solid"/>
+          <a:miter lim="800000"/>
+        </a:ln>
+        <a:ln w="12700" cap="flat" cmpd="sng" algn="ctr">
+          <a:solidFill>
+            <a:schemeClr val="phClr"/>
+          </a:solidFill>
+          <a:prstDash val="solid"/>
+          <a:miter lim="800000"/>
+        </a:ln>
+        <a:ln w="19050" cap="flat" cmpd="sng" algn="ctr">
+          <a:solidFill>
+            <a:schemeClr val="phClr"/>
+          </a:solidFill>
+          <a:prstDash val="solid"/>
+          <a:miter lim="800000"/>
+        </a:ln>
+      </a:lnStyleLst>
+      <a:effectStyleLst>
+        <a:effectStyle>
+          <a:effectLst/>
+        </a:effectStyle>
+        <a:effectStyle>
+          <a:effectLst/>
+        </a:effectStyle>
+        <a:effectStyle>
+          <a:effectLst>
+            <a:outerShdw blurRad="57150" dist="19050" dir="5400000" algn="ctr" rotWithShape="0">
+              <a:srgbClr val="000000">
+                <a:alpha val="63000"/>
+              </a:srgbClr>
+            </a:outerShdw>
+          </a:effectLst>
+        </a:effectStyle>
+      </a:effectStyleLst>
+      <a:bgFillStyleLst>
+        <a:solidFill>
+          <a:schemeClr val="phClr"/>
+        </a:solidFill>
+        <a:solidFill>
+          <a:schemeClr val="phClr">
+            <a:tint val="95000"/>
+            <a:satMod val="170000"/>
+          </a:schemeClr>
+        </a:solidFill>
+        <a:gradFill rotWithShape="1">
+          <a:gsLst>
+            <a:gs pos="0">
+              <a:schemeClr val="phClr">
+                <a:tint val="93000"/>
+                <a:satMod val="150000"/>
+                <a:shade val="98000"/>
+                <a:lumMod val="102000"/>
+              </a:schemeClr>
+            </a:gs>
+            <a:gs pos="50000">
+              <a:schemeClr val="phClr">
+                <a:tint val="98000"/>
+                <a:satMod val="130000"/>
+                <a:shade val="90000"/>
+                <a:lumMod val="103000"/>
+              </a:schemeClr>
+            </a:gs>
+            <a:gs pos="100000">
+              <a:schemeClr val="phClr">
+                <a:shade val="63000"/>
+                <a:satMod val="120000"/>
+              </a:schemeClr>
+            </a:gs>
+          </a:gsLst>
+          <a:lin ang="5400000" scaled="0"/>
+        </a:gradFill>
+      </a:bgFillStyleLst>
+    </a:fmtScheme>
+  </a:themeElements>
+  <a:objectDefaults/>
+  <a:extraClrSchemeLst/>
+  <a:extLst>
+    <a:ext uri="{05A4C25C-085E-4340-85A3-A5531E510DB2}">
+      <thm15:themeFamily xmlns:thm15="http://schemas.microsoft.com/office/thememl/2012/main" name="Office Theme" id="{62F939B6-93AF-4DB8-9C6B-D6C7DFDC589F}" vid="{4A3C46E8-61CC-4603-A589-7422A47A8E4A}"/>
+    </a:ext>
+  </a:extLst>
+</a:theme>
 </file>
--- a/2_HelloWorld/OpenModelica_Tutorials_2.pptx
+++ b/2_HelloWorld/OpenModelica_Tutorials_2.pptx
@@ -4272,7 +4272,7 @@
           </a:ln>
           <a:extLst>
             <a:ext uri="{C572A759-6A51-4108-AA02-DFA0A04FC94B}">
-              <ma14:wrappingTextBoxFlag xmlns:ma14="http://schemas.microsoft.com/office/mac/drawingml/2011/main" xmlns="" val="1"/>
+              <ma14:wrappingTextBoxFlag xmlns="" xmlns:ma14="http://schemas.microsoft.com/office/mac/drawingml/2011/main" val="1"/>
             </a:ext>
           </a:extLst>
         </p:spPr>
@@ -4778,7 +4778,7 @@
             </a:r>
             <a:r>
               <a:rPr lang="ja-JP" altLang="en-US" sz="2400" dirty="0" smtClean="0"/>
-              <a:t>おります</a:t>
+              <a:t>おります。</a:t>
             </a:r>
             <a:endParaRPr lang="en-US" altLang="ja-JP" sz="2400" dirty="0" smtClean="0"/>
           </a:p>
@@ -4912,8 +4912,17 @@
             </a:r>
             <a:r>
               <a:rPr kumimoji="1" lang="ja-JP" altLang="en-US" sz="2400" dirty="0"/>
-              <a:t>チュートリアルは作成されています</a:t>
-            </a:r>
+              <a:t>チュートリアルは作成</a:t>
+            </a:r>
+            <a:r>
+              <a:rPr kumimoji="1" lang="ja-JP" altLang="en-US" sz="2400"/>
+              <a:t>されて</a:t>
+            </a:r>
+            <a:r>
+              <a:rPr kumimoji="1" lang="ja-JP" altLang="en-US" sz="2400" smtClean="0"/>
+              <a:t>います。</a:t>
+            </a:r>
+            <a:endParaRPr kumimoji="1" lang="ja-JP" altLang="en-US" sz="2400" dirty="0"/>
           </a:p>
         </p:txBody>
       </p:sp>
@@ -4995,7 +5004,7 @@
           </a:ln>
           <a:extLst>
             <a:ext uri="{C572A759-6A51-4108-AA02-DFA0A04FC94B}">
-              <ma14:wrappingTextBoxFlag xmlns:ma14="http://schemas.microsoft.com/office/mac/drawingml/2011/main" xmlns="" val="1"/>
+              <ma14:wrappingTextBoxFlag xmlns="" xmlns:ma14="http://schemas.microsoft.com/office/mac/drawingml/2011/main" val="1"/>
             </a:ext>
           </a:extLst>
         </p:spPr>
@@ -7699,7 +7708,7 @@
           </a:ln>
           <a:extLst>
             <a:ext uri="{C572A759-6A51-4108-AA02-DFA0A04FC94B}">
-              <ma14:wrappingTextBoxFlag xmlns:ma14="http://schemas.microsoft.com/office/mac/drawingml/2011/main" xmlns="" val="1"/>
+              <ma14:wrappingTextBoxFlag xmlns="" xmlns:ma14="http://schemas.microsoft.com/office/mac/drawingml/2011/main" val="1"/>
             </a:ext>
           </a:extLst>
         </p:spPr>
@@ -8097,7 +8106,7 @@
           </a:ln>
           <a:extLst>
             <a:ext uri="{C572A759-6A51-4108-AA02-DFA0A04FC94B}">
-              <ma14:wrappingTextBoxFlag xmlns:ma14="http://schemas.microsoft.com/office/mac/drawingml/2011/main" xmlns="" val="1"/>
+              <ma14:wrappingTextBoxFlag xmlns="" xmlns:ma14="http://schemas.microsoft.com/office/mac/drawingml/2011/main" val="1"/>
             </a:ext>
           </a:extLst>
         </p:spPr>
@@ -8654,7 +8663,7 @@
           </a:ln>
           <a:extLst>
             <a:ext uri="{C572A759-6A51-4108-AA02-DFA0A04FC94B}">
-              <ma14:wrappingTextBoxFlag xmlns="" xmlns:ma14="http://schemas.microsoft.com/office/mac/drawingml/2011/main" val="1"/>
+              <ma14:wrappingTextBoxFlag xmlns:ma14="http://schemas.microsoft.com/office/mac/drawingml/2011/main" xmlns="" val="1"/>
             </a:ext>
           </a:extLst>
         </p:spPr>
@@ -9546,7 +9555,7 @@
           </a:ln>
           <a:extLst>
             <a:ext uri="{C572A759-6A51-4108-AA02-DFA0A04FC94B}">
-              <ma14:wrappingTextBoxFlag xmlns:ma14="http://schemas.microsoft.com/office/mac/drawingml/2011/main" xmlns="" val="1"/>
+              <ma14:wrappingTextBoxFlag xmlns="" xmlns:ma14="http://schemas.microsoft.com/office/mac/drawingml/2011/main" val="1"/>
             </a:ext>
           </a:extLst>
         </p:spPr>
@@ -10359,7 +10368,7 @@
           </a:ln>
           <a:extLst>
             <a:ext uri="{C572A759-6A51-4108-AA02-DFA0A04FC94B}">
-              <ma14:wrappingTextBoxFlag xmlns:ma14="http://schemas.microsoft.com/office/mac/drawingml/2011/main" xmlns="" val="1"/>
+              <ma14:wrappingTextBoxFlag xmlns="" xmlns:ma14="http://schemas.microsoft.com/office/mac/drawingml/2011/main" val="1"/>
             </a:ext>
           </a:extLst>
         </p:spPr>
@@ -10826,7 +10835,7 @@
           </a:ln>
           <a:extLst>
             <a:ext uri="{C572A759-6A51-4108-AA02-DFA0A04FC94B}">
-              <ma14:wrappingTextBoxFlag xmlns:ma14="http://schemas.microsoft.com/office/mac/drawingml/2011/main" xmlns="" val="1"/>
+              <ma14:wrappingTextBoxFlag xmlns="" xmlns:ma14="http://schemas.microsoft.com/office/mac/drawingml/2011/main" val="1"/>
             </a:ext>
           </a:extLst>
         </p:spPr>

--- a/2_HelloWorld/OpenModelica_Tutorials_2.pptx
+++ b/2_HelloWorld/OpenModelica_Tutorials_2.pptx
@@ -210,7 +210,7 @@
           <a:p>
             <a:fld id="{974FB457-52AB-4B82-92C1-F1FEFE62B139}" type="datetimeFigureOut">
               <a:rPr kumimoji="1" lang="ja-JP" altLang="en-US" smtClean="0"/>
-              <a:t>2020/4/9</a:t>
+              <a:t>2020/4/13</a:t>
             </a:fld>
             <a:endParaRPr kumimoji="1" lang="ja-JP" altLang="en-US"/>
           </a:p>
@@ -657,7 +657,7 @@
           <a:p>
             <a:fld id="{B86040C8-DFFD-4446-B581-22DAA2AE421E}" type="datetime1">
               <a:rPr kumimoji="1" lang="ja-JP" altLang="en-US" smtClean="0"/>
-              <a:t>2020/4/9</a:t>
+              <a:t>2020/4/13</a:t>
             </a:fld>
             <a:endParaRPr kumimoji="1" lang="ja-JP" altLang="en-US"/>
           </a:p>
@@ -887,7 +887,7 @@
           <a:p>
             <a:fld id="{3C9B7905-8BA1-439B-8662-C6E1398BEF85}" type="datetime1">
               <a:rPr kumimoji="1" lang="ja-JP" altLang="en-US" smtClean="0"/>
-              <a:t>2020/4/9</a:t>
+              <a:t>2020/4/13</a:t>
             </a:fld>
             <a:endParaRPr kumimoji="1" lang="ja-JP" altLang="en-US"/>
           </a:p>
@@ -1127,7 +1127,7 @@
           <a:p>
             <a:fld id="{9DC160CD-B092-42C5-B422-1CE46974F0BA}" type="datetime1">
               <a:rPr kumimoji="1" lang="ja-JP" altLang="en-US" smtClean="0"/>
-              <a:t>2020/4/9</a:t>
+              <a:t>2020/4/13</a:t>
             </a:fld>
             <a:endParaRPr kumimoji="1" lang="ja-JP" altLang="en-US"/>
           </a:p>
@@ -1357,7 +1357,7 @@
           <a:p>
             <a:fld id="{3212E061-FEED-40FC-ACCC-2D656C9B7865}" type="datetime1">
               <a:rPr kumimoji="1" lang="ja-JP" altLang="en-US" smtClean="0"/>
-              <a:t>2020/4/9</a:t>
+              <a:t>2020/4/13</a:t>
             </a:fld>
             <a:endParaRPr kumimoji="1" lang="ja-JP" altLang="en-US"/>
           </a:p>
@@ -1632,7 +1632,7 @@
           <a:p>
             <a:fld id="{52398FB1-26D0-46C1-981F-C1C8C7D2C605}" type="datetime1">
               <a:rPr kumimoji="1" lang="ja-JP" altLang="en-US" smtClean="0"/>
-              <a:t>2020/4/9</a:t>
+              <a:t>2020/4/13</a:t>
             </a:fld>
             <a:endParaRPr kumimoji="1" lang="ja-JP" altLang="en-US"/>
           </a:p>
@@ -1961,7 +1961,7 @@
           <a:p>
             <a:fld id="{7A11565A-5942-4E86-BA53-1EA4FAE20480}" type="datetime1">
               <a:rPr kumimoji="1" lang="ja-JP" altLang="en-US" smtClean="0"/>
-              <a:t>2020/4/9</a:t>
+              <a:t>2020/4/13</a:t>
             </a:fld>
             <a:endParaRPr kumimoji="1" lang="ja-JP" altLang="en-US"/>
           </a:p>
@@ -2437,7 +2437,7 @@
           <a:p>
             <a:fld id="{DF3C1AF6-625A-49A2-8EA7-D638C48A598D}" type="datetime1">
               <a:rPr kumimoji="1" lang="ja-JP" altLang="en-US" smtClean="0"/>
-              <a:t>2020/4/9</a:t>
+              <a:t>2020/4/13</a:t>
             </a:fld>
             <a:endParaRPr kumimoji="1" lang="ja-JP" altLang="en-US"/>
           </a:p>
@@ -2578,7 +2578,7 @@
           <a:p>
             <a:fld id="{5B29E61D-72C4-4B88-BAE0-94F4AC95609C}" type="datetime1">
               <a:rPr kumimoji="1" lang="ja-JP" altLang="en-US" smtClean="0"/>
-              <a:t>2020/4/9</a:t>
+              <a:t>2020/4/13</a:t>
             </a:fld>
             <a:endParaRPr kumimoji="1" lang="ja-JP" altLang="en-US"/>
           </a:p>
@@ -2691,7 +2691,7 @@
           <a:p>
             <a:fld id="{FDE519E0-C04E-4250-B674-96170483994D}" type="datetime1">
               <a:rPr kumimoji="1" lang="ja-JP" altLang="en-US" smtClean="0"/>
-              <a:t>2020/4/9</a:t>
+              <a:t>2020/4/13</a:t>
             </a:fld>
             <a:endParaRPr kumimoji="1" lang="ja-JP" altLang="en-US"/>
           </a:p>
@@ -3034,7 +3034,7 @@
           <a:p>
             <a:fld id="{3D804215-2A3E-4A09-B5BA-466C684A7154}" type="datetime1">
               <a:rPr kumimoji="1" lang="ja-JP" altLang="en-US" smtClean="0"/>
-              <a:t>2020/4/9</a:t>
+              <a:t>2020/4/13</a:t>
             </a:fld>
             <a:endParaRPr kumimoji="1" lang="ja-JP" altLang="en-US"/>
           </a:p>
@@ -3322,7 +3322,7 @@
           <a:p>
             <a:fld id="{CF105EA9-D76B-4847-BCC9-8EB90924459F}" type="datetime1">
               <a:rPr kumimoji="1" lang="ja-JP" altLang="en-US" smtClean="0"/>
-              <a:t>2020/4/9</a:t>
+              <a:t>2020/4/13</a:t>
             </a:fld>
             <a:endParaRPr kumimoji="1" lang="ja-JP" altLang="en-US"/>
           </a:p>
@@ -3595,7 +3595,7 @@
           <a:p>
             <a:fld id="{3A38D198-2A46-432C-8A8C-6EF5624DACDD}" type="datetime1">
               <a:rPr kumimoji="1" lang="ja-JP" altLang="en-US" smtClean="0"/>
-              <a:t>2020/4/9</a:t>
+              <a:t>2020/4/13</a:t>
             </a:fld>
             <a:endParaRPr kumimoji="1" lang="ja-JP" altLang="en-US"/>
           </a:p>
@@ -4272,7 +4272,7 @@
           </a:ln>
           <a:extLst>
             <a:ext uri="{C572A759-6A51-4108-AA02-DFA0A04FC94B}">
-              <ma14:wrappingTextBoxFlag xmlns="" xmlns:ma14="http://schemas.microsoft.com/office/mac/drawingml/2011/main" val="1"/>
+              <ma14:wrappingTextBoxFlag xmlns:ma14="http://schemas.microsoft.com/office/mac/drawingml/2011/main" xmlns="" val="1"/>
             </a:ext>
           </a:extLst>
         </p:spPr>
@@ -5004,7 +5004,7 @@
           </a:ln>
           <a:extLst>
             <a:ext uri="{C572A759-6A51-4108-AA02-DFA0A04FC94B}">
-              <ma14:wrappingTextBoxFlag xmlns="" xmlns:ma14="http://schemas.microsoft.com/office/mac/drawingml/2011/main" val="1"/>
+              <ma14:wrappingTextBoxFlag xmlns:ma14="http://schemas.microsoft.com/office/mac/drawingml/2011/main" xmlns="" val="1"/>
             </a:ext>
           </a:extLst>
         </p:spPr>
@@ -7708,7 +7708,7 @@
           </a:ln>
           <a:extLst>
             <a:ext uri="{C572A759-6A51-4108-AA02-DFA0A04FC94B}">
-              <ma14:wrappingTextBoxFlag xmlns="" xmlns:ma14="http://schemas.microsoft.com/office/mac/drawingml/2011/main" val="1"/>
+              <ma14:wrappingTextBoxFlag xmlns:ma14="http://schemas.microsoft.com/office/mac/drawingml/2011/main" xmlns="" val="1"/>
             </a:ext>
           </a:extLst>
         </p:spPr>
@@ -8106,7 +8106,7 @@
           </a:ln>
           <a:extLst>
             <a:ext uri="{C572A759-6A51-4108-AA02-DFA0A04FC94B}">
-              <ma14:wrappingTextBoxFlag xmlns="" xmlns:ma14="http://schemas.microsoft.com/office/mac/drawingml/2011/main" val="1"/>
+              <ma14:wrappingTextBoxFlag xmlns:ma14="http://schemas.microsoft.com/office/mac/drawingml/2011/main" xmlns="" val="1"/>
             </a:ext>
           </a:extLst>
         </p:spPr>
@@ -8663,7 +8663,7 @@
           </a:ln>
           <a:extLst>
             <a:ext uri="{C572A759-6A51-4108-AA02-DFA0A04FC94B}">
-              <ma14:wrappingTextBoxFlag xmlns:ma14="http://schemas.microsoft.com/office/mac/drawingml/2011/main" xmlns="" val="1"/>
+              <ma14:wrappingTextBoxFlag xmlns="" xmlns:ma14="http://schemas.microsoft.com/office/mac/drawingml/2011/main" val="1"/>
             </a:ext>
           </a:extLst>
         </p:spPr>
@@ -9555,7 +9555,7 @@
           </a:ln>
           <a:extLst>
             <a:ext uri="{C572A759-6A51-4108-AA02-DFA0A04FC94B}">
-              <ma14:wrappingTextBoxFlag xmlns="" xmlns:ma14="http://schemas.microsoft.com/office/mac/drawingml/2011/main" val="1"/>
+              <ma14:wrappingTextBoxFlag xmlns:ma14="http://schemas.microsoft.com/office/mac/drawingml/2011/main" xmlns="" val="1"/>
             </a:ext>
           </a:extLst>
         </p:spPr>
@@ -9762,7 +9762,7 @@
         <p:spPr>
           <a:xfrm>
             <a:off x="6919403" y="1627306"/>
-            <a:ext cx="5272597" cy="1477328"/>
+            <a:ext cx="5434501" cy="1200329"/>
           </a:xfrm>
           <a:prstGeom prst="rect">
             <a:avLst/>
@@ -9812,11 +9812,15 @@
             </a:r>
             <a:r>
               <a:rPr kumimoji="1" lang="ja-JP" altLang="en-US" dirty="0"/>
-              <a:t>」は</a:t>
+              <a:t>」</a:t>
             </a:r>
             <a:r>
               <a:rPr kumimoji="1" lang="ja-JP" altLang="en-US" dirty="0" smtClean="0"/>
-              <a:t>実数型、</a:t>
+              <a:t>は未知数となる実数型</a:t>
+            </a:r>
+            <a:r>
+              <a:rPr kumimoji="1" lang="ja-JP" altLang="en-US" dirty="0" smtClean="0"/>
+              <a:t>、</a:t>
             </a:r>
             <a:endParaRPr kumimoji="1" lang="en-US" altLang="ja-JP" dirty="0"/>
           </a:p>
@@ -9831,18 +9835,11 @@
             </a:r>
             <a:r>
               <a:rPr lang="ja-JP" altLang="en-US" dirty="0"/>
-              <a:t>」は未知数では</a:t>
+              <a:t>」</a:t>
             </a:r>
             <a:r>
               <a:rPr lang="ja-JP" altLang="en-US" dirty="0" smtClean="0"/>
-              <a:t>ないユーザーが</a:t>
-            </a:r>
-            <a:endParaRPr lang="en-US" altLang="ja-JP" dirty="0" smtClean="0"/>
-          </a:p>
-          <a:p>
-            <a:r>
-              <a:rPr lang="ja-JP" altLang="en-US" dirty="0" smtClean="0"/>
-              <a:t>入力する値</a:t>
+              <a:t>はユーザーが入力する既知数</a:t>
             </a:r>
             <a:r>
               <a:rPr kumimoji="1" lang="ja-JP" altLang="en-US" dirty="0" smtClean="0"/>
@@ -9850,7 +9847,11 @@
             </a:r>
             <a:r>
               <a:rPr lang="ja-JP" altLang="en-US" dirty="0" smtClean="0"/>
-              <a:t>す。</a:t>
+              <a:t>す</a:t>
+            </a:r>
+            <a:r>
+              <a:rPr lang="ja-JP" altLang="en-US" dirty="0" smtClean="0"/>
+              <a:t>。</a:t>
             </a:r>
             <a:endParaRPr lang="en-US" altLang="ja-JP" dirty="0" smtClean="0"/>
           </a:p>
@@ -10368,7 +10369,7 @@
           </a:ln>
           <a:extLst>
             <a:ext uri="{C572A759-6A51-4108-AA02-DFA0A04FC94B}">
-              <ma14:wrappingTextBoxFlag xmlns="" xmlns:ma14="http://schemas.microsoft.com/office/mac/drawingml/2011/main" val="1"/>
+              <ma14:wrappingTextBoxFlag xmlns:ma14="http://schemas.microsoft.com/office/mac/drawingml/2011/main" xmlns="" val="1"/>
             </a:ext>
           </a:extLst>
         </p:spPr>
@@ -10835,7 +10836,7 @@
           </a:ln>
           <a:extLst>
             <a:ext uri="{C572A759-6A51-4108-AA02-DFA0A04FC94B}">
-              <ma14:wrappingTextBoxFlag xmlns="" xmlns:ma14="http://schemas.microsoft.com/office/mac/drawingml/2011/main" val="1"/>
+              <ma14:wrappingTextBoxFlag xmlns:ma14="http://schemas.microsoft.com/office/mac/drawingml/2011/main" xmlns="" val="1"/>
             </a:ext>
           </a:extLst>
         </p:spPr>

--- a/2_HelloWorld/OpenModelica_Tutorials_2.pptx
+++ b/2_HelloWorld/OpenModelica_Tutorials_2.pptx
@@ -124,10 +124,6 @@
 </p:presentation>
 </file>
 
-<file path=ppt/revisionInfo.xml><?xml version="1.0" encoding="utf-8"?>
-<p1510:revInfo xmlns:a="http://schemas.openxmlformats.org/drawingml/2006/main" xmlns:r="http://schemas.openxmlformats.org/officeDocument/2006/relationships" xmlns:p1510="http://schemas.microsoft.com/office/powerpoint/2015/10/main"/>
-</file>
-
 <file path=ppt/notesMasters/notesMaster1.xml><?xml version="1.0" encoding="utf-8"?>
 <p:notesMaster xmlns:a="http://schemas.openxmlformats.org/drawingml/2006/main" xmlns:r="http://schemas.openxmlformats.org/officeDocument/2006/relationships" xmlns:p="http://schemas.openxmlformats.org/presentationml/2006/main">
   <p:cSld>
@@ -210,7 +206,7 @@
           <a:p>
             <a:fld id="{974FB457-52AB-4B82-92C1-F1FEFE62B139}" type="datetimeFigureOut">
               <a:rPr kumimoji="1" lang="ja-JP" altLang="en-US" smtClean="0"/>
-              <a:t>2020/4/13</a:t>
+              <a:t>2021/8/23</a:t>
             </a:fld>
             <a:endParaRPr kumimoji="1" lang="ja-JP" altLang="en-US"/>
           </a:p>
@@ -274,70 +270,69 @@
           <a:p>
             <a:pPr lvl="0"/>
             <a:r>
-              <a:rPr kumimoji="1" lang="ja-JP" altLang="en-US" smtClean="0"/>
+              <a:rPr kumimoji="1" lang="ja-JP" altLang="en-US"/>
               <a:t>マスター テキストの書式設定</a:t>
             </a:r>
           </a:p>
           <a:p>
             <a:pPr lvl="1"/>
             <a:r>
-              <a:rPr kumimoji="1" lang="ja-JP" altLang="en-US" smtClean="0"/>
+              <a:rPr kumimoji="1" lang="ja-JP" altLang="en-US"/>
               <a:t>第 </a:t>
             </a:r>
             <a:r>
-              <a:rPr kumimoji="1" lang="en-US" altLang="ja-JP" smtClean="0"/>
+              <a:rPr kumimoji="1" lang="en-US" altLang="ja-JP"/>
               <a:t>2 </a:t>
             </a:r>
             <a:r>
-              <a:rPr kumimoji="1" lang="ja-JP" altLang="en-US" smtClean="0"/>
+              <a:rPr kumimoji="1" lang="ja-JP" altLang="en-US"/>
               <a:t>レベル</a:t>
             </a:r>
           </a:p>
           <a:p>
             <a:pPr lvl="2"/>
             <a:r>
-              <a:rPr kumimoji="1" lang="ja-JP" altLang="en-US" smtClean="0"/>
+              <a:rPr kumimoji="1" lang="ja-JP" altLang="en-US"/>
               <a:t>第 </a:t>
             </a:r>
             <a:r>
-              <a:rPr kumimoji="1" lang="en-US" altLang="ja-JP" smtClean="0"/>
+              <a:rPr kumimoji="1" lang="en-US" altLang="ja-JP"/>
               <a:t>3 </a:t>
             </a:r>
             <a:r>
-              <a:rPr kumimoji="1" lang="ja-JP" altLang="en-US" smtClean="0"/>
+              <a:rPr kumimoji="1" lang="ja-JP" altLang="en-US"/>
               <a:t>レベル</a:t>
             </a:r>
           </a:p>
           <a:p>
             <a:pPr lvl="3"/>
             <a:r>
-              <a:rPr kumimoji="1" lang="ja-JP" altLang="en-US" smtClean="0"/>
+              <a:rPr kumimoji="1" lang="ja-JP" altLang="en-US"/>
               <a:t>第 </a:t>
             </a:r>
             <a:r>
-              <a:rPr kumimoji="1" lang="en-US" altLang="ja-JP" smtClean="0"/>
+              <a:rPr kumimoji="1" lang="en-US" altLang="ja-JP"/>
               <a:t>4 </a:t>
             </a:r>
             <a:r>
-              <a:rPr kumimoji="1" lang="ja-JP" altLang="en-US" smtClean="0"/>
+              <a:rPr kumimoji="1" lang="ja-JP" altLang="en-US"/>
               <a:t>レベル</a:t>
             </a:r>
           </a:p>
           <a:p>
             <a:pPr lvl="4"/>
             <a:r>
-              <a:rPr kumimoji="1" lang="ja-JP" altLang="en-US" smtClean="0"/>
+              <a:rPr kumimoji="1" lang="ja-JP" altLang="en-US"/>
               <a:t>第 </a:t>
             </a:r>
             <a:r>
-              <a:rPr kumimoji="1" lang="en-US" altLang="ja-JP" smtClean="0"/>
+              <a:rPr kumimoji="1" lang="en-US" altLang="ja-JP"/>
               <a:t>5 </a:t>
             </a:r>
             <a:r>
-              <a:rPr kumimoji="1" lang="ja-JP" altLang="en-US" smtClean="0"/>
+              <a:rPr kumimoji="1" lang="ja-JP" altLang="en-US"/>
               <a:t>レベル</a:t>
             </a:r>
-            <a:endParaRPr kumimoji="1" lang="ja-JP" altLang="en-US"/>
           </a:p>
         </p:txBody>
       </p:sp>
@@ -657,7 +652,7 @@
           <a:p>
             <a:fld id="{B86040C8-DFFD-4446-B581-22DAA2AE421E}" type="datetime1">
               <a:rPr kumimoji="1" lang="ja-JP" altLang="en-US" smtClean="0"/>
-              <a:t>2020/4/13</a:t>
+              <a:t>2021/8/23</a:t>
             </a:fld>
             <a:endParaRPr kumimoji="1" lang="ja-JP" altLang="en-US"/>
           </a:p>
@@ -887,7 +882,7 @@
           <a:p>
             <a:fld id="{3C9B7905-8BA1-439B-8662-C6E1398BEF85}" type="datetime1">
               <a:rPr kumimoji="1" lang="ja-JP" altLang="en-US" smtClean="0"/>
-              <a:t>2020/4/13</a:t>
+              <a:t>2021/8/23</a:t>
             </a:fld>
             <a:endParaRPr kumimoji="1" lang="ja-JP" altLang="en-US"/>
           </a:p>
@@ -1127,7 +1122,7 @@
           <a:p>
             <a:fld id="{9DC160CD-B092-42C5-B422-1CE46974F0BA}" type="datetime1">
               <a:rPr kumimoji="1" lang="ja-JP" altLang="en-US" smtClean="0"/>
-              <a:t>2020/4/13</a:t>
+              <a:t>2021/8/23</a:t>
             </a:fld>
             <a:endParaRPr kumimoji="1" lang="ja-JP" altLang="en-US"/>
           </a:p>
@@ -1357,7 +1352,7 @@
           <a:p>
             <a:fld id="{3212E061-FEED-40FC-ACCC-2D656C9B7865}" type="datetime1">
               <a:rPr kumimoji="1" lang="ja-JP" altLang="en-US" smtClean="0"/>
-              <a:t>2020/4/13</a:t>
+              <a:t>2021/8/23</a:t>
             </a:fld>
             <a:endParaRPr kumimoji="1" lang="ja-JP" altLang="en-US"/>
           </a:p>
@@ -1632,7 +1627,7 @@
           <a:p>
             <a:fld id="{52398FB1-26D0-46C1-981F-C1C8C7D2C605}" type="datetime1">
               <a:rPr kumimoji="1" lang="ja-JP" altLang="en-US" smtClean="0"/>
-              <a:t>2020/4/13</a:t>
+              <a:t>2021/8/23</a:t>
             </a:fld>
             <a:endParaRPr kumimoji="1" lang="ja-JP" altLang="en-US"/>
           </a:p>
@@ -1961,7 +1956,7 @@
           <a:p>
             <a:fld id="{7A11565A-5942-4E86-BA53-1EA4FAE20480}" type="datetime1">
               <a:rPr kumimoji="1" lang="ja-JP" altLang="en-US" smtClean="0"/>
-              <a:t>2020/4/13</a:t>
+              <a:t>2021/8/23</a:t>
             </a:fld>
             <a:endParaRPr kumimoji="1" lang="ja-JP" altLang="en-US"/>
           </a:p>
@@ -2437,7 +2432,7 @@
           <a:p>
             <a:fld id="{DF3C1AF6-625A-49A2-8EA7-D638C48A598D}" type="datetime1">
               <a:rPr kumimoji="1" lang="ja-JP" altLang="en-US" smtClean="0"/>
-              <a:t>2020/4/13</a:t>
+              <a:t>2021/8/23</a:t>
             </a:fld>
             <a:endParaRPr kumimoji="1" lang="ja-JP" altLang="en-US"/>
           </a:p>
@@ -2578,7 +2573,7 @@
           <a:p>
             <a:fld id="{5B29E61D-72C4-4B88-BAE0-94F4AC95609C}" type="datetime1">
               <a:rPr kumimoji="1" lang="ja-JP" altLang="en-US" smtClean="0"/>
-              <a:t>2020/4/13</a:t>
+              <a:t>2021/8/23</a:t>
             </a:fld>
             <a:endParaRPr kumimoji="1" lang="ja-JP" altLang="en-US"/>
           </a:p>
@@ -2691,7 +2686,7 @@
           <a:p>
             <a:fld id="{FDE519E0-C04E-4250-B674-96170483994D}" type="datetime1">
               <a:rPr kumimoji="1" lang="ja-JP" altLang="en-US" smtClean="0"/>
-              <a:t>2020/4/13</a:t>
+              <a:t>2021/8/23</a:t>
             </a:fld>
             <a:endParaRPr kumimoji="1" lang="ja-JP" altLang="en-US"/>
           </a:p>
@@ -3034,7 +3029,7 @@
           <a:p>
             <a:fld id="{3D804215-2A3E-4A09-B5BA-466C684A7154}" type="datetime1">
               <a:rPr kumimoji="1" lang="ja-JP" altLang="en-US" smtClean="0"/>
-              <a:t>2020/4/13</a:t>
+              <a:t>2021/8/23</a:t>
             </a:fld>
             <a:endParaRPr kumimoji="1" lang="ja-JP" altLang="en-US"/>
           </a:p>
@@ -3322,7 +3317,7 @@
           <a:p>
             <a:fld id="{CF105EA9-D76B-4847-BCC9-8EB90924459F}" type="datetime1">
               <a:rPr kumimoji="1" lang="ja-JP" altLang="en-US" smtClean="0"/>
-              <a:t>2020/4/13</a:t>
+              <a:t>2021/8/23</a:t>
             </a:fld>
             <a:endParaRPr kumimoji="1" lang="ja-JP" altLang="en-US"/>
           </a:p>
@@ -3595,7 +3590,7 @@
           <a:p>
             <a:fld id="{3A38D198-2A46-432C-8A8C-6EF5624DACDD}" type="datetime1">
               <a:rPr kumimoji="1" lang="ja-JP" altLang="en-US" smtClean="0"/>
-              <a:t>2020/4/13</a:t>
+              <a:t>2021/8/23</a:t>
             </a:fld>
             <a:endParaRPr kumimoji="1" lang="ja-JP" altLang="en-US"/>
           </a:p>
@@ -4097,70 +4092,6 @@
       </p:sp>
       <p:sp>
         <p:nvSpPr>
-          <p:cNvPr id="7" name="正方形/長方形 6">
-            <a:extLst>
-              <a:ext uri="{FF2B5EF4-FFF2-40B4-BE49-F238E27FC236}">
-                <a16:creationId xmlns:a16="http://schemas.microsoft.com/office/drawing/2014/main" id="{908A42C2-E793-41DB-9A00-604AE173FDAE}"/>
-              </a:ext>
-            </a:extLst>
-          </p:cNvPr>
-          <p:cNvSpPr/>
-          <p:nvPr/>
-        </p:nvSpPr>
-        <p:spPr>
-          <a:xfrm>
-            <a:off x="3230707" y="5796050"/>
-            <a:ext cx="6096000" cy="1200329"/>
-          </a:xfrm>
-          <a:prstGeom prst="rect">
-            <a:avLst/>
-          </a:prstGeom>
-        </p:spPr>
-        <p:txBody>
-          <a:bodyPr>
-            <a:spAutoFit/>
-          </a:bodyPr>
-          <a:lstStyle/>
-          <a:p>
-            <a:pPr algn="ctr"/>
-            <a:r>
-              <a:rPr lang="en-US" altLang="ja-JP" dirty="0"/>
-              <a:t>Copyright (C) </a:t>
-            </a:r>
-            <a:r>
-              <a:rPr lang="en-US" altLang="ja-JP" dirty="0" smtClean="0"/>
-              <a:t>2020 </a:t>
-            </a:r>
-            <a:r>
-              <a:rPr lang="en-US" altLang="ja-JP" dirty="0"/>
-              <a:t>Shigenori Ueda</a:t>
-            </a:r>
-          </a:p>
-          <a:p>
-            <a:pPr algn="ctr"/>
-            <a:r>
-              <a:rPr lang="en-US" altLang="ja-JP" dirty="0"/>
-              <a:t>Released under the MIT license</a:t>
-            </a:r>
-          </a:p>
-          <a:p>
-            <a:pPr algn="ctr"/>
-            <a:r>
-              <a:rPr lang="en-US" altLang="ja-JP" dirty="0">
-                <a:hlinkClick r:id="rId2"/>
-              </a:rPr>
-              <a:t>https://opensource.org/licenses/mit-license.php</a:t>
-            </a:r>
-            <a:endParaRPr lang="en-US" altLang="ja-JP" dirty="0"/>
-          </a:p>
-          <a:p>
-            <a:pPr algn="ctr"/>
-            <a:endParaRPr lang="en-US" altLang="ja-JP" dirty="0"/>
-          </a:p>
-        </p:txBody>
-      </p:sp>
-      <p:sp>
-        <p:nvSpPr>
           <p:cNvPr id="3" name="スライド番号プレースホルダー 2"/>
           <p:cNvSpPr>
             <a:spLocks noGrp="1"/>
@@ -4179,6 +4110,213 @@
               <a:t>1</a:t>
             </a:fld>
             <a:endParaRPr kumimoji="1" lang="ja-JP" altLang="en-US"/>
+          </a:p>
+        </p:txBody>
+      </p:sp>
+      <p:pic>
+        <p:nvPicPr>
+          <p:cNvPr id="8" name="Picture 2" descr="by">
+            <a:extLst>
+              <a:ext uri="{FF2B5EF4-FFF2-40B4-BE49-F238E27FC236}">
+                <a16:creationId xmlns:a16="http://schemas.microsoft.com/office/drawing/2014/main" id="{2252AA35-2387-4010-8FF0-CC4E1AB8FB07}"/>
+              </a:ext>
+            </a:extLst>
+          </p:cNvPr>
+          <p:cNvPicPr>
+            <a:picLocks noChangeAspect="1" noChangeArrowheads="1"/>
+          </p:cNvPicPr>
+          <p:nvPr/>
+        </p:nvPicPr>
+        <p:blipFill>
+          <a:blip r:embed="rId2">
+            <a:extLst>
+              <a:ext uri="{28A0092B-C50C-407E-A947-70E740481C1C}">
+                <a14:useLocalDpi xmlns:a14="http://schemas.microsoft.com/office/drawing/2010/main" val="0"/>
+              </a:ext>
+            </a:extLst>
+          </a:blip>
+          <a:srcRect/>
+          <a:stretch>
+            <a:fillRect/>
+          </a:stretch>
+        </p:blipFill>
+        <p:spPr bwMode="auto">
+          <a:xfrm>
+            <a:off x="2639595" y="5528090"/>
+            <a:ext cx="1419225" cy="495300"/>
+          </a:xfrm>
+          <a:prstGeom prst="rect">
+            <a:avLst/>
+          </a:prstGeom>
+          <a:noFill/>
+          <a:extLst>
+            <a:ext uri="{909E8E84-426E-40DD-AFC4-6F175D3DCCD1}">
+              <a14:hiddenFill xmlns:a14="http://schemas.microsoft.com/office/drawing/2010/main">
+                <a:solidFill>
+                  <a:srgbClr val="FFFFFF"/>
+                </a:solidFill>
+              </a14:hiddenFill>
+            </a:ext>
+          </a:extLst>
+        </p:spPr>
+      </p:pic>
+      <p:sp>
+        <p:nvSpPr>
+          <p:cNvPr id="9" name="テキスト ボックス 10">
+            <a:extLst>
+              <a:ext uri="{FF2B5EF4-FFF2-40B4-BE49-F238E27FC236}">
+                <a16:creationId xmlns:a16="http://schemas.microsoft.com/office/drawing/2014/main" id="{997EE520-66CF-42A5-8390-E57ED55183EC}"/>
+              </a:ext>
+            </a:extLst>
+          </p:cNvPr>
+          <p:cNvSpPr txBox="1"/>
+          <p:nvPr/>
+        </p:nvSpPr>
+        <p:spPr>
+          <a:xfrm>
+            <a:off x="2534332" y="6075144"/>
+            <a:ext cx="7637686" cy="646331"/>
+          </a:xfrm>
+          <a:prstGeom prst="rect">
+            <a:avLst/>
+          </a:prstGeom>
+          <a:noFill/>
+        </p:spPr>
+        <p:txBody>
+          <a:bodyPr wrap="square">
+            <a:spAutoFit/>
+          </a:bodyPr>
+          <a:lstStyle>
+            <a:defPPr>
+              <a:defRPr lang="ja-JP"/>
+            </a:defPPr>
+            <a:lvl1pPr marL="0" algn="l" defTabSz="914400" rtl="0" eaLnBrk="1" latinLnBrk="0" hangingPunct="1">
+              <a:defRPr kumimoji="1" sz="1800" kern="1200">
+                <a:solidFill>
+                  <a:schemeClr val="tx1"/>
+                </a:solidFill>
+                <a:latin typeface="+mn-lt"/>
+                <a:ea typeface="+mn-ea"/>
+                <a:cs typeface="+mn-cs"/>
+              </a:defRPr>
+            </a:lvl1pPr>
+            <a:lvl2pPr marL="457200" algn="l" defTabSz="914400" rtl="0" eaLnBrk="1" latinLnBrk="0" hangingPunct="1">
+              <a:defRPr kumimoji="1" sz="1800" kern="1200">
+                <a:solidFill>
+                  <a:schemeClr val="tx1"/>
+                </a:solidFill>
+                <a:latin typeface="+mn-lt"/>
+                <a:ea typeface="+mn-ea"/>
+                <a:cs typeface="+mn-cs"/>
+              </a:defRPr>
+            </a:lvl2pPr>
+            <a:lvl3pPr marL="914400" algn="l" defTabSz="914400" rtl="0" eaLnBrk="1" latinLnBrk="0" hangingPunct="1">
+              <a:defRPr kumimoji="1" sz="1800" kern="1200">
+                <a:solidFill>
+                  <a:schemeClr val="tx1"/>
+                </a:solidFill>
+                <a:latin typeface="+mn-lt"/>
+                <a:ea typeface="+mn-ea"/>
+                <a:cs typeface="+mn-cs"/>
+              </a:defRPr>
+            </a:lvl3pPr>
+            <a:lvl4pPr marL="1371600" algn="l" defTabSz="914400" rtl="0" eaLnBrk="1" latinLnBrk="0" hangingPunct="1">
+              <a:defRPr kumimoji="1" sz="1800" kern="1200">
+                <a:solidFill>
+                  <a:schemeClr val="tx1"/>
+                </a:solidFill>
+                <a:latin typeface="+mn-lt"/>
+                <a:ea typeface="+mn-ea"/>
+                <a:cs typeface="+mn-cs"/>
+              </a:defRPr>
+            </a:lvl4pPr>
+            <a:lvl5pPr marL="1828800" algn="l" defTabSz="914400" rtl="0" eaLnBrk="1" latinLnBrk="0" hangingPunct="1">
+              <a:defRPr kumimoji="1" sz="1800" kern="1200">
+                <a:solidFill>
+                  <a:schemeClr val="tx1"/>
+                </a:solidFill>
+                <a:latin typeface="+mn-lt"/>
+                <a:ea typeface="+mn-ea"/>
+                <a:cs typeface="+mn-cs"/>
+              </a:defRPr>
+            </a:lvl5pPr>
+            <a:lvl6pPr marL="2286000" algn="l" defTabSz="914400" rtl="0" eaLnBrk="1" latinLnBrk="0" hangingPunct="1">
+              <a:defRPr kumimoji="1" sz="1800" kern="1200">
+                <a:solidFill>
+                  <a:schemeClr val="tx1"/>
+                </a:solidFill>
+                <a:latin typeface="+mn-lt"/>
+                <a:ea typeface="+mn-ea"/>
+                <a:cs typeface="+mn-cs"/>
+              </a:defRPr>
+            </a:lvl6pPr>
+            <a:lvl7pPr marL="2743200" algn="l" defTabSz="914400" rtl="0" eaLnBrk="1" latinLnBrk="0" hangingPunct="1">
+              <a:defRPr kumimoji="1" sz="1800" kern="1200">
+                <a:solidFill>
+                  <a:schemeClr val="tx1"/>
+                </a:solidFill>
+                <a:latin typeface="+mn-lt"/>
+                <a:ea typeface="+mn-ea"/>
+                <a:cs typeface="+mn-cs"/>
+              </a:defRPr>
+            </a:lvl7pPr>
+            <a:lvl8pPr marL="3200400" algn="l" defTabSz="914400" rtl="0" eaLnBrk="1" latinLnBrk="0" hangingPunct="1">
+              <a:defRPr kumimoji="1" sz="1800" kern="1200">
+                <a:solidFill>
+                  <a:schemeClr val="tx1"/>
+                </a:solidFill>
+                <a:latin typeface="+mn-lt"/>
+                <a:ea typeface="+mn-ea"/>
+                <a:cs typeface="+mn-cs"/>
+              </a:defRPr>
+            </a:lvl8pPr>
+            <a:lvl9pPr marL="3657600" algn="l" defTabSz="914400" rtl="0" eaLnBrk="1" latinLnBrk="0" hangingPunct="1">
+              <a:defRPr kumimoji="1" sz="1800" kern="1200">
+                <a:solidFill>
+                  <a:schemeClr val="tx1"/>
+                </a:solidFill>
+                <a:latin typeface="+mn-lt"/>
+                <a:ea typeface="+mn-ea"/>
+                <a:cs typeface="+mn-cs"/>
+              </a:defRPr>
+            </a:lvl9pPr>
+          </a:lstStyle>
+          <a:p>
+            <a:r>
+              <a:rPr lang="ja-JP" altLang="en-US" dirty="0"/>
+              <a:t>“</a:t>
+            </a:r>
+            <a:r>
+              <a:rPr lang="en-US" altLang="ja-JP" dirty="0"/>
+              <a:t>OpenModelica tutorial for beginner </a:t>
+            </a:r>
+            <a:r>
+              <a:rPr lang="en-US" altLang="ja-JP"/>
+              <a:t>2 HelloWorld</a:t>
+            </a:r>
+            <a:r>
+              <a:rPr lang="ja-JP" altLang="en-US"/>
+              <a:t>” </a:t>
+            </a:r>
+            <a:r>
+              <a:rPr lang="ja-JP" altLang="en-US" dirty="0"/>
+              <a:t>by </a:t>
+            </a:r>
+            <a:r>
+              <a:rPr lang="en-US" altLang="ja-JP" dirty="0" err="1"/>
+              <a:t>UedaShigenori</a:t>
+            </a:r>
+            <a:r>
+              <a:rPr lang="ja-JP" altLang="en-US" dirty="0"/>
+              <a:t> is licensed under </a:t>
+            </a:r>
+            <a:r>
+              <a:rPr lang="ja-JP" altLang="en-US" dirty="0">
+                <a:hlinkClick r:id="rId3"/>
+              </a:rPr>
+              <a:t>CC BY 2.0﻿</a:t>
+            </a:r>
+            <a:endParaRPr lang="ja-JP" altLang="en-US" dirty="0"/>
           </a:p>
         </p:txBody>
       </p:sp>
@@ -4272,7 +4410,7 @@
           </a:ln>
           <a:extLst>
             <a:ext uri="{C572A759-6A51-4108-AA02-DFA0A04FC94B}">
-              <ma14:wrappingTextBoxFlag xmlns:ma14="http://schemas.microsoft.com/office/mac/drawingml/2011/main" xmlns="" val="1"/>
+              <ma14:wrappingTextBoxFlag xmlns="" xmlns:ma14="http://schemas.microsoft.com/office/mac/drawingml/2011/main" val="1"/>
             </a:ext>
           </a:extLst>
         </p:spPr>
@@ -4774,78 +4912,54 @@
           <a:p>
             <a:r>
               <a:rPr lang="ja-JP" altLang="en-US" sz="2400" dirty="0"/>
-              <a:t>　　して</a:t>
-            </a:r>
-            <a:r>
-              <a:rPr lang="ja-JP" altLang="en-US" sz="2400" dirty="0" smtClean="0"/>
-              <a:t>おります。</a:t>
-            </a:r>
-            <a:endParaRPr lang="en-US" altLang="ja-JP" sz="2400" dirty="0" smtClean="0"/>
-          </a:p>
-          <a:p>
-            <a:endParaRPr lang="en-US" altLang="ja-JP" sz="2400" dirty="0" smtClean="0"/>
-          </a:p>
-          <a:p>
-            <a:r>
-              <a:rPr lang="ja-JP" altLang="en-US" sz="2400" dirty="0" smtClean="0"/>
-              <a:t>・　本チュートリアルは以下の</a:t>
-            </a:r>
+              <a:t>　　しております。</a:t>
+            </a:r>
+            <a:endParaRPr lang="en-US" altLang="ja-JP" sz="2400" dirty="0"/>
+          </a:p>
+          <a:p>
+            <a:endParaRPr lang="en-US" altLang="ja-JP" sz="2400" dirty="0"/>
+          </a:p>
+          <a:p>
             <a:r>
               <a:rPr lang="ja-JP" altLang="en-US" sz="2400" dirty="0"/>
-              <a:t>一般的な</a:t>
-            </a:r>
-            <a:r>
-              <a:rPr lang="ja-JP" altLang="en-US" sz="2400" dirty="0" smtClean="0"/>
-              <a:t>プログラミング知識がある方を</a:t>
-            </a:r>
-            <a:endParaRPr lang="en-US" altLang="ja-JP" sz="2400" dirty="0" smtClean="0"/>
+              <a:t>・　本チュートリアルは以下の一般的なプログラミング知識がある方を</a:t>
+            </a:r>
+            <a:endParaRPr lang="en-US" altLang="ja-JP" sz="2400" dirty="0"/>
           </a:p>
           <a:p>
             <a:r>
               <a:rPr lang="ja-JP" altLang="en-US" sz="2400" dirty="0"/>
-              <a:t>　</a:t>
-            </a:r>
-            <a:r>
-              <a:rPr lang="ja-JP" altLang="en-US" sz="2400" dirty="0" smtClean="0"/>
-              <a:t>　対象としています。</a:t>
-            </a:r>
-            <a:endParaRPr lang="en-US" altLang="ja-JP" sz="2400" dirty="0" smtClean="0"/>
+              <a:t>　　対象としています。</a:t>
+            </a:r>
+            <a:endParaRPr lang="en-US" altLang="ja-JP" sz="2400" dirty="0"/>
           </a:p>
           <a:p>
             <a:r>
               <a:rPr kumimoji="1" lang="ja-JP" altLang="en-US" sz="2400" dirty="0"/>
-              <a:t>　</a:t>
-            </a:r>
-            <a:r>
-              <a:rPr kumimoji="1" lang="ja-JP" altLang="en-US" sz="2400" dirty="0" smtClean="0"/>
-              <a:t>　　・変数の型</a:t>
-            </a:r>
-            <a:r>
-              <a:rPr kumimoji="1" lang="en-US" altLang="ja-JP" sz="2400" dirty="0" smtClean="0"/>
+              <a:t>　　　・変数の型</a:t>
+            </a:r>
+            <a:r>
+              <a:rPr kumimoji="1" lang="en-US" altLang="ja-JP" sz="2400" dirty="0"/>
               <a:t>(</a:t>
             </a:r>
             <a:r>
-              <a:rPr kumimoji="1" lang="ja-JP" altLang="en-US" sz="2400" dirty="0" smtClean="0"/>
+              <a:rPr kumimoji="1" lang="ja-JP" altLang="en-US" sz="2400" dirty="0"/>
               <a:t>整数型、実数型 </a:t>
             </a:r>
             <a:r>
-              <a:rPr kumimoji="1" lang="en-US" altLang="ja-JP" sz="2400" dirty="0" smtClean="0"/>
+              <a:rPr kumimoji="1" lang="en-US" altLang="ja-JP" sz="2400" dirty="0"/>
               <a:t>etc.</a:t>
             </a:r>
             <a:r>
-              <a:rPr kumimoji="1" lang="ja-JP" altLang="en-US" sz="2400" dirty="0" smtClean="0"/>
+              <a:rPr kumimoji="1" lang="ja-JP" altLang="en-US" sz="2400" dirty="0"/>
               <a:t>）</a:t>
             </a:r>
-            <a:endParaRPr kumimoji="1" lang="en-US" altLang="ja-JP" sz="2400" dirty="0" smtClean="0"/>
+            <a:endParaRPr kumimoji="1" lang="en-US" altLang="ja-JP" sz="2400" dirty="0"/>
           </a:p>
           <a:p>
             <a:r>
               <a:rPr lang="ja-JP" altLang="en-US" sz="2400" dirty="0"/>
-              <a:t>　</a:t>
-            </a:r>
-            <a:r>
-              <a:rPr lang="ja-JP" altLang="en-US" sz="2400" dirty="0" smtClean="0"/>
-              <a:t>　　・コマンドの意味</a:t>
+              <a:t>　　　・コマンドの意味</a:t>
             </a:r>
             <a:endParaRPr kumimoji="1" lang="ja-JP" altLang="en-US" sz="2400" dirty="0"/>
           </a:p>
@@ -4884,12 +4998,8 @@
               <a:t>・　</a:t>
             </a:r>
             <a:r>
-              <a:rPr kumimoji="1" lang="en-US" altLang="ja-JP" sz="2400" dirty="0" smtClean="0"/>
-              <a:t>OpenModelica1.14.1 </a:t>
-            </a:r>
-            <a:r>
               <a:rPr kumimoji="1" lang="en-US" altLang="ja-JP" sz="2400" dirty="0"/>
-              <a:t>(64bit – windows</a:t>
+              <a:t>OpenModelica1.14.1 (64bit – windows</a:t>
             </a:r>
             <a:r>
               <a:rPr kumimoji="1" lang="ja-JP" altLang="en-US" sz="2400" dirty="0"/>
@@ -4916,11 +5026,7 @@
             </a:r>
             <a:r>
               <a:rPr kumimoji="1" lang="ja-JP" altLang="en-US" sz="2400"/>
-              <a:t>されて</a:t>
-            </a:r>
-            <a:r>
-              <a:rPr kumimoji="1" lang="ja-JP" altLang="en-US" sz="2400" smtClean="0"/>
-              <a:t>います。</a:t>
+              <a:t>されています。</a:t>
             </a:r>
             <a:endParaRPr kumimoji="1" lang="ja-JP" altLang="en-US" sz="2400" dirty="0"/>
           </a:p>
@@ -5004,7 +5110,7 @@
           </a:ln>
           <a:extLst>
             <a:ext uri="{C572A759-6A51-4108-AA02-DFA0A04FC94B}">
-              <ma14:wrappingTextBoxFlag xmlns:ma14="http://schemas.microsoft.com/office/mac/drawingml/2011/main" xmlns="" val="1"/>
+              <ma14:wrappingTextBoxFlag xmlns="" xmlns:ma14="http://schemas.microsoft.com/office/mac/drawingml/2011/main" val="1"/>
             </a:ext>
           </a:extLst>
         </p:spPr>
@@ -7708,7 +7814,7 @@
           </a:ln>
           <a:extLst>
             <a:ext uri="{C572A759-6A51-4108-AA02-DFA0A04FC94B}">
-              <ma14:wrappingTextBoxFlag xmlns:ma14="http://schemas.microsoft.com/office/mac/drawingml/2011/main" xmlns="" val="1"/>
+              <ma14:wrappingTextBoxFlag xmlns="" xmlns:ma14="http://schemas.microsoft.com/office/mac/drawingml/2011/main" val="1"/>
             </a:ext>
           </a:extLst>
         </p:spPr>
@@ -7783,19 +7889,11 @@
             </a:r>
             <a:r>
               <a:rPr kumimoji="1" lang="ja-JP" altLang="en-US" dirty="0"/>
-              <a:t>に</a:t>
-            </a:r>
-            <a:r>
-              <a:rPr kumimoji="1" lang="ja-JP" altLang="en-US" dirty="0" smtClean="0"/>
-              <a:t>して</a:t>
-            </a:r>
-            <a:r>
-              <a:rPr lang="ja-JP" altLang="en-US" dirty="0" smtClean="0"/>
-              <a:t>モデル</a:t>
+              <a:t>にして</a:t>
             </a:r>
             <a:r>
               <a:rPr lang="ja-JP" altLang="en-US" dirty="0"/>
-              <a:t>を作成してください。</a:t>
+              <a:t>モデルを作成してください。</a:t>
             </a:r>
             <a:endParaRPr kumimoji="1" lang="ja-JP" altLang="en-US" dirty="0"/>
           </a:p>
@@ -8106,7 +8204,7 @@
           </a:ln>
           <a:extLst>
             <a:ext uri="{C572A759-6A51-4108-AA02-DFA0A04FC94B}">
-              <ma14:wrappingTextBoxFlag xmlns:ma14="http://schemas.microsoft.com/office/mac/drawingml/2011/main" xmlns="" val="1"/>
+              <ma14:wrappingTextBoxFlag xmlns="" xmlns:ma14="http://schemas.microsoft.com/office/mac/drawingml/2011/main" val="1"/>
             </a:ext>
           </a:extLst>
         </p:spPr>
@@ -8305,23 +8403,7 @@
             </a:r>
             <a:r>
               <a:rPr kumimoji="1" lang="ja-JP" altLang="en-US" dirty="0"/>
-              <a:t>行目</a:t>
-            </a:r>
-            <a:r>
-              <a:rPr kumimoji="1" lang="ja-JP" altLang="en-US" dirty="0" smtClean="0"/>
-              <a:t>にクラスの始まりを表す「</a:t>
-            </a:r>
-            <a:r>
-              <a:rPr kumimoji="1" lang="ja-JP" altLang="en-US" dirty="0"/>
-              <a:t>クラスの種類　クラス名</a:t>
-            </a:r>
-            <a:r>
-              <a:rPr kumimoji="1" lang="ja-JP" altLang="en-US" dirty="0" smtClean="0"/>
-              <a:t>」コマンドが記述されて</a:t>
-            </a:r>
-            <a:r>
-              <a:rPr kumimoji="1" lang="ja-JP" altLang="en-US" dirty="0"/>
-              <a:t>います</a:t>
+              <a:t>行目にクラスの始まりを表す「クラスの種類　クラス名」コマンドが記述されています</a:t>
             </a:r>
           </a:p>
         </p:txBody>
@@ -8359,12 +8441,8 @@
               <a:t>4</a:t>
             </a:r>
             <a:r>
-              <a:rPr kumimoji="1" lang="ja-JP" altLang="en-US" dirty="0" smtClean="0"/>
-              <a:t>行目</a:t>
-            </a:r>
-            <a:r>
               <a:rPr kumimoji="1" lang="ja-JP" altLang="en-US" dirty="0"/>
-              <a:t>にクラスの終わりを表す「</a:t>
+              <a:t>行目にクラスの終わりを表す「</a:t>
             </a:r>
             <a:r>
               <a:rPr kumimoji="1" lang="en-US" altLang="ja-JP" dirty="0"/>
@@ -8387,11 +8465,7 @@
           <a:p>
             <a:r>
               <a:rPr lang="ja-JP" altLang="en-US" dirty="0"/>
-              <a:t>記述されて</a:t>
-            </a:r>
-            <a:r>
-              <a:rPr lang="ja-JP" altLang="en-US" dirty="0" smtClean="0"/>
-              <a:t>います</a:t>
+              <a:t>記述されています</a:t>
             </a:r>
             <a:endParaRPr kumimoji="1" lang="ja-JP" altLang="en-US" dirty="0"/>
           </a:p>
@@ -8663,7 +8737,7 @@
           </a:ln>
           <a:extLst>
             <a:ext uri="{C572A759-6A51-4108-AA02-DFA0A04FC94B}">
-              <ma14:wrappingTextBoxFlag xmlns="" xmlns:ma14="http://schemas.microsoft.com/office/mac/drawingml/2011/main" val="1"/>
+              <ma14:wrappingTextBoxFlag xmlns:ma14="http://schemas.microsoft.com/office/mac/drawingml/2011/main" xmlns="" val="1"/>
             </a:ext>
           </a:extLst>
         </p:spPr>
@@ -8732,47 +8806,35 @@
               <a:t>この範囲を便宜的に</a:t>
             </a:r>
             <a:r>
-              <a:rPr lang="ja-JP" altLang="en-US" b="1" dirty="0" smtClean="0"/>
+              <a:rPr lang="ja-JP" altLang="en-US" b="1" dirty="0"/>
               <a:t>「</a:t>
             </a:r>
             <a:r>
               <a:rPr lang="en-US" altLang="ja-JP" b="1" dirty="0"/>
-              <a:t> </a:t>
-            </a:r>
-            <a:r>
-              <a:rPr lang="en-US" altLang="ja-JP" b="1" dirty="0" smtClean="0"/>
-              <a:t>declaration(</a:t>
-            </a:r>
-            <a:r>
-              <a:rPr lang="ja-JP" altLang="en-US" b="1" dirty="0" smtClean="0"/>
+              <a:t> declaration(</a:t>
+            </a:r>
+            <a:r>
+              <a:rPr lang="ja-JP" altLang="en-US" b="1" dirty="0"/>
               <a:t>宣言</a:t>
             </a:r>
             <a:r>
-              <a:rPr lang="en-US" altLang="ja-JP" b="1" dirty="0" smtClean="0"/>
+              <a:rPr lang="en-US" altLang="ja-JP" b="1" dirty="0"/>
               <a:t>)</a:t>
             </a:r>
             <a:r>
-              <a:rPr lang="ja-JP" altLang="en-US" b="1" dirty="0" smtClean="0"/>
-              <a:t>セクション</a:t>
-            </a:r>
-            <a:r>
               <a:rPr lang="ja-JP" altLang="en-US" b="1" dirty="0"/>
-              <a:t>」</a:t>
-            </a:r>
-            <a:r>
-              <a:rPr lang="ja-JP" altLang="en-US" dirty="0" smtClean="0"/>
+              <a:t>セクション」</a:t>
+            </a:r>
+            <a:r>
+              <a:rPr lang="ja-JP" altLang="en-US" dirty="0"/>
               <a:t>と</a:t>
             </a:r>
-            <a:endParaRPr lang="en-US" altLang="ja-JP" dirty="0" smtClean="0"/>
-          </a:p>
-          <a:p>
-            <a:r>
-              <a:rPr lang="ja-JP" altLang="en-US" dirty="0" smtClean="0"/>
-              <a:t>呼びます</a:t>
-            </a:r>
+            <a:endParaRPr lang="en-US" altLang="ja-JP" dirty="0"/>
+          </a:p>
+          <a:p>
             <a:r>
               <a:rPr lang="ja-JP" altLang="en-US" dirty="0"/>
-              <a:t>。</a:t>
+              <a:t>呼びます。</a:t>
             </a:r>
             <a:endParaRPr lang="en-US" altLang="ja-JP" dirty="0"/>
           </a:p>
@@ -8812,11 +8874,7 @@
             </a:r>
             <a:r>
               <a:rPr lang="ja-JP" altLang="en-US" dirty="0"/>
-              <a:t>言語のコードは大きく以下の二つのセクション</a:t>
-            </a:r>
-            <a:r>
-              <a:rPr lang="ja-JP" altLang="en-US" dirty="0" smtClean="0"/>
-              <a:t>に分けて考えると学習しやすいです。</a:t>
+              <a:t>言語のコードは大きく以下の二つのセクションに分けて考えると学習しやすいです。</a:t>
             </a:r>
             <a:endParaRPr kumimoji="1" lang="en-US" altLang="ja-JP" dirty="0"/>
           </a:p>
@@ -8868,11 +8926,7 @@
             </a:r>
             <a:r>
               <a:rPr kumimoji="1" lang="en-US" altLang="ja-JP" sz="2000" dirty="0"/>
-              <a:t> </a:t>
-            </a:r>
-            <a:r>
-              <a:rPr kumimoji="1" lang="en-US" altLang="ja-JP" sz="2000" dirty="0" smtClean="0"/>
-              <a:t>HelloWorld</a:t>
+              <a:t> HelloWorld</a:t>
             </a:r>
             <a:endParaRPr kumimoji="1" lang="ja-JP" altLang="en-US" sz="2000" dirty="0"/>
           </a:p>
@@ -8955,7 +9009,7 @@
               <a:t>end </a:t>
             </a:r>
             <a:r>
-              <a:rPr lang="en-US" altLang="ja-JP" sz="2000" dirty="0" smtClean="0"/>
+              <a:rPr lang="en-US" altLang="ja-JP" sz="2000" dirty="0"/>
               <a:t>HelloWorld;</a:t>
             </a:r>
             <a:endParaRPr kumimoji="1" lang="ja-JP" altLang="en-US" sz="2000" dirty="0"/>
@@ -9010,29 +9064,13 @@
           <a:p>
             <a:r>
               <a:rPr lang="ja-JP" altLang="en-US" dirty="0"/>
-              <a:t>ここで記述された</a:t>
-            </a:r>
-            <a:r>
-              <a:rPr lang="ja-JP" altLang="en-US" dirty="0" smtClean="0"/>
-              <a:t>方程式群は</a:t>
-            </a:r>
+              <a:t>ここで記述された方程式群は計算実行時に自動的に未知数が選別され連立方程式が立てられ解が得られます。</a:t>
+            </a:r>
+            <a:endParaRPr lang="en-US" altLang="ja-JP" dirty="0"/>
+          </a:p>
+          <a:p>
             <a:r>
               <a:rPr lang="ja-JP" altLang="en-US" dirty="0"/>
-              <a:t>計算実行時</a:t>
-            </a:r>
-            <a:r>
-              <a:rPr lang="ja-JP" altLang="en-US" dirty="0" smtClean="0"/>
-              <a:t>に自動的に未知数が選別され連立方程式が立てられ解</a:t>
-            </a:r>
-            <a:r>
-              <a:rPr lang="ja-JP" altLang="en-US" dirty="0"/>
-              <a:t>が得られます。</a:t>
-            </a:r>
-            <a:endParaRPr lang="en-US" altLang="ja-JP" dirty="0"/>
-          </a:p>
-          <a:p>
-            <a:r>
-              <a:rPr lang="ja-JP" altLang="en-US" dirty="0" smtClean="0"/>
               <a:t>これを</a:t>
             </a:r>
             <a:r>
@@ -9062,24 +9100,16 @@
               <a:t>この範囲を便宜的に</a:t>
             </a:r>
             <a:r>
-              <a:rPr lang="ja-JP" altLang="en-US" b="1" dirty="0" smtClean="0"/>
+              <a:rPr lang="ja-JP" altLang="en-US" b="1" dirty="0"/>
               <a:t>「</a:t>
             </a:r>
             <a:r>
               <a:rPr lang="en-US" altLang="ja-JP" b="1" dirty="0"/>
-              <a:t>e</a:t>
-            </a:r>
-            <a:r>
-              <a:rPr lang="en-US" altLang="ja-JP" b="1" dirty="0" smtClean="0"/>
-              <a:t>quation</a:t>
-            </a:r>
-            <a:r>
-              <a:rPr lang="ja-JP" altLang="en-US" b="1" dirty="0" smtClean="0"/>
-              <a:t> </a:t>
+              <a:t>equation</a:t>
             </a:r>
             <a:r>
               <a:rPr lang="ja-JP" altLang="en-US" b="1" dirty="0"/>
-              <a:t>セクション」</a:t>
+              <a:t> セクション」</a:t>
             </a:r>
             <a:r>
               <a:rPr lang="ja-JP" altLang="en-US" dirty="0"/>
@@ -9161,10 +9191,9 @@
               <a:t>declaration</a:t>
             </a:r>
             <a:r>
-              <a:rPr kumimoji="1" lang="ja-JP" altLang="en-US" b="1" dirty="0" smtClean="0"/>
+              <a:rPr kumimoji="1" lang="ja-JP" altLang="en-US" b="1" dirty="0"/>
               <a:t>セクション</a:t>
             </a:r>
-            <a:endParaRPr kumimoji="1" lang="ja-JP" altLang="en-US" b="1" dirty="0"/>
           </a:p>
         </p:txBody>
       </p:sp>
@@ -9555,7 +9584,7 @@
           </a:ln>
           <a:extLst>
             <a:ext uri="{C572A759-6A51-4108-AA02-DFA0A04FC94B}">
-              <ma14:wrappingTextBoxFlag xmlns:ma14="http://schemas.microsoft.com/office/mac/drawingml/2011/main" xmlns="" val="1"/>
+              <ma14:wrappingTextBoxFlag xmlns="" xmlns:ma14="http://schemas.microsoft.com/office/mac/drawingml/2011/main" val="1"/>
             </a:ext>
           </a:extLst>
         </p:spPr>
@@ -9812,15 +9841,7 @@
             </a:r>
             <a:r>
               <a:rPr kumimoji="1" lang="ja-JP" altLang="en-US" dirty="0"/>
-              <a:t>」</a:t>
-            </a:r>
-            <a:r>
-              <a:rPr kumimoji="1" lang="ja-JP" altLang="en-US" dirty="0" smtClean="0"/>
-              <a:t>は未知数となる実数型</a:t>
-            </a:r>
-            <a:r>
-              <a:rPr kumimoji="1" lang="ja-JP" altLang="en-US" dirty="0" smtClean="0"/>
-              <a:t>、</a:t>
+              <a:t>」は未知数となる実数型、</a:t>
             </a:r>
             <a:endParaRPr kumimoji="1" lang="en-US" altLang="ja-JP" dirty="0"/>
           </a:p>
@@ -9835,48 +9856,39 @@
             </a:r>
             <a:r>
               <a:rPr lang="ja-JP" altLang="en-US" dirty="0"/>
-              <a:t>」</a:t>
-            </a:r>
-            <a:r>
-              <a:rPr lang="ja-JP" altLang="en-US" dirty="0" smtClean="0"/>
-              <a:t>はユーザーが入力する既知数</a:t>
-            </a:r>
-            <a:r>
-              <a:rPr kumimoji="1" lang="ja-JP" altLang="en-US" dirty="0" smtClean="0"/>
+              <a:t>」はユーザーが入力する既知数</a:t>
+            </a:r>
+            <a:r>
+              <a:rPr kumimoji="1" lang="ja-JP" altLang="en-US" dirty="0"/>
               <a:t>で</a:t>
             </a:r>
             <a:r>
-              <a:rPr lang="ja-JP" altLang="en-US" dirty="0" smtClean="0"/>
-              <a:t>す</a:t>
-            </a:r>
-            <a:r>
-              <a:rPr lang="ja-JP" altLang="en-US" dirty="0" smtClean="0"/>
-              <a:t>。</a:t>
-            </a:r>
-            <a:endParaRPr lang="en-US" altLang="ja-JP" dirty="0" smtClean="0"/>
-          </a:p>
-          <a:p>
-            <a:r>
-              <a:rPr kumimoji="1" lang="ja-JP" altLang="en-US" dirty="0" smtClean="0"/>
+              <a:rPr lang="ja-JP" altLang="en-US" dirty="0"/>
+              <a:t>す。</a:t>
+            </a:r>
+            <a:endParaRPr lang="en-US" altLang="ja-JP" dirty="0"/>
+          </a:p>
+          <a:p>
+            <a:r>
+              <a:rPr kumimoji="1" lang="ja-JP" altLang="en-US" dirty="0"/>
               <a:t>「</a:t>
             </a:r>
             <a:r>
-              <a:rPr kumimoji="1" lang="en-US" altLang="ja-JP" dirty="0" smtClean="0"/>
+              <a:rPr kumimoji="1" lang="en-US" altLang="ja-JP" dirty="0"/>
               <a:t>start=1</a:t>
             </a:r>
             <a:r>
-              <a:rPr kumimoji="1" lang="ja-JP" altLang="en-US" dirty="0" smtClean="0"/>
+              <a:rPr kumimoji="1" lang="ja-JP" altLang="en-US" dirty="0"/>
               <a:t>」は初期値が</a:t>
             </a:r>
             <a:r>
-              <a:rPr kumimoji="1" lang="en-US" altLang="ja-JP" dirty="0" smtClean="0"/>
+              <a:rPr kumimoji="1" lang="en-US" altLang="ja-JP" dirty="0"/>
               <a:t>1</a:t>
             </a:r>
             <a:r>
-              <a:rPr kumimoji="1" lang="ja-JP" altLang="en-US" dirty="0" smtClean="0"/>
+              <a:rPr kumimoji="1" lang="ja-JP" altLang="en-US" dirty="0"/>
               <a:t>という意味です。</a:t>
             </a:r>
-            <a:endParaRPr kumimoji="1" lang="ja-JP" altLang="en-US" dirty="0"/>
           </a:p>
         </p:txBody>
       </p:sp>
@@ -9911,7 +9923,7 @@
               <a:lstStyle/>
               <a:p>
                 <a:r>
-                  <a:rPr lang="ja-JP" altLang="en-US" dirty="0" smtClean="0"/>
+                  <a:rPr lang="ja-JP" altLang="en-US" dirty="0"/>
                   <a:t>方程式 </a:t>
                 </a:r>
                 <a14:m>
@@ -9965,12 +9977,8 @@
                   </m:oMath>
                 </a14:m>
                 <a:r>
-                  <a:rPr lang="ja-JP" altLang="en-US" dirty="0" smtClean="0"/>
-                  <a:t> </a:t>
-                </a:r>
-                <a:r>
                   <a:rPr lang="ja-JP" altLang="en-US" dirty="0"/>
-                  <a:t>を解く、というコマンドです。</a:t>
+                  <a:t> を解く、というコマンドです。</a:t>
                 </a:r>
                 <a:endParaRPr lang="en-US" altLang="ja-JP" dirty="0"/>
               </a:p>
@@ -9980,15 +9988,7 @@
               <a:p>
                 <a:r>
                   <a:rPr lang="ja-JP" altLang="en-US" dirty="0"/>
-                  <a:t>一般的</a:t>
-                </a:r>
-                <a:r>
-                  <a:rPr lang="ja-JP" altLang="en-US" dirty="0" smtClean="0"/>
-                  <a:t>なプログラミング言語</a:t>
-                </a:r>
-                <a:r>
-                  <a:rPr lang="ja-JP" altLang="en-US" dirty="0"/>
-                  <a:t>では</a:t>
+                  <a:t>一般的なプログラミング言語では</a:t>
                 </a:r>
                 <a:endParaRPr lang="en-US" altLang="ja-JP" dirty="0"/>
               </a:p>
@@ -10035,15 +10035,7 @@
                 </a:r>
                 <a:r>
                   <a:rPr lang="ja-JP" altLang="en-US" dirty="0"/>
-                  <a:t>は自動的</a:t>
-                </a:r>
-                <a:r>
-                  <a:rPr lang="ja-JP" altLang="en-US" dirty="0" smtClean="0"/>
-                  <a:t>に解が求まります</a:t>
-                </a:r>
-                <a:r>
-                  <a:rPr lang="ja-JP" altLang="en-US" dirty="0"/>
-                  <a:t>。</a:t>
+                  <a:t>は自動的に解が求まります。</a:t>
                 </a:r>
                 <a:endParaRPr lang="en-US" altLang="ja-JP" dirty="0"/>
               </a:p>
@@ -10243,63 +10235,59 @@
           <a:lstStyle/>
           <a:p>
             <a:r>
-              <a:rPr kumimoji="1" lang="en-US" altLang="ja-JP" sz="1600" dirty="0" smtClean="0"/>
+              <a:rPr kumimoji="1" lang="en-US" altLang="ja-JP" sz="1600" dirty="0"/>
               <a:t>Tips</a:t>
             </a:r>
           </a:p>
           <a:p>
             <a:r>
               <a:rPr lang="en-US" altLang="ja-JP" sz="1600" dirty="0"/>
-              <a:t> </a:t>
-            </a:r>
-            <a:r>
-              <a:rPr lang="en-US" altLang="ja-JP" sz="1600" dirty="0" smtClean="0"/>
-              <a:t> </a:t>
-            </a:r>
-            <a:r>
-              <a:rPr lang="ja-JP" altLang="en-US" sz="1600" dirty="0" smtClean="0"/>
+              <a:t>  </a:t>
+            </a:r>
+            <a:r>
+              <a:rPr lang="ja-JP" altLang="en-US" sz="1600" dirty="0"/>
               <a:t>テキストビューで「</a:t>
             </a:r>
             <a:r>
-              <a:rPr lang="en-US" altLang="ja-JP" sz="1600" dirty="0" smtClean="0"/>
+              <a:rPr lang="en-US" altLang="ja-JP" sz="1600" dirty="0"/>
               <a:t>r</a:t>
             </a:r>
             <a:r>
-              <a:rPr lang="ja-JP" altLang="en-US" sz="1600" dirty="0" smtClean="0"/>
+              <a:rPr lang="ja-JP" altLang="en-US" sz="1600" dirty="0"/>
               <a:t>」と入力すると「</a:t>
             </a:r>
             <a:r>
-              <a:rPr lang="en-US" altLang="ja-JP" sz="1600" dirty="0" smtClean="0"/>
+              <a:rPr lang="en-US" altLang="ja-JP" sz="1600" dirty="0"/>
               <a:t>Real</a:t>
             </a:r>
             <a:r>
-              <a:rPr lang="ja-JP" altLang="en-US" sz="1600" dirty="0" smtClean="0"/>
+              <a:rPr lang="ja-JP" altLang="en-US" sz="1600" dirty="0"/>
               <a:t>」などの</a:t>
             </a:r>
-            <a:endParaRPr lang="en-US" altLang="ja-JP" sz="1600" dirty="0" smtClean="0"/>
-          </a:p>
-          <a:p>
-            <a:r>
-              <a:rPr lang="ja-JP" altLang="en-US" sz="1600" dirty="0" smtClean="0"/>
+            <a:endParaRPr lang="en-US" altLang="ja-JP" sz="1600" dirty="0"/>
+          </a:p>
+          <a:p>
+            <a:r>
+              <a:rPr lang="ja-JP" altLang="en-US" sz="1600" dirty="0"/>
               <a:t>予約語が表示されます。</a:t>
             </a:r>
             <a:r>
-              <a:rPr lang="en-US" altLang="ja-JP" sz="1600" dirty="0" smtClean="0"/>
+              <a:rPr lang="en-US" altLang="ja-JP" sz="1600" dirty="0"/>
               <a:t>Tab</a:t>
             </a:r>
             <a:r>
-              <a:rPr lang="ja-JP" altLang="en-US" sz="1600" dirty="0" smtClean="0"/>
+              <a:rPr lang="ja-JP" altLang="en-US" sz="1600" dirty="0"/>
               <a:t>キーや</a:t>
             </a:r>
             <a:r>
-              <a:rPr lang="en-US" altLang="ja-JP" sz="1600" dirty="0" smtClean="0"/>
+              <a:rPr lang="en-US" altLang="ja-JP" sz="1600" dirty="0"/>
               <a:t>Enter</a:t>
             </a:r>
             <a:r>
-              <a:rPr lang="ja-JP" altLang="en-US" sz="1600" dirty="0" smtClean="0"/>
+              <a:rPr lang="ja-JP" altLang="en-US" sz="1600" dirty="0"/>
               <a:t>キーを押すことで</a:t>
             </a:r>
-            <a:endParaRPr lang="en-US" altLang="ja-JP" sz="1600" dirty="0" smtClean="0"/>
+            <a:endParaRPr lang="en-US" altLang="ja-JP" sz="1600" dirty="0"/>
           </a:p>
           <a:p>
             <a:r>
@@ -10307,7 +10295,7 @@
               <a:t>反映</a:t>
             </a:r>
             <a:r>
-              <a:rPr kumimoji="1" lang="ja-JP" altLang="en-US" sz="1600" smtClean="0"/>
+              <a:rPr kumimoji="1" lang="ja-JP" altLang="en-US" sz="1600"/>
               <a:t>されるので使いこなすと非常に便利です。</a:t>
             </a:r>
             <a:endParaRPr kumimoji="1" lang="ja-JP" altLang="en-US" sz="1600" dirty="0"/>
@@ -10369,7 +10357,7 @@
           </a:ln>
           <a:extLst>
             <a:ext uri="{C572A759-6A51-4108-AA02-DFA0A04FC94B}">
-              <ma14:wrappingTextBoxFlag xmlns:ma14="http://schemas.microsoft.com/office/mac/drawingml/2011/main" xmlns="" val="1"/>
+              <ma14:wrappingTextBoxFlag xmlns="" xmlns:ma14="http://schemas.microsoft.com/office/mac/drawingml/2011/main" val="1"/>
             </a:ext>
           </a:extLst>
         </p:spPr>
@@ -10512,31 +10500,19 @@
           <a:lstStyle/>
           <a:p>
             <a:r>
-              <a:rPr kumimoji="1" lang="ja-JP" altLang="en-US" dirty="0" smtClean="0"/>
-              <a:t>方程式</a:t>
-            </a:r>
-            <a:r>
               <a:rPr kumimoji="1" lang="ja-JP" altLang="en-US" dirty="0"/>
-              <a:t>が解くことが可能か</a:t>
+              <a:t>方程式が解くことが可能か</a:t>
             </a:r>
             <a:r>
               <a:rPr lang="ja-JP" altLang="en-US" dirty="0"/>
-              <a:t>どうかやモデルの</a:t>
-            </a:r>
-            <a:r>
-              <a:rPr lang="ja-JP" altLang="en-US" dirty="0" smtClean="0"/>
-              <a:t>エラーを</a:t>
+              <a:t>どうかやモデルのエラーを</a:t>
             </a:r>
             <a:r>
               <a:rPr kumimoji="1" lang="ja-JP" altLang="en-US" dirty="0"/>
-              <a:t>以下の「モデルチェック」に</a:t>
-            </a:r>
-            <a:r>
-              <a:rPr kumimoji="1" lang="ja-JP" altLang="en-US" dirty="0" smtClean="0"/>
-              <a:t>よって</a:t>
-            </a:r>
-            <a:r>
-              <a:rPr lang="ja-JP" altLang="en-US" dirty="0" smtClean="0"/>
+              <a:t>以下の「モデルチェック」によって</a:t>
+            </a:r>
+            <a:r>
+              <a:rPr lang="ja-JP" altLang="en-US" dirty="0"/>
               <a:t>確認できます。</a:t>
             </a:r>
             <a:endParaRPr kumimoji="1" lang="ja-JP" altLang="en-US" dirty="0"/>
@@ -10836,7 +10812,7 @@
           </a:ln>
           <a:extLst>
             <a:ext uri="{C572A759-6A51-4108-AA02-DFA0A04FC94B}">
-              <ma14:wrappingTextBoxFlag xmlns:ma14="http://schemas.microsoft.com/office/mac/drawingml/2011/main" xmlns="" val="1"/>
+              <ma14:wrappingTextBoxFlag xmlns="" xmlns:ma14="http://schemas.microsoft.com/office/mac/drawingml/2011/main" val="1"/>
             </a:ext>
           </a:extLst>
         </p:spPr>
@@ -10988,13 +10964,8 @@
           <a:p>
             <a:r>
               <a:rPr kumimoji="1" lang="ja-JP" altLang="en-US" dirty="0"/>
-              <a:t>以下の「シミュレート」をクリックし、解析を実行して</a:t>
-            </a:r>
-            <a:r>
-              <a:rPr kumimoji="1" lang="ja-JP" altLang="en-US" dirty="0" smtClean="0"/>
-              <a:t>ください。</a:t>
-            </a:r>
-            <a:endParaRPr kumimoji="1" lang="ja-JP" altLang="en-US" dirty="0"/>
+              <a:t>以下の「シミュレート」をクリックし、解析を実行してください。</a:t>
+            </a:r>
           </a:p>
         </p:txBody>
       </p:sp>
@@ -11223,7 +11194,7 @@
               <a:lstStyle/>
               <a:p>
                 <a:r>
-                  <a:rPr lang="ja-JP" altLang="en-US" dirty="0" smtClean="0"/>
+                  <a:rPr lang="ja-JP" altLang="en-US" dirty="0"/>
                   <a:t>グラフが</a:t>
                 </a:r>
                 <a14:m>
@@ -11274,12 +11245,8 @@
                   </m:oMath>
                 </a14:m>
                 <a:r>
-                  <a:rPr lang="ja-JP" altLang="en-US" dirty="0" smtClean="0"/>
-                  <a:t>となっていることを確認</a:t>
-                </a:r>
-                <a:r>
                   <a:rPr lang="ja-JP" altLang="en-US" dirty="0"/>
-                  <a:t>してください</a:t>
+                  <a:t>となっていることを確認してください</a:t>
                 </a:r>
                 <a:endParaRPr lang="en-US" altLang="ja-JP" dirty="0"/>
               </a:p>
@@ -11289,27 +11256,7 @@
               <a:p>
                 <a:r>
                   <a:rPr lang="ja-JP" altLang="en-US" dirty="0"/>
-                  <a:t>また、式を変形</a:t>
-                </a:r>
-                <a:r>
-                  <a:rPr lang="ja-JP" altLang="en-US" dirty="0" smtClean="0"/>
-                  <a:t>し様々</a:t>
-                </a:r>
-                <a:r>
-                  <a:rPr lang="ja-JP" altLang="en-US" dirty="0"/>
-                  <a:t>な式を解くこと</a:t>
-                </a:r>
-                <a:r>
-                  <a:rPr lang="ja-JP" altLang="en-US" dirty="0" smtClean="0"/>
-                  <a:t>ができる</a:t>
-                </a:r>
-                <a:r>
-                  <a:rPr lang="ja-JP" altLang="en-US" dirty="0"/>
-                  <a:t>ことを確認</a:t>
-                </a:r>
-                <a:r>
-                  <a:rPr lang="ja-JP" altLang="en-US" dirty="0" smtClean="0"/>
-                  <a:t>してください</a:t>
+                  <a:t>また、式を変形し様々な式を解くことができることを確認してください</a:t>
                 </a:r>
                 <a:endParaRPr lang="en-US" altLang="ja-JP" dirty="0"/>
               </a:p>
